--- a/js_ppt/9강. JQuery .pptx
+++ b/js_ppt/9강. JQuery .pptx
@@ -15,14 +15,14 @@
     <p:sldId id="376" r:id="rId6"/>
     <p:sldId id="356" r:id="rId7"/>
     <p:sldId id="371" r:id="rId8"/>
-    <p:sldId id="395" r:id="rId9"/>
-    <p:sldId id="374" r:id="rId10"/>
-    <p:sldId id="391" r:id="rId11"/>
-    <p:sldId id="396" r:id="rId12"/>
-    <p:sldId id="389" r:id="rId13"/>
-    <p:sldId id="393" r:id="rId14"/>
-    <p:sldId id="369" r:id="rId15"/>
-    <p:sldId id="397" r:id="rId16"/>
+    <p:sldId id="389" r:id="rId9"/>
+    <p:sldId id="395" r:id="rId10"/>
+    <p:sldId id="439" r:id="rId11"/>
+    <p:sldId id="440" r:id="rId12"/>
+    <p:sldId id="393" r:id="rId13"/>
+    <p:sldId id="369" r:id="rId14"/>
+    <p:sldId id="397" r:id="rId15"/>
+    <p:sldId id="441" r:id="rId16"/>
     <p:sldId id="390" r:id="rId17"/>
     <p:sldId id="379" r:id="rId18"/>
     <p:sldId id="386" r:id="rId19"/>
@@ -269,7 +269,7 @@
           <a:p>
             <a:fld id="{7665CDAC-D627-4E87-877A-1B781DD4CADC}" type="datetimeFigureOut">
               <a:rPr lang="ko-KR" altLang="en-US" smtClean="0"/>
-              <a:t>2023-04-07</a:t>
+              <a:t>2023-04-11</a:t>
             </a:fld>
             <a:endParaRPr lang="ko-KR" altLang="en-US"/>
           </a:p>
@@ -683,7 +683,7 @@
           <a:p>
             <a:fld id="{C25BCFD5-C4DF-4EBC-B718-C69ED2FBDE6F}" type="datetime1">
               <a:rPr lang="ko-KR" altLang="en-US" smtClean="0"/>
-              <a:t>2023-04-07</a:t>
+              <a:t>2023-04-11</a:t>
             </a:fld>
             <a:endParaRPr lang="ko-KR" altLang="en-US"/>
           </a:p>
@@ -1101,7 +1101,7 @@
           <a:p>
             <a:fld id="{AB448CD7-D367-43D5-B461-ACE552E75063}" type="datetime1">
               <a:rPr lang="ko-KR" altLang="en-US" smtClean="0"/>
-              <a:t>2023-04-07</a:t>
+              <a:t>2023-04-11</a:t>
             </a:fld>
             <a:endParaRPr lang="ko-KR" altLang="en-US"/>
           </a:p>
@@ -1281,7 +1281,7 @@
           <a:p>
             <a:fld id="{B6E49E79-7361-4780-8BEF-7EDE3708298A}" type="datetime1">
               <a:rPr lang="ko-KR" altLang="en-US" smtClean="0"/>
-              <a:t>2023-04-07</a:t>
+              <a:t>2023-04-11</a:t>
             </a:fld>
             <a:endParaRPr lang="ko-KR" altLang="en-US"/>
           </a:p>
@@ -1455,7 +1455,7 @@
           <a:p>
             <a:fld id="{A4D42E3C-B70B-437C-85CF-1286301B9CBA}" type="datetime1">
               <a:rPr lang="ko-KR" altLang="en-US" smtClean="0"/>
-              <a:t>2023-04-07</a:t>
+              <a:t>2023-04-11</a:t>
             </a:fld>
             <a:endParaRPr lang="ko-KR" altLang="en-US"/>
           </a:p>
@@ -1701,7 +1701,7 @@
           <a:p>
             <a:fld id="{B3369A20-5B3D-4D98-A822-26B93D177A40}" type="datetime1">
               <a:rPr lang="ko-KR" altLang="en-US" smtClean="0"/>
-              <a:t>2023-04-07</a:t>
+              <a:t>2023-04-11</a:t>
             </a:fld>
             <a:endParaRPr lang="ko-KR" altLang="en-US"/>
           </a:p>
@@ -1989,7 +1989,7 @@
           <a:p>
             <a:fld id="{685CD4CE-9E43-4F70-A9D8-A2130CA7D92A}" type="datetime1">
               <a:rPr lang="ko-KR" altLang="en-US" smtClean="0"/>
-              <a:t>2023-04-07</a:t>
+              <a:t>2023-04-11</a:t>
             </a:fld>
             <a:endParaRPr lang="ko-KR" altLang="en-US"/>
           </a:p>
@@ -2411,7 +2411,7 @@
           <a:p>
             <a:fld id="{F752BD92-DA3E-4A0B-90C9-7DE5E15B6E96}" type="datetime1">
               <a:rPr lang="ko-KR" altLang="en-US" smtClean="0"/>
-              <a:t>2023-04-07</a:t>
+              <a:t>2023-04-11</a:t>
             </a:fld>
             <a:endParaRPr lang="ko-KR" altLang="en-US"/>
           </a:p>
@@ -2529,7 +2529,7 @@
           <a:p>
             <a:fld id="{8EA2B83A-F366-424E-B742-340ACF856BB5}" type="datetime1">
               <a:rPr lang="ko-KR" altLang="en-US" smtClean="0"/>
-              <a:t>2023-04-07</a:t>
+              <a:t>2023-04-11</a:t>
             </a:fld>
             <a:endParaRPr lang="ko-KR" altLang="en-US"/>
           </a:p>
@@ -2624,7 +2624,7 @@
           <a:p>
             <a:fld id="{9A49D68B-5DBD-48E9-A8D4-FCBC4B3DD9C6}" type="datetime1">
               <a:rPr lang="ko-KR" altLang="en-US" smtClean="0"/>
-              <a:t>2023-04-07</a:t>
+              <a:t>2023-04-11</a:t>
             </a:fld>
             <a:endParaRPr lang="ko-KR" altLang="en-US"/>
           </a:p>
@@ -2901,7 +2901,7 @@
           <a:p>
             <a:fld id="{4CAB534F-7D16-467B-9320-91F98915D181}" type="datetime1">
               <a:rPr lang="ko-KR" altLang="en-US" smtClean="0"/>
-              <a:t>2023-04-07</a:t>
+              <a:t>2023-04-11</a:t>
             </a:fld>
             <a:endParaRPr lang="ko-KR" altLang="en-US"/>
           </a:p>
@@ -3154,7 +3154,7 @@
           <a:p>
             <a:fld id="{A390A91F-2F8D-4486-A69D-D680F95444B0}" type="datetime1">
               <a:rPr lang="ko-KR" altLang="en-US" smtClean="0"/>
-              <a:t>2023-04-07</a:t>
+              <a:t>2023-04-11</a:t>
             </a:fld>
             <a:endParaRPr lang="ko-KR" altLang="en-US"/>
           </a:p>
@@ -3334,7 +3334,7 @@
           <a:p>
             <a:fld id="{2238BBEA-E8DD-414A-BF68-FC2AFA7CFF2D}" type="datetime1">
               <a:rPr lang="ko-KR" altLang="en-US" smtClean="0"/>
-              <a:t>2023-04-07</a:t>
+              <a:t>2023-04-11</a:t>
             </a:fld>
             <a:endParaRPr lang="ko-KR" altLang="en-US"/>
           </a:p>
@@ -4349,24 +4349,16 @@
           <a:p>
             <a:pPr algn="ctr"/>
             <a:r>
-              <a:rPr lang="ko-KR" altLang="en-US" sz="2800" dirty="0"/>
-              <a:t>객체 제어 </a:t>
-            </a:r>
-            <a:r>
-              <a:rPr lang="ko-KR" altLang="en-US" sz="2800" dirty="0" smtClean="0"/>
-              <a:t>함수 </a:t>
-            </a:r>
-            <a:r>
               <a:rPr lang="en-US" altLang="ko-KR" sz="2800" dirty="0" smtClean="0"/>
-              <a:t>- </a:t>
-            </a:r>
-            <a:r>
-              <a:rPr lang="en-US" altLang="ko-KR" sz="2800" dirty="0" err="1" smtClean="0"/>
-              <a:t>css</a:t>
-            </a:r>
-            <a:r>
-              <a:rPr lang="en-US" altLang="ko-KR" sz="2800" dirty="0" smtClean="0"/>
-              <a:t>()</a:t>
+              <a:t>jQuery </a:t>
+            </a:r>
+            <a:r>
+              <a:rPr lang="ko-KR" altLang="en-US" sz="2800" dirty="0" err="1" smtClean="0"/>
+              <a:t>선택</a:t>
+            </a:r>
+            <a:r>
+              <a:rPr lang="ko-KR" altLang="en-US" sz="2800" dirty="0" err="1"/>
+              <a:t>자</a:t>
             </a:r>
             <a:endParaRPr lang="ko-KR" altLang="en-US" sz="2800" dirty="0"/>
           </a:p>
@@ -4395,56 +4387,9 @@
           </a:p>
         </p:txBody>
       </p:sp>
-      <p:sp>
-        <p:nvSpPr>
-          <p:cNvPr id="6" name="TextBox 5"/>
-          <p:cNvSpPr txBox="1"/>
-          <p:nvPr/>
-        </p:nvSpPr>
-        <p:spPr>
-          <a:xfrm>
-            <a:off x="1136576" y="1336993"/>
-            <a:ext cx="5616624" cy="507831"/>
-          </a:xfrm>
-          <a:prstGeom prst="rect">
-            <a:avLst/>
-          </a:prstGeom>
-          <a:noFill/>
-        </p:spPr>
-        <p:txBody>
-          <a:bodyPr wrap="square" rtlCol="0">
-            <a:spAutoFit/>
-          </a:bodyPr>
-          <a:lstStyle/>
-          <a:p>
-            <a:pPr>
-              <a:lnSpc>
-                <a:spcPct val="150000"/>
-              </a:lnSpc>
-            </a:pPr>
-            <a:r>
-              <a:rPr lang="en-US" altLang="ko-KR" b="1" dirty="0" err="1"/>
-              <a:t>c</a:t>
-            </a:r>
-            <a:r>
-              <a:rPr lang="en-US" altLang="ko-KR" b="1" dirty="0" err="1" smtClean="0"/>
-              <a:t>ss</a:t>
-            </a:r>
-            <a:r>
-              <a:rPr lang="en-US" altLang="ko-KR" b="1" dirty="0" smtClean="0"/>
-              <a:t>() </a:t>
-            </a:r>
-            <a:r>
-              <a:rPr lang="ko-KR" altLang="en-US" b="1" dirty="0" smtClean="0"/>
-              <a:t>함수 </a:t>
-            </a:r>
-            <a:endParaRPr lang="en-US" altLang="ko-KR" sz="2000" b="1" dirty="0" smtClean="0"/>
-          </a:p>
-        </p:txBody>
-      </p:sp>
       <p:pic>
         <p:nvPicPr>
-          <p:cNvPr id="3" name="그림 2"/>
+          <p:cNvPr id="5" name="그림 4"/>
           <p:cNvPicPr>
             <a:picLocks noChangeAspect="1"/>
           </p:cNvPicPr>
@@ -4464,8 +4409,8 @@
         </p:blipFill>
         <p:spPr>
           <a:xfrm>
-            <a:off x="1424608" y="1988840"/>
-            <a:ext cx="6515665" cy="3657917"/>
+            <a:off x="1784648" y="1628800"/>
+            <a:ext cx="4846740" cy="3398815"/>
           </a:xfrm>
           <a:prstGeom prst="rect">
             <a:avLst/>
@@ -4482,7 +4427,7 @@
     </p:spTree>
     <p:extLst>
       <p:ext uri="{BB962C8B-B14F-4D97-AF65-F5344CB8AC3E}">
-        <p14:creationId xmlns:p14="http://schemas.microsoft.com/office/powerpoint/2010/main" val="1456506978"/>
+        <p14:creationId xmlns:p14="http://schemas.microsoft.com/office/powerpoint/2010/main" val="3175344901"/>
       </p:ext>
     </p:extLst>
   </p:cSld>
@@ -4538,20 +4483,20 @@
           </a:bodyPr>
           <a:lstStyle/>
           <a:p>
-            <a:pPr algn="ctr">
-              <a:lnSpc>
-                <a:spcPct val="150000"/>
-              </a:lnSpc>
-            </a:pPr>
-            <a:r>
-              <a:rPr lang="ko-KR" altLang="en-US" sz="2800" b="1" dirty="0"/>
-              <a:t>문서 객체 조작</a:t>
-            </a:r>
-            <a:r>
-              <a:rPr lang="en-US" altLang="ko-KR" sz="2800" b="1" dirty="0"/>
-              <a:t>(DOM Control)</a:t>
-            </a:r>
-            <a:endParaRPr lang="en-US" altLang="ko-KR" sz="2800" dirty="0"/>
+            <a:pPr algn="ctr"/>
+            <a:r>
+              <a:rPr lang="en-US" altLang="ko-KR" sz="2800" dirty="0" smtClean="0"/>
+              <a:t>jQuery </a:t>
+            </a:r>
+            <a:r>
+              <a:rPr lang="ko-KR" altLang="en-US" sz="2800" dirty="0" err="1" smtClean="0"/>
+              <a:t>선택</a:t>
+            </a:r>
+            <a:r>
+              <a:rPr lang="ko-KR" altLang="en-US" sz="2800" dirty="0" err="1"/>
+              <a:t>자</a:t>
+            </a:r>
+            <a:endParaRPr lang="ko-KR" altLang="en-US" sz="2800" dirty="0"/>
           </a:p>
         </p:txBody>
       </p:sp>
@@ -4586,7 +4531,7 @@
           </p:cNvPicPr>
           <p:nvPr/>
         </p:nvPicPr>
-        <p:blipFill rotWithShape="1">
+        <p:blipFill>
           <a:blip r:embed="rId2">
             <a:extLst>
               <a:ext uri="{28A0092B-C50C-407E-A947-70E740481C1C}">
@@ -4594,30 +4539,79 @@
               </a:ext>
             </a:extLst>
           </a:blip>
-          <a:srcRect r="21942" b="48015"/>
-          <a:stretch/>
+          <a:stretch>
+            <a:fillRect/>
+          </a:stretch>
         </p:blipFill>
         <p:spPr>
           <a:xfrm>
-            <a:off x="4736976" y="1772816"/>
-            <a:ext cx="2938715" cy="2376264"/>
+            <a:off x="1352600" y="1484784"/>
+            <a:ext cx="3740902" cy="3240359"/>
           </a:xfrm>
           <a:prstGeom prst="rect">
             <a:avLst/>
           </a:prstGeom>
           <a:ln>
             <a:solidFill>
-              <a:schemeClr val="accent5">
-                <a:lumMod val="20000"/>
-                <a:lumOff val="80000"/>
+              <a:schemeClr val="bg1">
+                <a:lumMod val="85000"/>
               </a:schemeClr>
             </a:solidFill>
           </a:ln>
         </p:spPr>
       </p:pic>
+      <p:sp>
+        <p:nvSpPr>
+          <p:cNvPr id="12" name="TextBox 11"/>
+          <p:cNvSpPr txBox="1"/>
+          <p:nvPr/>
+        </p:nvSpPr>
+        <p:spPr>
+          <a:xfrm>
+            <a:off x="7540017" y="1758284"/>
+            <a:ext cx="1606115" cy="374571"/>
+          </a:xfrm>
+          <a:prstGeom prst="roundRect">
+            <a:avLst/>
+          </a:prstGeom>
+          <a:ln w="19050"/>
+        </p:spPr>
+        <p:style>
+          <a:lnRef idx="2">
+            <a:schemeClr val="accent1"/>
+          </a:lnRef>
+          <a:fillRef idx="1">
+            <a:schemeClr val="lt1"/>
+          </a:fillRef>
+          <a:effectRef idx="0">
+            <a:schemeClr val="accent1"/>
+          </a:effectRef>
+          <a:fontRef idx="minor">
+            <a:schemeClr val="dk1"/>
+          </a:fontRef>
+        </p:style>
+        <p:txBody>
+          <a:bodyPr wrap="square" rtlCol="0">
+            <a:spAutoFit/>
+          </a:bodyPr>
+          <a:lstStyle/>
+          <a:p>
+            <a:pPr algn="ctr"/>
+            <a:r>
+              <a:rPr lang="en-US" altLang="ko-KR" sz="1600" dirty="0" smtClean="0"/>
+              <a:t>j</a:t>
+            </a:r>
+            <a:r>
+              <a:rPr lang="en-US" altLang="ko-KR" sz="1600" dirty="0" smtClean="0"/>
+              <a:t>query2.html</a:t>
+            </a:r>
+            <a:endParaRPr lang="ko-KR" altLang="en-US" sz="1600" dirty="0"/>
+          </a:p>
+        </p:txBody>
+      </p:sp>
       <p:pic>
         <p:nvPicPr>
-          <p:cNvPr id="7" name="그림 6"/>
+          <p:cNvPr id="9" name="그림 8"/>
           <p:cNvPicPr>
             <a:picLocks noChangeAspect="1"/>
           </p:cNvPicPr>
@@ -4637,38 +4631,8 @@
         </p:blipFill>
         <p:spPr>
           <a:xfrm>
-            <a:off x="1352600" y="1772816"/>
-            <a:ext cx="2592288" cy="1704190"/>
-          </a:xfrm>
-          <a:prstGeom prst="rect">
-            <a:avLst/>
-          </a:prstGeom>
-        </p:spPr>
-      </p:pic>
-      <p:pic>
-        <p:nvPicPr>
-          <p:cNvPr id="3" name="그림 2"/>
-          <p:cNvPicPr>
-            <a:picLocks noChangeAspect="1"/>
-          </p:cNvPicPr>
-          <p:nvPr/>
-        </p:nvPicPr>
-        <p:blipFill>
-          <a:blip r:embed="rId4">
-            <a:extLst>
-              <a:ext uri="{28A0092B-C50C-407E-A947-70E740481C1C}">
-                <a14:useLocalDpi xmlns:a14="http://schemas.microsoft.com/office/drawing/2010/main" val="0"/>
-              </a:ext>
-            </a:extLst>
-          </a:blip>
-          <a:stretch>
-            <a:fillRect/>
-          </a:stretch>
-        </p:blipFill>
-        <p:spPr>
-          <a:xfrm>
-            <a:off x="1496617" y="4308982"/>
-            <a:ext cx="6552728" cy="1783056"/>
+            <a:off x="4180323" y="2236011"/>
+            <a:ext cx="5090319" cy="4217326"/>
           </a:xfrm>
           <a:prstGeom prst="rect">
             <a:avLst/>
@@ -4682,55 +4646,10 @@
           </a:ln>
         </p:spPr>
       </p:pic>
-      <p:sp>
-        <p:nvSpPr>
-          <p:cNvPr id="8" name="TextBox 7"/>
-          <p:cNvSpPr txBox="1"/>
-          <p:nvPr/>
-        </p:nvSpPr>
-        <p:spPr>
-          <a:xfrm>
-            <a:off x="7113240" y="2852936"/>
-            <a:ext cx="1606115" cy="374571"/>
-          </a:xfrm>
-          <a:prstGeom prst="roundRect">
-            <a:avLst/>
-          </a:prstGeom>
-          <a:ln w="19050"/>
-        </p:spPr>
-        <p:style>
-          <a:lnRef idx="2">
-            <a:schemeClr val="accent1"/>
-          </a:lnRef>
-          <a:fillRef idx="1">
-            <a:schemeClr val="lt1"/>
-          </a:fillRef>
-          <a:effectRef idx="0">
-            <a:schemeClr val="accent1"/>
-          </a:effectRef>
-          <a:fontRef idx="minor">
-            <a:schemeClr val="dk1"/>
-          </a:fontRef>
-        </p:style>
-        <p:txBody>
-          <a:bodyPr wrap="square" rtlCol="0">
-            <a:spAutoFit/>
-          </a:bodyPr>
-          <a:lstStyle/>
-          <a:p>
-            <a:pPr algn="ctr"/>
-            <a:r>
-              <a:rPr lang="en-US" altLang="ko-KR" sz="1600" dirty="0" smtClean="0"/>
-              <a:t>jq_css3.html</a:t>
-            </a:r>
-            <a:endParaRPr lang="ko-KR" altLang="en-US" sz="1600" dirty="0"/>
-          </a:p>
-        </p:txBody>
-      </p:sp>
     </p:spTree>
     <p:extLst>
       <p:ext uri="{BB962C8B-B14F-4D97-AF65-F5344CB8AC3E}">
-        <p14:creationId xmlns:p14="http://schemas.microsoft.com/office/powerpoint/2010/main" val="2638425190"/>
+        <p14:creationId xmlns:p14="http://schemas.microsoft.com/office/powerpoint/2010/main" val="4143742767"/>
       </p:ext>
     </p:extLst>
   </p:cSld>
@@ -4786,28 +4705,16 @@
           </a:bodyPr>
           <a:lstStyle/>
           <a:p>
-            <a:pPr algn="ctr">
-              <a:lnSpc>
-                <a:spcPct val="150000"/>
-              </a:lnSpc>
-            </a:pPr>
-            <a:r>
-              <a:rPr lang="ko-KR" altLang="en-US" sz="2800" b="1" dirty="0"/>
-              <a:t>문서 객체 </a:t>
-            </a:r>
-            <a:r>
-              <a:rPr lang="ko-KR" altLang="en-US" sz="2800" b="1" dirty="0" smtClean="0"/>
-              <a:t>제</a:t>
-            </a:r>
-            <a:r>
-              <a:rPr lang="ko-KR" altLang="en-US" sz="2800" b="1" dirty="0"/>
-              <a:t>어</a:t>
-            </a:r>
-            <a:r>
-              <a:rPr lang="ko-KR" altLang="en-US" sz="2800" b="1" dirty="0" smtClean="0"/>
-              <a:t> 함수</a:t>
-            </a:r>
-            <a:endParaRPr lang="en-US" altLang="ko-KR" sz="2800" b="1" dirty="0"/>
+            <a:pPr algn="ctr"/>
+            <a:r>
+              <a:rPr lang="en-US" altLang="ko-KR" sz="2800" dirty="0" smtClean="0"/>
+              <a:t>jQuery </a:t>
+            </a:r>
+            <a:r>
+              <a:rPr lang="ko-KR" altLang="en-US" sz="2800" dirty="0" smtClean="0"/>
+              <a:t>효과</a:t>
+            </a:r>
+            <a:endParaRPr lang="ko-KR" altLang="en-US" sz="2800" dirty="0"/>
           </a:p>
         </p:txBody>
       </p:sp>
@@ -4836,14 +4743,14 @@
       </p:sp>
       <p:sp>
         <p:nvSpPr>
-          <p:cNvPr id="13" name="TextBox 12"/>
+          <p:cNvPr id="9" name="TextBox 8"/>
           <p:cNvSpPr txBox="1"/>
           <p:nvPr/>
         </p:nvSpPr>
         <p:spPr>
           <a:xfrm>
-            <a:off x="992560" y="1318524"/>
-            <a:ext cx="3456384" cy="507831"/>
+            <a:off x="1136576" y="1292351"/>
+            <a:ext cx="4805102" cy="507831"/>
           </a:xfrm>
           <a:prstGeom prst="rect">
             <a:avLst/>
@@ -4856,742 +4763,115 @@
           </a:bodyPr>
           <a:lstStyle/>
           <a:p>
-            <a:pPr>
+            <a:pPr marL="285750" indent="-285750">
               <a:lnSpc>
                 <a:spcPct val="150000"/>
               </a:lnSpc>
+              <a:buFont typeface="Wingdings" panose="05000000000000000000" pitchFamily="2" charset="2"/>
+              <a:buChar char="§"/>
             </a:pPr>
             <a:r>
-              <a:rPr lang="ko-KR" altLang="en-US" sz="2000" b="1" dirty="0" smtClean="0"/>
-              <a:t>문서 객체 제어 </a:t>
-            </a:r>
-            <a:r>
-              <a:rPr lang="ko-KR" altLang="en-US" sz="2000" b="1" dirty="0" err="1" smtClean="0"/>
-              <a:t>메서드</a:t>
+              <a:rPr lang="ko-KR" altLang="en-US" b="1" dirty="0"/>
+              <a:t>객체 제어 함수</a:t>
+            </a:r>
+            <a:r>
+              <a:rPr lang="en-US" altLang="ko-KR" b="1" dirty="0" smtClean="0"/>
+              <a:t>– click() </a:t>
+            </a:r>
+            <a:r>
+              <a:rPr lang="ko-KR" altLang="en-US" b="1" dirty="0" smtClean="0"/>
+              <a:t>함수 </a:t>
             </a:r>
             <a:endParaRPr lang="en-US" altLang="ko-KR" sz="2000" b="1" dirty="0" smtClean="0"/>
           </a:p>
         </p:txBody>
       </p:sp>
-      <p:graphicFrame>
-        <p:nvGraphicFramePr>
-          <p:cNvPr id="14" name="표 13"/>
-          <p:cNvGraphicFramePr>
-            <a:graphicFrameLocks noGrp="1"/>
-          </p:cNvGraphicFramePr>
-          <p:nvPr>
-            <p:extLst>
-              <p:ext uri="{D42A27DB-BD31-4B8C-83A1-F6EECF244321}">
-                <p14:modId xmlns:p14="http://schemas.microsoft.com/office/powerpoint/2010/main" val="349580811"/>
-              </p:ext>
-            </p:extLst>
-          </p:nvPr>
-        </p:nvGraphicFramePr>
-        <p:xfrm>
-          <a:off x="1064568" y="1988840"/>
-          <a:ext cx="8496944" cy="3498776"/>
-        </p:xfrm>
-        <a:graphic>
-          <a:graphicData uri="http://schemas.openxmlformats.org/drawingml/2006/table">
-            <a:tbl>
-              <a:tblPr firstRow="1" bandRow="1">
-                <a:tableStyleId>{5940675A-B579-460E-94D1-54222C63F5DA}</a:tableStyleId>
-              </a:tblPr>
-              <a:tblGrid>
-                <a:gridCol w="3384376">
-                  <a:extLst>
-                    <a:ext uri="{9D8B030D-6E8A-4147-A177-3AD203B41FA5}">
-                      <a16:colId xmlns:a16="http://schemas.microsoft.com/office/drawing/2014/main" val="20000"/>
-                    </a:ext>
-                  </a:extLst>
-                </a:gridCol>
-                <a:gridCol w="5112568">
-                  <a:extLst>
-                    <a:ext uri="{9D8B030D-6E8A-4147-A177-3AD203B41FA5}">
-                      <a16:colId xmlns:a16="http://schemas.microsoft.com/office/drawing/2014/main" val="20001"/>
-                    </a:ext>
-                  </a:extLst>
-                </a:gridCol>
-              </a:tblGrid>
-              <a:tr h="437347">
-                <a:tc>
-                  <a:txBody>
-                    <a:bodyPr/>
-                    <a:lstStyle/>
-                    <a:p>
-                      <a:pPr algn="ctr" latinLnBrk="1"/>
-                      <a:r>
-                        <a:rPr lang="ko-KR" altLang="en-US" sz="1600" dirty="0" smtClean="0"/>
-                        <a:t>속성</a:t>
-                      </a:r>
-                      <a:endParaRPr lang="ko-KR" altLang="en-US" sz="1600" dirty="0"/>
-                    </a:p>
-                  </a:txBody>
-                  <a:tcPr anchor="ctr">
-                    <a:lnL w="12700" cmpd="sng">
-                      <a:noFill/>
-                    </a:lnL>
-                    <a:solidFill>
-                      <a:schemeClr val="bg1">
-                        <a:lumMod val="95000"/>
-                      </a:schemeClr>
-                    </a:solidFill>
-                  </a:tcPr>
-                </a:tc>
-                <a:tc>
-                  <a:txBody>
-                    <a:bodyPr/>
-                    <a:lstStyle/>
-                    <a:p>
-                      <a:pPr algn="ctr" latinLnBrk="1"/>
-                      <a:r>
-                        <a:rPr lang="ko-KR" altLang="en-US" sz="1600" dirty="0" smtClean="0"/>
-                        <a:t>설명</a:t>
-                      </a:r>
-                      <a:endParaRPr lang="ko-KR" altLang="en-US" sz="1600" dirty="0"/>
-                    </a:p>
-                  </a:txBody>
-                  <a:tcPr anchor="ctr">
-                    <a:lnR w="12700" cmpd="sng">
-                      <a:noFill/>
-                    </a:lnR>
-                    <a:solidFill>
-                      <a:schemeClr val="bg1">
-                        <a:lumMod val="95000"/>
-                      </a:schemeClr>
-                    </a:solidFill>
-                  </a:tcPr>
-                </a:tc>
-                <a:extLst>
-                  <a:ext uri="{0D108BD9-81ED-4DB2-BD59-A6C34878D82A}">
-                    <a16:rowId xmlns:a16="http://schemas.microsoft.com/office/drawing/2014/main" val="10000"/>
-                  </a:ext>
-                </a:extLst>
-              </a:tr>
-              <a:tr h="437347">
-                <a:tc>
-                  <a:txBody>
-                    <a:bodyPr/>
-                    <a:lstStyle/>
-                    <a:p>
-                      <a:pPr algn="l" latinLnBrk="1"/>
-                      <a:r>
-                        <a:rPr lang="en-US" altLang="ko-KR" sz="1600" dirty="0" smtClean="0"/>
-                        <a:t>$(“</a:t>
-                      </a:r>
-                      <a:r>
-                        <a:rPr lang="ko-KR" altLang="en-US" sz="1600" dirty="0" smtClean="0"/>
-                        <a:t>선택 요소</a:t>
-                      </a:r>
-                      <a:r>
-                        <a:rPr lang="en-US" altLang="ko-KR" sz="1600" dirty="0" smtClean="0"/>
-                        <a:t>”).click()</a:t>
-                      </a:r>
-                    </a:p>
-                  </a:txBody>
-                  <a:tcPr anchor="ctr">
-                    <a:lnL w="12700" cmpd="sng">
-                      <a:noFill/>
-                    </a:lnL>
-                  </a:tcPr>
-                </a:tc>
-                <a:tc>
-                  <a:txBody>
-                    <a:bodyPr/>
-                    <a:lstStyle/>
-                    <a:p>
-                      <a:pPr algn="l" latinLnBrk="1"/>
-                      <a:r>
-                        <a:rPr lang="ko-KR" altLang="en-US" sz="1600" dirty="0" smtClean="0"/>
-                        <a:t>선택한 요소를 클릭함</a:t>
-                      </a:r>
-                      <a:endParaRPr lang="ko-KR" altLang="en-US" sz="1600" dirty="0"/>
-                    </a:p>
-                  </a:txBody>
-                  <a:tcPr anchor="ctr">
-                    <a:lnR w="12700" cmpd="sng">
-                      <a:noFill/>
-                    </a:lnR>
-                  </a:tcPr>
-                </a:tc>
-                <a:extLst>
-                  <a:ext uri="{0D108BD9-81ED-4DB2-BD59-A6C34878D82A}">
-                    <a16:rowId xmlns:a16="http://schemas.microsoft.com/office/drawing/2014/main" val="10001"/>
-                  </a:ext>
-                </a:extLst>
-              </a:tr>
-              <a:tr h="437347">
-                <a:tc>
-                  <a:txBody>
-                    <a:bodyPr/>
-                    <a:lstStyle/>
-                    <a:p>
-                      <a:pPr algn="l" latinLnBrk="1"/>
-                      <a:r>
-                        <a:rPr lang="en-US" altLang="ko-KR" sz="1600" dirty="0" smtClean="0"/>
-                        <a:t>$(“</a:t>
-                      </a:r>
-                      <a:r>
-                        <a:rPr lang="ko-KR" altLang="en-US" sz="1600" dirty="0" smtClean="0"/>
-                        <a:t>선택 요소</a:t>
-                      </a:r>
-                      <a:r>
-                        <a:rPr lang="en-US" altLang="ko-KR" sz="1600" baseline="0" dirty="0" smtClean="0"/>
-                        <a:t>”).</a:t>
-                      </a:r>
-                      <a:r>
-                        <a:rPr lang="en-US" altLang="ko-KR" sz="1600" baseline="0" dirty="0" err="1" smtClean="0"/>
-                        <a:t>css</a:t>
-                      </a:r>
-                      <a:r>
-                        <a:rPr lang="en-US" altLang="ko-KR" sz="1600" baseline="0" dirty="0" smtClean="0"/>
-                        <a:t>()</a:t>
-                      </a:r>
-                      <a:endParaRPr lang="en-US" altLang="ko-KR" sz="1600" dirty="0" smtClean="0"/>
-                    </a:p>
-                  </a:txBody>
-                  <a:tcPr anchor="ctr">
-                    <a:lnL w="12700" cmpd="sng">
-                      <a:noFill/>
-                    </a:lnL>
-                  </a:tcPr>
-                </a:tc>
-                <a:tc>
-                  <a:txBody>
-                    <a:bodyPr/>
-                    <a:lstStyle/>
-                    <a:p>
-                      <a:pPr algn="l" latinLnBrk="1"/>
-                      <a:r>
-                        <a:rPr lang="ko-KR" altLang="en-US" sz="1600" dirty="0" smtClean="0"/>
-                        <a:t>선택한 요소의 스타일을 변경</a:t>
-                      </a:r>
-                      <a:endParaRPr lang="ko-KR" altLang="en-US" sz="1600" dirty="0"/>
-                    </a:p>
-                  </a:txBody>
-                  <a:tcPr anchor="ctr">
-                    <a:lnR w="12700" cmpd="sng">
-                      <a:noFill/>
-                    </a:lnR>
-                  </a:tcPr>
-                </a:tc>
-                <a:extLst>
-                  <a:ext uri="{0D108BD9-81ED-4DB2-BD59-A6C34878D82A}">
-                    <a16:rowId xmlns:a16="http://schemas.microsoft.com/office/drawing/2014/main" val="10002"/>
-                  </a:ext>
-                </a:extLst>
-              </a:tr>
-              <a:tr h="437347">
-                <a:tc>
-                  <a:txBody>
-                    <a:bodyPr/>
-                    <a:lstStyle/>
-                    <a:p>
-                      <a:pPr marL="0" marR="0" indent="0" algn="l" defTabSz="914400" rtl="0" eaLnBrk="1" fontAlgn="auto" latinLnBrk="1" hangingPunct="1">
-                        <a:lnSpc>
-                          <a:spcPct val="100000"/>
-                        </a:lnSpc>
-                        <a:spcBef>
-                          <a:spcPts val="0"/>
-                        </a:spcBef>
-                        <a:spcAft>
-                          <a:spcPts val="0"/>
-                        </a:spcAft>
-                        <a:buClrTx/>
-                        <a:buSzTx/>
-                        <a:buFontTx/>
-                        <a:buNone/>
-                        <a:tabLst/>
-                        <a:defRPr/>
-                      </a:pPr>
-                      <a:r>
-                        <a:rPr lang="en-US" altLang="ko-KR" sz="1600" dirty="0" smtClean="0"/>
-                        <a:t>$(“</a:t>
-                      </a:r>
-                      <a:r>
-                        <a:rPr lang="ko-KR" altLang="en-US" sz="1600" dirty="0" smtClean="0"/>
-                        <a:t>선택 요소</a:t>
-                      </a:r>
-                      <a:r>
-                        <a:rPr lang="en-US" altLang="ko-KR" sz="1600" baseline="0" dirty="0" smtClean="0"/>
-                        <a:t>”).text(“</a:t>
-                      </a:r>
-                      <a:r>
-                        <a:rPr lang="ko-KR" altLang="en-US" sz="1600" baseline="0" dirty="0" smtClean="0"/>
-                        <a:t>텍스트</a:t>
-                      </a:r>
-                      <a:r>
-                        <a:rPr lang="en-US" altLang="ko-KR" sz="1600" baseline="0" dirty="0" smtClean="0"/>
-                        <a:t>”)</a:t>
-                      </a:r>
-                      <a:endParaRPr lang="en-US" altLang="ko-KR" sz="1600" dirty="0" smtClean="0"/>
-                    </a:p>
-                  </a:txBody>
-                  <a:tcPr anchor="ctr">
-                    <a:lnL w="12700" cmpd="sng">
-                      <a:noFill/>
-                    </a:lnL>
-                  </a:tcPr>
-                </a:tc>
-                <a:tc>
-                  <a:txBody>
-                    <a:bodyPr/>
-                    <a:lstStyle/>
-                    <a:p>
-                      <a:pPr marL="0" marR="0" lvl="0" indent="0" algn="l" defTabSz="914400" rtl="0" eaLnBrk="1" fontAlgn="auto" latinLnBrk="1" hangingPunct="1">
-                        <a:lnSpc>
-                          <a:spcPct val="100000"/>
-                        </a:lnSpc>
-                        <a:spcBef>
-                          <a:spcPts val="0"/>
-                        </a:spcBef>
-                        <a:spcAft>
-                          <a:spcPts val="0"/>
-                        </a:spcAft>
-                        <a:buClrTx/>
-                        <a:buSzTx/>
-                        <a:buFontTx/>
-                        <a:buNone/>
-                        <a:tabLst/>
-                        <a:defRPr/>
-                      </a:pPr>
-                      <a:r>
-                        <a:rPr lang="ko-KR" altLang="en-US" sz="1600" baseline="0" dirty="0" smtClean="0"/>
-                        <a:t>요소의 텍스트를 취득</a:t>
-                      </a:r>
-                      <a:r>
-                        <a:rPr lang="en-US" altLang="ko-KR" sz="1600" baseline="0" dirty="0" smtClean="0"/>
-                        <a:t>, </a:t>
-                      </a:r>
-                      <a:r>
-                        <a:rPr lang="ko-KR" altLang="en-US" sz="1600" baseline="0" dirty="0" smtClean="0"/>
-                        <a:t>생성</a:t>
-                      </a:r>
-                      <a:r>
-                        <a:rPr lang="en-US" altLang="ko-KR" sz="1600" baseline="0" dirty="0" smtClean="0"/>
-                        <a:t>, </a:t>
-                      </a:r>
-                      <a:r>
-                        <a:rPr lang="ko-KR" altLang="en-US" sz="1600" baseline="0" dirty="0" smtClean="0"/>
-                        <a:t>변경할 수 있다</a:t>
-                      </a:r>
-                      <a:r>
-                        <a:rPr lang="en-US" altLang="ko-KR" sz="1600" baseline="0" dirty="0" smtClean="0"/>
-                        <a:t>.</a:t>
-                      </a:r>
-                      <a:endParaRPr lang="ko-KR" altLang="en-US" sz="1600" dirty="0" smtClean="0"/>
-                    </a:p>
-                  </a:txBody>
-                  <a:tcPr anchor="ctr">
-                    <a:lnR w="12700" cmpd="sng">
-                      <a:noFill/>
-                    </a:lnR>
-                  </a:tcPr>
-                </a:tc>
-                <a:extLst>
-                  <a:ext uri="{0D108BD9-81ED-4DB2-BD59-A6C34878D82A}">
-                    <a16:rowId xmlns:a16="http://schemas.microsoft.com/office/drawing/2014/main" val="10003"/>
-                  </a:ext>
-                </a:extLst>
-              </a:tr>
-              <a:tr h="437347">
-                <a:tc>
-                  <a:txBody>
-                    <a:bodyPr/>
-                    <a:lstStyle/>
-                    <a:p>
-                      <a:pPr marL="0" marR="0" indent="0" algn="l" defTabSz="914400" rtl="0" eaLnBrk="1" fontAlgn="auto" latinLnBrk="1" hangingPunct="1">
-                        <a:lnSpc>
-                          <a:spcPct val="100000"/>
-                        </a:lnSpc>
-                        <a:spcBef>
-                          <a:spcPts val="0"/>
-                        </a:spcBef>
-                        <a:spcAft>
-                          <a:spcPts val="0"/>
-                        </a:spcAft>
-                        <a:buClrTx/>
-                        <a:buSzTx/>
-                        <a:buFontTx/>
-                        <a:buNone/>
-                        <a:tabLst/>
-                        <a:defRPr/>
-                      </a:pPr>
-                      <a:r>
-                        <a:rPr lang="en-US" altLang="ko-KR" sz="1600" dirty="0" smtClean="0"/>
-                        <a:t>$(“</a:t>
-                      </a:r>
-                      <a:r>
-                        <a:rPr lang="ko-KR" altLang="en-US" sz="1600" dirty="0" smtClean="0"/>
-                        <a:t>선택 요소</a:t>
-                      </a:r>
-                      <a:r>
-                        <a:rPr lang="en-US" altLang="ko-KR" sz="1600" baseline="0" dirty="0" smtClean="0"/>
-                        <a:t>”).html(“</a:t>
-                      </a:r>
-                      <a:r>
-                        <a:rPr lang="ko-KR" altLang="en-US" sz="1600" baseline="0" dirty="0" smtClean="0"/>
-                        <a:t>새 텍스트</a:t>
-                      </a:r>
-                      <a:r>
-                        <a:rPr lang="en-US" altLang="ko-KR" sz="1600" baseline="0" dirty="0" smtClean="0"/>
-                        <a:t>”)</a:t>
-                      </a:r>
-                      <a:endParaRPr lang="en-US" altLang="ko-KR" sz="1600" dirty="0" smtClean="0"/>
-                    </a:p>
-                  </a:txBody>
-                  <a:tcPr anchor="ctr">
-                    <a:lnL w="12700" cmpd="sng">
-                      <a:noFill/>
-                    </a:lnL>
-                  </a:tcPr>
-                </a:tc>
-                <a:tc>
-                  <a:txBody>
-                    <a:bodyPr/>
-                    <a:lstStyle/>
-                    <a:p>
-                      <a:pPr marL="0" marR="0" lvl="0" indent="0" algn="l" defTabSz="914400" rtl="0" eaLnBrk="1" fontAlgn="auto" latinLnBrk="1" hangingPunct="1">
-                        <a:lnSpc>
-                          <a:spcPct val="100000"/>
-                        </a:lnSpc>
-                        <a:spcBef>
-                          <a:spcPts val="0"/>
-                        </a:spcBef>
-                        <a:spcAft>
-                          <a:spcPts val="0"/>
-                        </a:spcAft>
-                        <a:buClrTx/>
-                        <a:buSzTx/>
-                        <a:buFontTx/>
-                        <a:buNone/>
-                        <a:tabLst/>
-                        <a:defRPr/>
-                      </a:pPr>
-                      <a:r>
-                        <a:rPr lang="ko-KR" altLang="en-US" sz="1600" dirty="0" smtClean="0"/>
-                        <a:t>선택한 요소의 하위 요소들을 새 텍스트로 변경</a:t>
-                      </a:r>
-                    </a:p>
-                  </a:txBody>
-                  <a:tcPr anchor="ctr">
-                    <a:lnR w="12700" cmpd="sng">
-                      <a:noFill/>
-                    </a:lnR>
-                  </a:tcPr>
-                </a:tc>
-                <a:extLst>
-                  <a:ext uri="{0D108BD9-81ED-4DB2-BD59-A6C34878D82A}">
-                    <a16:rowId xmlns:a16="http://schemas.microsoft.com/office/drawing/2014/main" val="10004"/>
-                  </a:ext>
-                </a:extLst>
-              </a:tr>
-              <a:tr h="437347">
-                <a:tc>
-                  <a:txBody>
-                    <a:bodyPr/>
-                    <a:lstStyle/>
-                    <a:p>
-                      <a:pPr marL="0" marR="0" indent="0" algn="l" defTabSz="914400" rtl="0" eaLnBrk="1" fontAlgn="auto" latinLnBrk="1" hangingPunct="1">
-                        <a:lnSpc>
-                          <a:spcPct val="100000"/>
-                        </a:lnSpc>
-                        <a:spcBef>
-                          <a:spcPts val="0"/>
-                        </a:spcBef>
-                        <a:spcAft>
-                          <a:spcPts val="0"/>
-                        </a:spcAft>
-                        <a:buClrTx/>
-                        <a:buSzTx/>
-                        <a:buFontTx/>
-                        <a:buNone/>
-                        <a:tabLst/>
-                        <a:defRPr/>
-                      </a:pPr>
-                      <a:r>
-                        <a:rPr lang="en-US" altLang="ko-KR" sz="1600" dirty="0" smtClean="0"/>
-                        <a:t>$(“</a:t>
-                      </a:r>
-                      <a:r>
-                        <a:rPr lang="ko-KR" altLang="en-US" sz="1600" dirty="0" smtClean="0"/>
-                        <a:t>선택 요소</a:t>
-                      </a:r>
-                      <a:r>
-                        <a:rPr lang="en-US" altLang="ko-KR" sz="1600" baseline="0" dirty="0" smtClean="0"/>
-                        <a:t>”).append(“</a:t>
-                      </a:r>
-                      <a:r>
-                        <a:rPr lang="ko-KR" altLang="en-US" sz="1600" baseline="0" dirty="0" smtClean="0"/>
-                        <a:t>새 텍스트</a:t>
-                      </a:r>
-                      <a:r>
-                        <a:rPr lang="en-US" altLang="ko-KR" sz="1600" baseline="0" dirty="0" smtClean="0"/>
-                        <a:t>”)</a:t>
-                      </a:r>
-                      <a:endParaRPr lang="en-US" altLang="ko-KR" sz="1600" dirty="0" smtClean="0"/>
-                    </a:p>
-                  </a:txBody>
-                  <a:tcPr anchor="ctr">
-                    <a:lnL w="12700" cmpd="sng">
-                      <a:noFill/>
-                    </a:lnL>
-                  </a:tcPr>
-                </a:tc>
-                <a:tc>
-                  <a:txBody>
-                    <a:bodyPr/>
-                    <a:lstStyle/>
-                    <a:p>
-                      <a:pPr marL="0" marR="0" lvl="0" indent="0" algn="l" defTabSz="914400" rtl="0" eaLnBrk="1" fontAlgn="auto" latinLnBrk="1" hangingPunct="1">
-                        <a:lnSpc>
-                          <a:spcPct val="100000"/>
-                        </a:lnSpc>
-                        <a:spcBef>
-                          <a:spcPts val="0"/>
-                        </a:spcBef>
-                        <a:spcAft>
-                          <a:spcPts val="0"/>
-                        </a:spcAft>
-                        <a:buClrTx/>
-                        <a:buSzTx/>
-                        <a:buFontTx/>
-                        <a:buNone/>
-                        <a:tabLst/>
-                        <a:defRPr/>
-                      </a:pPr>
-                      <a:r>
-                        <a:rPr lang="ko-KR" altLang="en-US" sz="1600" dirty="0" smtClean="0"/>
-                        <a:t>선택한 요소의 마지막 자식요소로 새 요소를 추가</a:t>
-                      </a:r>
-                    </a:p>
-                  </a:txBody>
-                  <a:tcPr anchor="ctr">
-                    <a:lnR w="12700" cmpd="sng">
-                      <a:noFill/>
-                    </a:lnR>
-                  </a:tcPr>
-                </a:tc>
-                <a:extLst>
-                  <a:ext uri="{0D108BD9-81ED-4DB2-BD59-A6C34878D82A}">
-                    <a16:rowId xmlns:a16="http://schemas.microsoft.com/office/drawing/2014/main" val="10005"/>
-                  </a:ext>
-                </a:extLst>
-              </a:tr>
-              <a:tr h="437347">
-                <a:tc>
-                  <a:txBody>
-                    <a:bodyPr/>
-                    <a:lstStyle/>
-                    <a:p>
-                      <a:pPr marL="0" marR="0" indent="0" algn="l" defTabSz="914400" rtl="0" eaLnBrk="1" fontAlgn="auto" latinLnBrk="1" hangingPunct="1">
-                        <a:lnSpc>
-                          <a:spcPct val="100000"/>
-                        </a:lnSpc>
-                        <a:spcBef>
-                          <a:spcPts val="0"/>
-                        </a:spcBef>
-                        <a:spcAft>
-                          <a:spcPts val="0"/>
-                        </a:spcAft>
-                        <a:buClrTx/>
-                        <a:buSzTx/>
-                        <a:buFontTx/>
-                        <a:buNone/>
-                        <a:tabLst/>
-                        <a:defRPr/>
-                      </a:pPr>
-                      <a:r>
-                        <a:rPr lang="en-US" altLang="ko-KR" sz="1600" dirty="0" smtClean="0"/>
-                        <a:t>$(“</a:t>
-                      </a:r>
-                      <a:r>
-                        <a:rPr lang="ko-KR" altLang="en-US" sz="1600" dirty="0" smtClean="0"/>
-                        <a:t>선택 요소</a:t>
-                      </a:r>
-                      <a:r>
-                        <a:rPr lang="en-US" altLang="ko-KR" sz="1600" baseline="0" dirty="0" smtClean="0"/>
-                        <a:t>”).remove(“</a:t>
-                      </a:r>
-                      <a:r>
-                        <a:rPr lang="ko-KR" altLang="en-US" sz="1600" baseline="0" dirty="0" smtClean="0"/>
-                        <a:t>새 텍스트</a:t>
-                      </a:r>
-                      <a:r>
-                        <a:rPr lang="en-US" altLang="ko-KR" sz="1600" baseline="0" dirty="0" smtClean="0"/>
-                        <a:t>”)</a:t>
-                      </a:r>
-                      <a:endParaRPr lang="en-US" altLang="ko-KR" sz="1600" dirty="0" smtClean="0"/>
-                    </a:p>
-                  </a:txBody>
-                  <a:tcPr anchor="ctr">
-                    <a:lnL w="12700" cmpd="sng">
-                      <a:noFill/>
-                    </a:lnL>
-                  </a:tcPr>
-                </a:tc>
-                <a:tc>
-                  <a:txBody>
-                    <a:bodyPr/>
-                    <a:lstStyle/>
-                    <a:p>
-                      <a:pPr marL="0" marR="0" lvl="0" indent="0" algn="l" defTabSz="914400" rtl="0" eaLnBrk="1" fontAlgn="auto" latinLnBrk="1" hangingPunct="1">
-                        <a:lnSpc>
-                          <a:spcPct val="100000"/>
-                        </a:lnSpc>
-                        <a:spcBef>
-                          <a:spcPts val="0"/>
-                        </a:spcBef>
-                        <a:spcAft>
-                          <a:spcPts val="0"/>
-                        </a:spcAft>
-                        <a:buClrTx/>
-                        <a:buSzTx/>
-                        <a:buFontTx/>
-                        <a:buNone/>
-                        <a:tabLst/>
-                        <a:defRPr/>
-                      </a:pPr>
-                      <a:r>
-                        <a:rPr lang="ko-KR" altLang="en-US" sz="1600" dirty="0" smtClean="0"/>
-                        <a:t>선택한</a:t>
-                      </a:r>
-                      <a:r>
-                        <a:rPr lang="ko-KR" altLang="en-US" sz="1600" baseline="0" dirty="0" smtClean="0"/>
-                        <a:t> 요소를 삭제</a:t>
-                      </a:r>
-                      <a:endParaRPr lang="ko-KR" altLang="en-US" sz="1600" dirty="0" smtClean="0"/>
-                    </a:p>
-                  </a:txBody>
-                  <a:tcPr anchor="ctr">
-                    <a:lnR w="12700" cmpd="sng">
-                      <a:noFill/>
-                    </a:lnR>
-                  </a:tcPr>
-                </a:tc>
-                <a:extLst>
-                  <a:ext uri="{0D108BD9-81ED-4DB2-BD59-A6C34878D82A}">
-                    <a16:rowId xmlns:a16="http://schemas.microsoft.com/office/drawing/2014/main" val="10006"/>
-                  </a:ext>
-                </a:extLst>
-              </a:tr>
-              <a:tr h="437347">
-                <a:tc>
-                  <a:txBody>
-                    <a:bodyPr/>
-                    <a:lstStyle/>
-                    <a:p>
-                      <a:pPr marL="0" marR="0" indent="0" algn="l" defTabSz="914400" rtl="0" eaLnBrk="1" fontAlgn="auto" latinLnBrk="1" hangingPunct="1">
-                        <a:lnSpc>
-                          <a:spcPct val="100000"/>
-                        </a:lnSpc>
-                        <a:spcBef>
-                          <a:spcPts val="0"/>
-                        </a:spcBef>
-                        <a:spcAft>
-                          <a:spcPts val="0"/>
-                        </a:spcAft>
-                        <a:buClrTx/>
-                        <a:buSzTx/>
-                        <a:buFontTx/>
-                        <a:buNone/>
-                        <a:tabLst/>
-                        <a:defRPr/>
-                      </a:pPr>
-                      <a:r>
-                        <a:rPr lang="en-US" altLang="ko-KR" sz="1600" dirty="0" smtClean="0"/>
-                        <a:t>$(“</a:t>
-                      </a:r>
-                      <a:r>
-                        <a:rPr lang="ko-KR" altLang="en-US" sz="1600" dirty="0" smtClean="0"/>
-                        <a:t>선택 요소</a:t>
-                      </a:r>
-                      <a:r>
-                        <a:rPr lang="en-US" altLang="ko-KR" sz="1600" baseline="0" dirty="0" smtClean="0"/>
-                        <a:t>”).</a:t>
-                      </a:r>
-                      <a:r>
-                        <a:rPr lang="en-US" altLang="ko-KR" sz="1600" baseline="0" dirty="0" err="1" smtClean="0"/>
-                        <a:t>attr</a:t>
-                      </a:r>
-                      <a:r>
-                        <a:rPr lang="en-US" altLang="ko-KR" sz="1600" baseline="0" dirty="0" smtClean="0"/>
-                        <a:t>(“</a:t>
-                      </a:r>
-                      <a:r>
-                        <a:rPr lang="ko-KR" altLang="en-US" sz="1600" baseline="0" dirty="0" smtClean="0"/>
-                        <a:t>속성</a:t>
-                      </a:r>
-                      <a:r>
-                        <a:rPr lang="en-US" altLang="ko-KR" sz="1600" baseline="0" dirty="0" smtClean="0"/>
-                        <a:t>”)</a:t>
-                      </a:r>
-                      <a:endParaRPr lang="en-US" altLang="ko-KR" sz="1600" dirty="0" smtClean="0"/>
-                    </a:p>
-                  </a:txBody>
-                  <a:tcPr anchor="ctr">
-                    <a:lnL w="12700" cmpd="sng">
-                      <a:noFill/>
-                    </a:lnL>
-                  </a:tcPr>
-                </a:tc>
-                <a:tc>
-                  <a:txBody>
-                    <a:bodyPr/>
-                    <a:lstStyle/>
-                    <a:p>
-                      <a:pPr marL="0" marR="0" lvl="0" indent="0" algn="l" defTabSz="914400" rtl="0" eaLnBrk="1" fontAlgn="auto" latinLnBrk="1" hangingPunct="1">
-                        <a:lnSpc>
-                          <a:spcPct val="100000"/>
-                        </a:lnSpc>
-                        <a:spcBef>
-                          <a:spcPts val="0"/>
-                        </a:spcBef>
-                        <a:spcAft>
-                          <a:spcPts val="0"/>
-                        </a:spcAft>
-                        <a:buClrTx/>
-                        <a:buSzTx/>
-                        <a:buFontTx/>
-                        <a:buNone/>
-                        <a:tabLst/>
-                        <a:defRPr/>
-                      </a:pPr>
-                      <a:r>
-                        <a:rPr lang="en-US" altLang="ko-KR" sz="1600" dirty="0" smtClean="0"/>
-                        <a:t> </a:t>
-                      </a:r>
-                      <a:r>
-                        <a:rPr lang="ko-KR" altLang="en-US" sz="1600" dirty="0" smtClean="0"/>
-                        <a:t>선택 요소</a:t>
-                      </a:r>
-                      <a:r>
-                        <a:rPr lang="ko-KR" altLang="en-US" sz="1600" baseline="0" dirty="0" smtClean="0"/>
-                        <a:t>의 특성 속성을 지정</a:t>
-                      </a:r>
-                      <a:endParaRPr lang="ko-KR" altLang="en-US" sz="1600" dirty="0" smtClean="0"/>
-                    </a:p>
-                  </a:txBody>
-                  <a:tcPr anchor="ctr">
-                    <a:lnR w="12700" cmpd="sng">
-                      <a:noFill/>
-                    </a:lnR>
-                  </a:tcPr>
-                </a:tc>
-                <a:extLst>
-                  <a:ext uri="{0D108BD9-81ED-4DB2-BD59-A6C34878D82A}">
-                    <a16:rowId xmlns:a16="http://schemas.microsoft.com/office/drawing/2014/main" val="10007"/>
-                  </a:ext>
-                </a:extLst>
-              </a:tr>
-            </a:tbl>
-          </a:graphicData>
-        </a:graphic>
-      </p:graphicFrame>
+      <p:sp>
+        <p:nvSpPr>
+          <p:cNvPr id="8" name="TextBox 7"/>
+          <p:cNvSpPr txBox="1"/>
+          <p:nvPr/>
+        </p:nvSpPr>
+        <p:spPr>
+          <a:xfrm>
+            <a:off x="7185248" y="2472614"/>
+            <a:ext cx="1606115" cy="374571"/>
+          </a:xfrm>
+          <a:prstGeom prst="roundRect">
+            <a:avLst/>
+          </a:prstGeom>
+          <a:ln w="19050"/>
+        </p:spPr>
+        <p:style>
+          <a:lnRef idx="2">
+            <a:schemeClr val="accent1"/>
+          </a:lnRef>
+          <a:fillRef idx="1">
+            <a:schemeClr val="lt1"/>
+          </a:fillRef>
+          <a:effectRef idx="0">
+            <a:schemeClr val="accent1"/>
+          </a:effectRef>
+          <a:fontRef idx="minor">
+            <a:schemeClr val="dk1"/>
+          </a:fontRef>
+        </p:style>
+        <p:txBody>
+          <a:bodyPr wrap="square" rtlCol="0">
+            <a:spAutoFit/>
+          </a:bodyPr>
+          <a:lstStyle/>
+          <a:p>
+            <a:pPr algn="ctr"/>
+            <a:r>
+              <a:rPr lang="en-US" altLang="ko-KR" sz="1600" dirty="0" smtClean="0"/>
+              <a:t>jq_click.html</a:t>
+            </a:r>
+            <a:endParaRPr lang="ko-KR" altLang="en-US" sz="1600" dirty="0"/>
+          </a:p>
+        </p:txBody>
+      </p:sp>
+      <p:pic>
+        <p:nvPicPr>
+          <p:cNvPr id="6" name="그림 5"/>
+          <p:cNvPicPr>
+            <a:picLocks noChangeAspect="1"/>
+          </p:cNvPicPr>
+          <p:nvPr/>
+        </p:nvPicPr>
+        <p:blipFill>
+          <a:blip r:embed="rId2">
+            <a:extLst>
+              <a:ext uri="{28A0092B-C50C-407E-A947-70E740481C1C}">
+                <a14:useLocalDpi xmlns:a14="http://schemas.microsoft.com/office/drawing/2010/main" val="0"/>
+              </a:ext>
+            </a:extLst>
+          </a:blip>
+          <a:stretch>
+            <a:fillRect/>
+          </a:stretch>
+        </p:blipFill>
+        <p:spPr>
+          <a:xfrm>
+            <a:off x="1496616" y="2039797"/>
+            <a:ext cx="5578323" cy="2941575"/>
+          </a:xfrm>
+          <a:prstGeom prst="rect">
+            <a:avLst/>
+          </a:prstGeom>
+          <a:ln>
+            <a:solidFill>
+              <a:schemeClr val="bg1">
+                <a:lumMod val="85000"/>
+              </a:schemeClr>
+            </a:solidFill>
+          </a:ln>
+        </p:spPr>
+      </p:pic>
     </p:spTree>
     <p:extLst>
       <p:ext uri="{BB962C8B-B14F-4D97-AF65-F5344CB8AC3E}">
-        <p14:creationId xmlns:p14="http://schemas.microsoft.com/office/powerpoint/2010/main" val="472064008"/>
+        <p14:creationId xmlns:p14="http://schemas.microsoft.com/office/powerpoint/2010/main" val="4059483463"/>
       </p:ext>
     </p:extLst>
   </p:cSld>
@@ -5649,12 +4929,12 @@
           <a:p>
             <a:pPr algn="ctr"/>
             <a:r>
+              <a:rPr lang="ko-KR" altLang="en-US" sz="2800" dirty="0"/>
+              <a:t>객체 제어 함수 </a:t>
+            </a:r>
+            <a:r>
               <a:rPr lang="en-US" altLang="ko-KR" sz="2800" dirty="0" smtClean="0"/>
-              <a:t>jQuery </a:t>
-            </a:r>
-            <a:r>
-              <a:rPr lang="ko-KR" altLang="en-US" sz="2800" dirty="0" smtClean="0"/>
-              <a:t>효과</a:t>
+              <a:t>– click(), html()</a:t>
             </a:r>
             <a:endParaRPr lang="ko-KR" altLang="en-US" sz="2800" dirty="0"/>
           </a:p>
@@ -5683,9 +4963,74 @@
           </a:p>
         </p:txBody>
       </p:sp>
+      <p:sp>
+        <p:nvSpPr>
+          <p:cNvPr id="7" name="TextBox 6"/>
+          <p:cNvSpPr txBox="1"/>
+          <p:nvPr/>
+        </p:nvSpPr>
+        <p:spPr>
+          <a:xfrm>
+            <a:off x="1136576" y="1292351"/>
+            <a:ext cx="4805102" cy="507831"/>
+          </a:xfrm>
+          <a:prstGeom prst="rect">
+            <a:avLst/>
+          </a:prstGeom>
+          <a:noFill/>
+        </p:spPr>
+        <p:txBody>
+          <a:bodyPr wrap="square" rtlCol="0">
+            <a:spAutoFit/>
+          </a:bodyPr>
+          <a:lstStyle/>
+          <a:p>
+            <a:pPr marL="285750" indent="-285750">
+              <a:lnSpc>
+                <a:spcPct val="150000"/>
+              </a:lnSpc>
+              <a:buFont typeface="Wingdings" panose="05000000000000000000" pitchFamily="2" charset="2"/>
+              <a:buChar char="§"/>
+            </a:pPr>
+            <a:r>
+              <a:rPr lang="ko-KR" altLang="en-US" b="1" dirty="0"/>
+              <a:t>객체 제어 함수</a:t>
+            </a:r>
+            <a:r>
+              <a:rPr lang="en-US" altLang="ko-KR" b="1" dirty="0" smtClean="0"/>
+              <a:t>– html() </a:t>
+            </a:r>
+            <a:r>
+              <a:rPr lang="ko-KR" altLang="en-US" b="1" dirty="0" smtClean="0"/>
+              <a:t>함수 </a:t>
+            </a:r>
+            <a:r>
+              <a:rPr lang="en-US" altLang="ko-KR" b="1" dirty="0"/>
+              <a:t>:</a:t>
+            </a:r>
+            <a:r>
+              <a:rPr lang="en-US" altLang="ko-KR" b="1" dirty="0" smtClean="0"/>
+              <a:t> html(</a:t>
+            </a:r>
+            <a:r>
+              <a:rPr lang="ko-KR" altLang="en-US" b="1" dirty="0" smtClean="0"/>
+              <a:t>태그</a:t>
+            </a:r>
+            <a:r>
+              <a:rPr lang="en-US" altLang="ko-KR" b="1" dirty="0" smtClean="0"/>
+              <a:t>)</a:t>
+            </a:r>
+            <a:r>
+              <a:rPr lang="ko-KR" altLang="en-US" b="1" dirty="0" smtClean="0"/>
+              <a:t> </a:t>
+            </a:r>
+            <a:endParaRPr lang="en-US" altLang="ko-KR" sz="2000" b="1" dirty="0" smtClean="0"/>
+          </a:p>
+        </p:txBody>
+      </p:sp>
       <p:pic>
         <p:nvPicPr>
-          <p:cNvPr id="5" name="그림 4"/>
+          <p:cNvPr id="6" name="그림 5"/>
           <p:cNvPicPr>
             <a:picLocks noChangeAspect="1"/>
           </p:cNvPicPr>
@@ -5705,8 +5050,8 @@
         </p:blipFill>
         <p:spPr>
           <a:xfrm>
-            <a:off x="1424608" y="1828673"/>
-            <a:ext cx="6241321" cy="3894158"/>
+            <a:off x="3008784" y="2550238"/>
+            <a:ext cx="6656624" cy="3111472"/>
           </a:xfrm>
           <a:prstGeom prst="rect">
             <a:avLst/>
@@ -5720,9 +5065,54 @@
           </a:ln>
         </p:spPr>
       </p:pic>
+      <p:sp>
+        <p:nvSpPr>
+          <p:cNvPr id="9" name="TextBox 8"/>
+          <p:cNvSpPr txBox="1"/>
+          <p:nvPr/>
+        </p:nvSpPr>
+        <p:spPr>
+          <a:xfrm>
+            <a:off x="7905328" y="2331134"/>
+            <a:ext cx="1606115" cy="374571"/>
+          </a:xfrm>
+          <a:prstGeom prst="roundRect">
+            <a:avLst/>
+          </a:prstGeom>
+          <a:ln w="19050"/>
+        </p:spPr>
+        <p:style>
+          <a:lnRef idx="2">
+            <a:schemeClr val="accent1"/>
+          </a:lnRef>
+          <a:fillRef idx="1">
+            <a:schemeClr val="lt1"/>
+          </a:fillRef>
+          <a:effectRef idx="0">
+            <a:schemeClr val="accent1"/>
+          </a:effectRef>
+          <a:fontRef idx="minor">
+            <a:schemeClr val="dk1"/>
+          </a:fontRef>
+        </p:style>
+        <p:txBody>
+          <a:bodyPr wrap="square" rtlCol="0">
+            <a:spAutoFit/>
+          </a:bodyPr>
+          <a:lstStyle/>
+          <a:p>
+            <a:pPr algn="ctr"/>
+            <a:r>
+              <a:rPr lang="en-US" altLang="ko-KR" sz="1600" dirty="0" smtClean="0"/>
+              <a:t>jq_html.html</a:t>
+            </a:r>
+            <a:endParaRPr lang="ko-KR" altLang="en-US" sz="1600" dirty="0"/>
+          </a:p>
+        </p:txBody>
+      </p:sp>
       <p:pic>
         <p:nvPicPr>
-          <p:cNvPr id="7" name="그림 6"/>
+          <p:cNvPr id="8" name="그림 7"/>
           <p:cNvPicPr>
             <a:picLocks noChangeAspect="1"/>
           </p:cNvPicPr>
@@ -5742,8 +5132,8 @@
         </p:blipFill>
         <p:spPr>
           <a:xfrm>
-            <a:off x="6008411" y="3933056"/>
-            <a:ext cx="3315343" cy="1038427"/>
+            <a:off x="992560" y="2039797"/>
+            <a:ext cx="2301440" cy="2697714"/>
           </a:xfrm>
           <a:prstGeom prst="rect">
             <a:avLst/>
@@ -5757,100 +5147,10 @@
           </a:ln>
         </p:spPr>
       </p:pic>
-      <p:sp>
-        <p:nvSpPr>
-          <p:cNvPr id="9" name="TextBox 8"/>
-          <p:cNvSpPr txBox="1"/>
-          <p:nvPr/>
-        </p:nvSpPr>
-        <p:spPr>
-          <a:xfrm>
-            <a:off x="1136576" y="1292351"/>
-            <a:ext cx="4805102" cy="507831"/>
-          </a:xfrm>
-          <a:prstGeom prst="rect">
-            <a:avLst/>
-          </a:prstGeom>
-          <a:noFill/>
-        </p:spPr>
-        <p:txBody>
-          <a:bodyPr wrap="square" rtlCol="0">
-            <a:spAutoFit/>
-          </a:bodyPr>
-          <a:lstStyle/>
-          <a:p>
-            <a:pPr marL="285750" indent="-285750">
-              <a:lnSpc>
-                <a:spcPct val="150000"/>
-              </a:lnSpc>
-              <a:buFont typeface="Wingdings" panose="05000000000000000000" pitchFamily="2" charset="2"/>
-              <a:buChar char="§"/>
-            </a:pPr>
-            <a:r>
-              <a:rPr lang="ko-KR" altLang="en-US" b="1" dirty="0"/>
-              <a:t>객체 제어 함수</a:t>
-            </a:r>
-            <a:r>
-              <a:rPr lang="en-US" altLang="ko-KR" b="1" dirty="0" smtClean="0"/>
-              <a:t>– click() </a:t>
-            </a:r>
-            <a:r>
-              <a:rPr lang="ko-KR" altLang="en-US" b="1" dirty="0" smtClean="0"/>
-              <a:t>함수 </a:t>
-            </a:r>
-            <a:endParaRPr lang="en-US" altLang="ko-KR" sz="2000" b="1" dirty="0" smtClean="0"/>
-          </a:p>
-        </p:txBody>
-      </p:sp>
-      <p:sp>
-        <p:nvSpPr>
-          <p:cNvPr id="8" name="TextBox 7"/>
-          <p:cNvSpPr txBox="1"/>
-          <p:nvPr/>
-        </p:nvSpPr>
-        <p:spPr>
-          <a:xfrm>
-            <a:off x="7185248" y="2472614"/>
-            <a:ext cx="1606115" cy="374571"/>
-          </a:xfrm>
-          <a:prstGeom prst="roundRect">
-            <a:avLst/>
-          </a:prstGeom>
-          <a:ln w="19050"/>
-        </p:spPr>
-        <p:style>
-          <a:lnRef idx="2">
-            <a:schemeClr val="accent1"/>
-          </a:lnRef>
-          <a:fillRef idx="1">
-            <a:schemeClr val="lt1"/>
-          </a:fillRef>
-          <a:effectRef idx="0">
-            <a:schemeClr val="accent1"/>
-          </a:effectRef>
-          <a:fontRef idx="minor">
-            <a:schemeClr val="dk1"/>
-          </a:fontRef>
-        </p:style>
-        <p:txBody>
-          <a:bodyPr wrap="square" rtlCol="0">
-            <a:spAutoFit/>
-          </a:bodyPr>
-          <a:lstStyle/>
-          <a:p>
-            <a:pPr algn="ctr"/>
-            <a:r>
-              <a:rPr lang="en-US" altLang="ko-KR" sz="1600" dirty="0" smtClean="0"/>
-              <a:t>jq_click.html</a:t>
-            </a:r>
-            <a:endParaRPr lang="ko-KR" altLang="en-US" sz="1600" dirty="0"/>
-          </a:p>
-        </p:txBody>
-      </p:sp>
     </p:spTree>
     <p:extLst>
       <p:ext uri="{BB962C8B-B14F-4D97-AF65-F5344CB8AC3E}">
-        <p14:creationId xmlns:p14="http://schemas.microsoft.com/office/powerpoint/2010/main" val="4059483463"/>
+        <p14:creationId xmlns:p14="http://schemas.microsoft.com/office/powerpoint/2010/main" val="3914094260"/>
       </p:ext>
     </p:extLst>
   </p:cSld>
@@ -5908,12 +5208,16 @@
           <a:p>
             <a:pPr algn="ctr"/>
             <a:r>
-              <a:rPr lang="ko-KR" altLang="en-US" sz="2800" dirty="0"/>
-              <a:t>객체 제어 함수 </a:t>
-            </a:r>
-            <a:r>
               <a:rPr lang="en-US" altLang="ko-KR" sz="2800" dirty="0" smtClean="0"/>
-              <a:t>– click(), html()</a:t>
+              <a:t>jQuery </a:t>
+            </a:r>
+            <a:r>
+              <a:rPr lang="ko-KR" altLang="en-US" sz="2800" dirty="0" err="1" smtClean="0"/>
+              <a:t>선택</a:t>
+            </a:r>
+            <a:r>
+              <a:rPr lang="ko-KR" altLang="en-US" sz="2800" dirty="0" err="1"/>
+              <a:t>자</a:t>
             </a:r>
             <a:endParaRPr lang="ko-KR" altLang="en-US" sz="2800" dirty="0"/>
           </a:p>
@@ -5942,74 +5246,9 @@
           </a:p>
         </p:txBody>
       </p:sp>
-      <p:sp>
-        <p:nvSpPr>
-          <p:cNvPr id="7" name="TextBox 6"/>
-          <p:cNvSpPr txBox="1"/>
-          <p:nvPr/>
-        </p:nvSpPr>
-        <p:spPr>
-          <a:xfrm>
-            <a:off x="1136576" y="1292351"/>
-            <a:ext cx="4805102" cy="507831"/>
-          </a:xfrm>
-          <a:prstGeom prst="rect">
-            <a:avLst/>
-          </a:prstGeom>
-          <a:noFill/>
-        </p:spPr>
-        <p:txBody>
-          <a:bodyPr wrap="square" rtlCol="0">
-            <a:spAutoFit/>
-          </a:bodyPr>
-          <a:lstStyle/>
-          <a:p>
-            <a:pPr marL="285750" indent="-285750">
-              <a:lnSpc>
-                <a:spcPct val="150000"/>
-              </a:lnSpc>
-              <a:buFont typeface="Wingdings" panose="05000000000000000000" pitchFamily="2" charset="2"/>
-              <a:buChar char="§"/>
-            </a:pPr>
-            <a:r>
-              <a:rPr lang="ko-KR" altLang="en-US" b="1" dirty="0"/>
-              <a:t>객체 제어 함수</a:t>
-            </a:r>
-            <a:r>
-              <a:rPr lang="en-US" altLang="ko-KR" b="1" dirty="0" smtClean="0"/>
-              <a:t>– html() </a:t>
-            </a:r>
-            <a:r>
-              <a:rPr lang="ko-KR" altLang="en-US" b="1" dirty="0" smtClean="0"/>
-              <a:t>함수 </a:t>
-            </a:r>
-            <a:r>
-              <a:rPr lang="en-US" altLang="ko-KR" b="1" dirty="0"/>
-              <a:t>:</a:t>
-            </a:r>
-            <a:r>
-              <a:rPr lang="en-US" altLang="ko-KR" b="1" dirty="0" smtClean="0"/>
-              <a:t> html(</a:t>
-            </a:r>
-            <a:r>
-              <a:rPr lang="ko-KR" altLang="en-US" b="1" dirty="0" smtClean="0"/>
-              <a:t>태그</a:t>
-            </a:r>
-            <a:r>
-              <a:rPr lang="en-US" altLang="ko-KR" b="1" dirty="0" smtClean="0"/>
-              <a:t>)</a:t>
-            </a:r>
-            <a:r>
-              <a:rPr lang="ko-KR" altLang="en-US" b="1" dirty="0" smtClean="0"/>
-              <a:t> </a:t>
-            </a:r>
-            <a:endParaRPr lang="en-US" altLang="ko-KR" sz="2000" b="1" dirty="0" smtClean="0"/>
-          </a:p>
-        </p:txBody>
-      </p:sp>
       <p:pic>
         <p:nvPicPr>
-          <p:cNvPr id="8" name="그림 7"/>
+          <p:cNvPr id="6" name="그림 5"/>
           <p:cNvPicPr>
             <a:picLocks noChangeAspect="1"/>
           </p:cNvPicPr>
@@ -6029,8 +5268,8 @@
         </p:blipFill>
         <p:spPr>
           <a:xfrm>
-            <a:off x="992560" y="2143850"/>
-            <a:ext cx="2301440" cy="2697714"/>
+            <a:off x="1715483" y="1772816"/>
+            <a:ext cx="5083461" cy="1512168"/>
           </a:xfrm>
           <a:prstGeom prst="rect">
             <a:avLst/>
@@ -6046,7 +5285,7 @@
       </p:pic>
       <p:pic>
         <p:nvPicPr>
-          <p:cNvPr id="5" name="그림 4"/>
+          <p:cNvPr id="8" name="그림 7"/>
           <p:cNvPicPr>
             <a:picLocks noChangeAspect="1"/>
           </p:cNvPicPr>
@@ -6066,8 +5305,8 @@
         </p:blipFill>
         <p:spPr>
           <a:xfrm>
-            <a:off x="3440832" y="2176125"/>
-            <a:ext cx="5977511" cy="3528392"/>
+            <a:off x="1763818" y="3789040"/>
+            <a:ext cx="4430387" cy="1512168"/>
           </a:xfrm>
           <a:prstGeom prst="rect">
             <a:avLst/>
@@ -6081,55 +5320,10 @@
           </a:ln>
         </p:spPr>
       </p:pic>
-      <p:sp>
-        <p:nvSpPr>
-          <p:cNvPr id="9" name="TextBox 8"/>
-          <p:cNvSpPr txBox="1"/>
-          <p:nvPr/>
-        </p:nvSpPr>
-        <p:spPr>
-          <a:xfrm>
-            <a:off x="7905328" y="1801554"/>
-            <a:ext cx="1606115" cy="374571"/>
-          </a:xfrm>
-          <a:prstGeom prst="roundRect">
-            <a:avLst/>
-          </a:prstGeom>
-          <a:ln w="19050"/>
-        </p:spPr>
-        <p:style>
-          <a:lnRef idx="2">
-            <a:schemeClr val="accent1"/>
-          </a:lnRef>
-          <a:fillRef idx="1">
-            <a:schemeClr val="lt1"/>
-          </a:fillRef>
-          <a:effectRef idx="0">
-            <a:schemeClr val="accent1"/>
-          </a:effectRef>
-          <a:fontRef idx="minor">
-            <a:schemeClr val="dk1"/>
-          </a:fontRef>
-        </p:style>
-        <p:txBody>
-          <a:bodyPr wrap="square" rtlCol="0">
-            <a:spAutoFit/>
-          </a:bodyPr>
-          <a:lstStyle/>
-          <a:p>
-            <a:pPr algn="ctr"/>
-            <a:r>
-              <a:rPr lang="en-US" altLang="ko-KR" sz="1600" dirty="0" smtClean="0"/>
-              <a:t>jq_html.html</a:t>
-            </a:r>
-            <a:endParaRPr lang="ko-KR" altLang="en-US" sz="1600" dirty="0"/>
-          </a:p>
-        </p:txBody>
-      </p:sp>
     </p:spTree>
     <p:extLst>
       <p:ext uri="{BB962C8B-B14F-4D97-AF65-F5344CB8AC3E}">
-        <p14:creationId xmlns:p14="http://schemas.microsoft.com/office/powerpoint/2010/main" val="3914094260"/>
+        <p14:creationId xmlns:p14="http://schemas.microsoft.com/office/powerpoint/2010/main" val="2566540898"/>
       </p:ext>
     </p:extLst>
   </p:cSld>
@@ -6185,7 +5379,7 @@
         </p:blipFill>
         <p:spPr>
           <a:xfrm>
-            <a:off x="2000672" y="2708920"/>
+            <a:off x="1784648" y="1804931"/>
             <a:ext cx="5845666" cy="3997279"/>
           </a:xfrm>
           <a:prstGeom prst="rect">
@@ -6262,80 +5456,6 @@
           </a:p>
         </p:txBody>
       </p:sp>
-      <p:pic>
-        <p:nvPicPr>
-          <p:cNvPr id="6" name="그림 5"/>
-          <p:cNvPicPr>
-            <a:picLocks noChangeAspect="1"/>
-          </p:cNvPicPr>
-          <p:nvPr/>
-        </p:nvPicPr>
-        <p:blipFill>
-          <a:blip r:embed="rId3">
-            <a:extLst>
-              <a:ext uri="{28A0092B-C50C-407E-A947-70E740481C1C}">
-                <a14:useLocalDpi xmlns:a14="http://schemas.microsoft.com/office/drawing/2010/main" val="0"/>
-              </a:ext>
-            </a:extLst>
-          </a:blip>
-          <a:stretch>
-            <a:fillRect/>
-          </a:stretch>
-        </p:blipFill>
-        <p:spPr>
-          <a:xfrm>
-            <a:off x="992560" y="1487975"/>
-            <a:ext cx="4104456" cy="1220945"/>
-          </a:xfrm>
-          <a:prstGeom prst="rect">
-            <a:avLst/>
-          </a:prstGeom>
-          <a:ln>
-            <a:solidFill>
-              <a:schemeClr val="bg1">
-                <a:lumMod val="85000"/>
-              </a:schemeClr>
-            </a:solidFill>
-          </a:ln>
-        </p:spPr>
-      </p:pic>
-      <p:pic>
-        <p:nvPicPr>
-          <p:cNvPr id="8" name="그림 7"/>
-          <p:cNvPicPr>
-            <a:picLocks noChangeAspect="1"/>
-          </p:cNvPicPr>
-          <p:nvPr/>
-        </p:nvPicPr>
-        <p:blipFill>
-          <a:blip r:embed="rId4">
-            <a:extLst>
-              <a:ext uri="{28A0092B-C50C-407E-A947-70E740481C1C}">
-                <a14:useLocalDpi xmlns:a14="http://schemas.microsoft.com/office/drawing/2010/main" val="0"/>
-              </a:ext>
-            </a:extLst>
-          </a:blip>
-          <a:stretch>
-            <a:fillRect/>
-          </a:stretch>
-        </p:blipFill>
-        <p:spPr>
-          <a:xfrm>
-            <a:off x="5358598" y="1494762"/>
-            <a:ext cx="3229488" cy="1102280"/>
-          </a:xfrm>
-          <a:prstGeom prst="rect">
-            <a:avLst/>
-          </a:prstGeom>
-          <a:ln>
-            <a:solidFill>
-              <a:schemeClr val="bg1">
-                <a:lumMod val="85000"/>
-              </a:schemeClr>
-            </a:solidFill>
-          </a:ln>
-        </p:spPr>
-      </p:pic>
       <p:sp>
         <p:nvSpPr>
           <p:cNvPr id="7" name="TextBox 6"/>
@@ -6344,7 +5464,7 @@
         </p:nvSpPr>
         <p:spPr>
           <a:xfrm>
-            <a:off x="6938327" y="3429000"/>
+            <a:off x="6537176" y="2492896"/>
             <a:ext cx="1606115" cy="374571"/>
           </a:xfrm>
           <a:prstGeom prst="roundRect">
@@ -6384,7 +5504,7 @@
     </p:spTree>
     <p:extLst>
       <p:ext uri="{BB962C8B-B14F-4D97-AF65-F5344CB8AC3E}">
-        <p14:creationId xmlns:p14="http://schemas.microsoft.com/office/powerpoint/2010/main" val="2566540898"/>
+        <p14:creationId xmlns:p14="http://schemas.microsoft.com/office/powerpoint/2010/main" val="868040523"/>
       </p:ext>
     </p:extLst>
   </p:cSld>
@@ -6608,7 +5728,7 @@
         <p:spPr>
           <a:xfrm>
             <a:off x="7329264" y="2276872"/>
-            <a:ext cx="1606115" cy="374571"/>
+            <a:ext cx="1872208" cy="374571"/>
           </a:xfrm>
           <a:prstGeom prst="roundRect">
             <a:avLst/>
@@ -6638,7 +5758,7 @@
             <a:pPr algn="ctr"/>
             <a:r>
               <a:rPr lang="en-US" altLang="ko-KR" sz="1600" dirty="0" smtClean="0"/>
-              <a:t>jq_ex.html</a:t>
+              <a:t>jq_append.html</a:t>
             </a:r>
             <a:endParaRPr lang="ko-KR" altLang="en-US" sz="1600" dirty="0"/>
           </a:p>
@@ -6827,6 +5947,51 @@
           </a:ln>
         </p:spPr>
       </p:pic>
+      <p:sp>
+        <p:nvSpPr>
+          <p:cNvPr id="6" name="TextBox 5"/>
+          <p:cNvSpPr txBox="1"/>
+          <p:nvPr/>
+        </p:nvSpPr>
+        <p:spPr>
+          <a:xfrm>
+            <a:off x="6393160" y="2492896"/>
+            <a:ext cx="1606115" cy="374571"/>
+          </a:xfrm>
+          <a:prstGeom prst="roundRect">
+            <a:avLst/>
+          </a:prstGeom>
+          <a:ln w="19050"/>
+        </p:spPr>
+        <p:style>
+          <a:lnRef idx="2">
+            <a:schemeClr val="accent1"/>
+          </a:lnRef>
+          <a:fillRef idx="1">
+            <a:schemeClr val="lt1"/>
+          </a:fillRef>
+          <a:effectRef idx="0">
+            <a:schemeClr val="accent1"/>
+          </a:effectRef>
+          <a:fontRef idx="minor">
+            <a:schemeClr val="dk1"/>
+          </a:fontRef>
+        </p:style>
+        <p:txBody>
+          <a:bodyPr wrap="square" rtlCol="0">
+            <a:spAutoFit/>
+          </a:bodyPr>
+          <a:lstStyle/>
+          <a:p>
+            <a:pPr algn="ctr"/>
+            <a:r>
+              <a:rPr lang="en-US" altLang="ko-KR" sz="1600" dirty="0" smtClean="0"/>
+              <a:t>jq_on.html</a:t>
+            </a:r>
+            <a:endParaRPr lang="ko-KR" altLang="en-US" sz="1600" dirty="0"/>
+          </a:p>
+        </p:txBody>
+      </p:sp>
     </p:spTree>
     <p:extLst>
       <p:ext uri="{BB962C8B-B14F-4D97-AF65-F5344CB8AC3E}">
@@ -28884,20 +28049,28 @@
           </a:bodyPr>
           <a:lstStyle/>
           <a:p>
-            <a:pPr algn="ctr"/>
-            <a:r>
-              <a:rPr lang="en-US" altLang="ko-KR" sz="2800" dirty="0" smtClean="0"/>
-              <a:t>jQuery </a:t>
-            </a:r>
-            <a:r>
-              <a:rPr lang="ko-KR" altLang="en-US" sz="2800" dirty="0" err="1" smtClean="0"/>
-              <a:t>선택</a:t>
-            </a:r>
-            <a:r>
-              <a:rPr lang="ko-KR" altLang="en-US" sz="2800" dirty="0" err="1"/>
-              <a:t>자</a:t>
-            </a:r>
-            <a:endParaRPr lang="ko-KR" altLang="en-US" sz="2800" dirty="0"/>
+            <a:pPr algn="ctr">
+              <a:lnSpc>
+                <a:spcPct val="150000"/>
+              </a:lnSpc>
+            </a:pPr>
+            <a:r>
+              <a:rPr lang="ko-KR" altLang="en-US" sz="2800" b="1" dirty="0"/>
+              <a:t>문서 객체 </a:t>
+            </a:r>
+            <a:r>
+              <a:rPr lang="ko-KR" altLang="en-US" sz="2800" b="1" dirty="0" smtClean="0"/>
+              <a:t>제</a:t>
+            </a:r>
+            <a:r>
+              <a:rPr lang="ko-KR" altLang="en-US" sz="2800" b="1" dirty="0"/>
+              <a:t>어</a:t>
+            </a:r>
+            <a:r>
+              <a:rPr lang="ko-KR" altLang="en-US" sz="2800" b="1" dirty="0" smtClean="0"/>
+              <a:t> 함수</a:t>
+            </a:r>
+            <a:endParaRPr lang="en-US" altLang="ko-KR" sz="2800" b="1" dirty="0"/>
           </a:p>
         </p:txBody>
       </p:sp>
@@ -28926,14 +28099,14 @@
       </p:sp>
       <p:sp>
         <p:nvSpPr>
-          <p:cNvPr id="11" name="TextBox 10"/>
+          <p:cNvPr id="13" name="TextBox 12"/>
           <p:cNvSpPr txBox="1"/>
           <p:nvPr/>
         </p:nvSpPr>
         <p:spPr>
           <a:xfrm>
-            <a:off x="867978" y="1155516"/>
-            <a:ext cx="8280920" cy="553998"/>
+            <a:off x="992560" y="1318524"/>
+            <a:ext cx="3456384" cy="507831"/>
           </a:xfrm>
           <a:prstGeom prst="rect">
             <a:avLst/>
@@ -28952,186 +28125,736 @@
               </a:lnSpc>
             </a:pPr>
             <a:r>
-              <a:rPr lang="ko-KR" altLang="en-US" sz="2000" dirty="0"/>
-              <a:t> </a:t>
-            </a:r>
-            <a:r>
               <a:rPr lang="ko-KR" altLang="en-US" sz="2000" b="1" dirty="0" smtClean="0"/>
-              <a:t>기</a:t>
-            </a:r>
-            <a:r>
-              <a:rPr lang="ko-KR" altLang="en-US" sz="2000" b="1" dirty="0"/>
-              <a:t>본</a:t>
-            </a:r>
-            <a:r>
-              <a:rPr lang="en-US" altLang="ko-KR" sz="2000" b="1" dirty="0" smtClean="0"/>
-              <a:t> </a:t>
+              <a:t>문서 객체 제어 </a:t>
             </a:r>
             <a:r>
               <a:rPr lang="ko-KR" altLang="en-US" sz="2000" b="1" dirty="0" err="1" smtClean="0"/>
-              <a:t>선택</a:t>
-            </a:r>
-            <a:r>
-              <a:rPr lang="ko-KR" altLang="en-US" sz="2000" b="1" dirty="0" err="1"/>
-              <a:t>자</a:t>
-            </a:r>
-            <a:endParaRPr lang="en-US" altLang="ko-KR" sz="2400" dirty="0" smtClean="0"/>
-          </a:p>
-        </p:txBody>
-      </p:sp>
-      <p:pic>
-        <p:nvPicPr>
-          <p:cNvPr id="3" name="그림 2"/>
-          <p:cNvPicPr>
-            <a:picLocks noChangeAspect="1"/>
-          </p:cNvPicPr>
-          <p:nvPr/>
-        </p:nvPicPr>
-        <p:blipFill>
-          <a:blip r:embed="rId2">
-            <a:extLst>
-              <a:ext uri="{28A0092B-C50C-407E-A947-70E740481C1C}">
-                <a14:useLocalDpi xmlns:a14="http://schemas.microsoft.com/office/drawing/2010/main" val="0"/>
-              </a:ext>
-            </a:extLst>
-          </a:blip>
-          <a:stretch>
-            <a:fillRect/>
-          </a:stretch>
-        </p:blipFill>
-        <p:spPr>
-          <a:xfrm>
-            <a:off x="992560" y="1900531"/>
-            <a:ext cx="2103302" cy="2324302"/>
-          </a:xfrm>
-          <a:prstGeom prst="rect">
-            <a:avLst/>
-          </a:prstGeom>
-        </p:spPr>
-      </p:pic>
-      <p:pic>
-        <p:nvPicPr>
-          <p:cNvPr id="10" name="그림 9"/>
-          <p:cNvPicPr>
-            <a:picLocks noChangeAspect="1"/>
-          </p:cNvPicPr>
-          <p:nvPr/>
-        </p:nvPicPr>
-        <p:blipFill>
-          <a:blip r:embed="rId3">
-            <a:extLst>
-              <a:ext uri="{28A0092B-C50C-407E-A947-70E740481C1C}">
-                <a14:useLocalDpi xmlns:a14="http://schemas.microsoft.com/office/drawing/2010/main" val="0"/>
-              </a:ext>
-            </a:extLst>
-          </a:blip>
-          <a:stretch>
-            <a:fillRect/>
-          </a:stretch>
-        </p:blipFill>
-        <p:spPr>
-          <a:xfrm>
-            <a:off x="2203422" y="4192449"/>
-            <a:ext cx="6363252" cy="2324302"/>
-          </a:xfrm>
-          <a:prstGeom prst="rect">
-            <a:avLst/>
-          </a:prstGeom>
-          <a:ln>
-            <a:solidFill>
-              <a:schemeClr val="bg1">
-                <a:lumMod val="85000"/>
-              </a:schemeClr>
-            </a:solidFill>
-          </a:ln>
-        </p:spPr>
-      </p:pic>
-      <p:pic>
-        <p:nvPicPr>
-          <p:cNvPr id="7" name="그림 6"/>
-          <p:cNvPicPr>
-            <a:picLocks noChangeAspect="1"/>
-          </p:cNvPicPr>
-          <p:nvPr/>
-        </p:nvPicPr>
-        <p:blipFill>
-          <a:blip r:embed="rId4">
-            <a:extLst>
-              <a:ext uri="{28A0092B-C50C-407E-A947-70E740481C1C}">
-                <a14:useLocalDpi xmlns:a14="http://schemas.microsoft.com/office/drawing/2010/main" val="0"/>
-              </a:ext>
-            </a:extLst>
-          </a:blip>
-          <a:stretch>
-            <a:fillRect/>
-          </a:stretch>
-        </p:blipFill>
-        <p:spPr>
-          <a:xfrm>
-            <a:off x="3872880" y="1894189"/>
-            <a:ext cx="3024336" cy="2099655"/>
-          </a:xfrm>
-          <a:prstGeom prst="rect">
-            <a:avLst/>
-          </a:prstGeom>
-          <a:ln>
-            <a:solidFill>
-              <a:schemeClr val="bg1">
-                <a:lumMod val="85000"/>
-              </a:schemeClr>
-            </a:solidFill>
-          </a:ln>
-        </p:spPr>
-      </p:pic>
-      <p:sp>
-        <p:nvSpPr>
-          <p:cNvPr id="8" name="TextBox 7"/>
-          <p:cNvSpPr txBox="1"/>
-          <p:nvPr/>
-        </p:nvSpPr>
-        <p:spPr>
-          <a:xfrm>
-            <a:off x="6465168" y="2944016"/>
-            <a:ext cx="1606115" cy="374571"/>
-          </a:xfrm>
-          <a:prstGeom prst="roundRect">
-            <a:avLst/>
-          </a:prstGeom>
-          <a:ln w="19050"/>
-        </p:spPr>
-        <p:style>
-          <a:lnRef idx="2">
-            <a:schemeClr val="accent1"/>
-          </a:lnRef>
-          <a:fillRef idx="1">
-            <a:schemeClr val="lt1"/>
-          </a:fillRef>
-          <a:effectRef idx="0">
-            <a:schemeClr val="accent1"/>
-          </a:effectRef>
-          <a:fontRef idx="minor">
-            <a:schemeClr val="dk1"/>
-          </a:fontRef>
-        </p:style>
-        <p:txBody>
-          <a:bodyPr wrap="square" rtlCol="0">
-            <a:spAutoFit/>
-          </a:bodyPr>
-          <a:lstStyle/>
-          <a:p>
-            <a:pPr algn="ctr"/>
-            <a:r>
-              <a:rPr lang="en-US" altLang="ko-KR" sz="1600" dirty="0" smtClean="0"/>
-              <a:t>jq_css.html</a:t>
-            </a:r>
-            <a:endParaRPr lang="ko-KR" altLang="en-US" sz="1600" dirty="0"/>
-          </a:p>
-        </p:txBody>
-      </p:sp>
+              <a:t>메서드</a:t>
+            </a:r>
+            <a:endParaRPr lang="en-US" altLang="ko-KR" sz="2000" b="1" dirty="0" smtClean="0"/>
+          </a:p>
+        </p:txBody>
+      </p:sp>
+      <p:graphicFrame>
+        <p:nvGraphicFramePr>
+          <p:cNvPr id="14" name="표 13"/>
+          <p:cNvGraphicFramePr>
+            <a:graphicFrameLocks noGrp="1"/>
+          </p:cNvGraphicFramePr>
+          <p:nvPr>
+            <p:extLst>
+              <p:ext uri="{D42A27DB-BD31-4B8C-83A1-F6EECF244321}">
+                <p14:modId xmlns:p14="http://schemas.microsoft.com/office/powerpoint/2010/main" val="349580811"/>
+              </p:ext>
+            </p:extLst>
+          </p:nvPr>
+        </p:nvGraphicFramePr>
+        <p:xfrm>
+          <a:off x="1064568" y="1988840"/>
+          <a:ext cx="8496944" cy="3498776"/>
+        </p:xfrm>
+        <a:graphic>
+          <a:graphicData uri="http://schemas.openxmlformats.org/drawingml/2006/table">
+            <a:tbl>
+              <a:tblPr firstRow="1" bandRow="1">
+                <a:tableStyleId>{5940675A-B579-460E-94D1-54222C63F5DA}</a:tableStyleId>
+              </a:tblPr>
+              <a:tblGrid>
+                <a:gridCol w="3384376">
+                  <a:extLst>
+                    <a:ext uri="{9D8B030D-6E8A-4147-A177-3AD203B41FA5}">
+                      <a16:colId xmlns:a16="http://schemas.microsoft.com/office/drawing/2014/main" val="20000"/>
+                    </a:ext>
+                  </a:extLst>
+                </a:gridCol>
+                <a:gridCol w="5112568">
+                  <a:extLst>
+                    <a:ext uri="{9D8B030D-6E8A-4147-A177-3AD203B41FA5}">
+                      <a16:colId xmlns:a16="http://schemas.microsoft.com/office/drawing/2014/main" val="20001"/>
+                    </a:ext>
+                  </a:extLst>
+                </a:gridCol>
+              </a:tblGrid>
+              <a:tr h="437347">
+                <a:tc>
+                  <a:txBody>
+                    <a:bodyPr/>
+                    <a:lstStyle/>
+                    <a:p>
+                      <a:pPr algn="ctr" latinLnBrk="1"/>
+                      <a:r>
+                        <a:rPr lang="ko-KR" altLang="en-US" sz="1600" dirty="0" smtClean="0"/>
+                        <a:t>속성</a:t>
+                      </a:r>
+                      <a:endParaRPr lang="ko-KR" altLang="en-US" sz="1600" dirty="0"/>
+                    </a:p>
+                  </a:txBody>
+                  <a:tcPr anchor="ctr">
+                    <a:lnL w="12700" cmpd="sng">
+                      <a:noFill/>
+                    </a:lnL>
+                    <a:solidFill>
+                      <a:schemeClr val="bg1">
+                        <a:lumMod val="95000"/>
+                      </a:schemeClr>
+                    </a:solidFill>
+                  </a:tcPr>
+                </a:tc>
+                <a:tc>
+                  <a:txBody>
+                    <a:bodyPr/>
+                    <a:lstStyle/>
+                    <a:p>
+                      <a:pPr algn="ctr" latinLnBrk="1"/>
+                      <a:r>
+                        <a:rPr lang="ko-KR" altLang="en-US" sz="1600" dirty="0" smtClean="0"/>
+                        <a:t>설명</a:t>
+                      </a:r>
+                      <a:endParaRPr lang="ko-KR" altLang="en-US" sz="1600" dirty="0"/>
+                    </a:p>
+                  </a:txBody>
+                  <a:tcPr anchor="ctr">
+                    <a:lnR w="12700" cmpd="sng">
+                      <a:noFill/>
+                    </a:lnR>
+                    <a:solidFill>
+                      <a:schemeClr val="bg1">
+                        <a:lumMod val="95000"/>
+                      </a:schemeClr>
+                    </a:solidFill>
+                  </a:tcPr>
+                </a:tc>
+                <a:extLst>
+                  <a:ext uri="{0D108BD9-81ED-4DB2-BD59-A6C34878D82A}">
+                    <a16:rowId xmlns:a16="http://schemas.microsoft.com/office/drawing/2014/main" val="10000"/>
+                  </a:ext>
+                </a:extLst>
+              </a:tr>
+              <a:tr h="437347">
+                <a:tc>
+                  <a:txBody>
+                    <a:bodyPr/>
+                    <a:lstStyle/>
+                    <a:p>
+                      <a:pPr algn="l" latinLnBrk="1"/>
+                      <a:r>
+                        <a:rPr lang="en-US" altLang="ko-KR" sz="1600" dirty="0" smtClean="0"/>
+                        <a:t>$(“</a:t>
+                      </a:r>
+                      <a:r>
+                        <a:rPr lang="ko-KR" altLang="en-US" sz="1600" dirty="0" smtClean="0"/>
+                        <a:t>선택 요소</a:t>
+                      </a:r>
+                      <a:r>
+                        <a:rPr lang="en-US" altLang="ko-KR" sz="1600" dirty="0" smtClean="0"/>
+                        <a:t>”).click()</a:t>
+                      </a:r>
+                    </a:p>
+                  </a:txBody>
+                  <a:tcPr anchor="ctr">
+                    <a:lnL w="12700" cmpd="sng">
+                      <a:noFill/>
+                    </a:lnL>
+                  </a:tcPr>
+                </a:tc>
+                <a:tc>
+                  <a:txBody>
+                    <a:bodyPr/>
+                    <a:lstStyle/>
+                    <a:p>
+                      <a:pPr algn="l" latinLnBrk="1"/>
+                      <a:r>
+                        <a:rPr lang="ko-KR" altLang="en-US" sz="1600" dirty="0" smtClean="0"/>
+                        <a:t>선택한 요소를 클릭함</a:t>
+                      </a:r>
+                      <a:endParaRPr lang="ko-KR" altLang="en-US" sz="1600" dirty="0"/>
+                    </a:p>
+                  </a:txBody>
+                  <a:tcPr anchor="ctr">
+                    <a:lnR w="12700" cmpd="sng">
+                      <a:noFill/>
+                    </a:lnR>
+                  </a:tcPr>
+                </a:tc>
+                <a:extLst>
+                  <a:ext uri="{0D108BD9-81ED-4DB2-BD59-A6C34878D82A}">
+                    <a16:rowId xmlns:a16="http://schemas.microsoft.com/office/drawing/2014/main" val="10001"/>
+                  </a:ext>
+                </a:extLst>
+              </a:tr>
+              <a:tr h="437347">
+                <a:tc>
+                  <a:txBody>
+                    <a:bodyPr/>
+                    <a:lstStyle/>
+                    <a:p>
+                      <a:pPr algn="l" latinLnBrk="1"/>
+                      <a:r>
+                        <a:rPr lang="en-US" altLang="ko-KR" sz="1600" dirty="0" smtClean="0"/>
+                        <a:t>$(“</a:t>
+                      </a:r>
+                      <a:r>
+                        <a:rPr lang="ko-KR" altLang="en-US" sz="1600" dirty="0" smtClean="0"/>
+                        <a:t>선택 요소</a:t>
+                      </a:r>
+                      <a:r>
+                        <a:rPr lang="en-US" altLang="ko-KR" sz="1600" baseline="0" dirty="0" smtClean="0"/>
+                        <a:t>”).</a:t>
+                      </a:r>
+                      <a:r>
+                        <a:rPr lang="en-US" altLang="ko-KR" sz="1600" baseline="0" dirty="0" err="1" smtClean="0"/>
+                        <a:t>css</a:t>
+                      </a:r>
+                      <a:r>
+                        <a:rPr lang="en-US" altLang="ko-KR" sz="1600" baseline="0" dirty="0" smtClean="0"/>
+                        <a:t>()</a:t>
+                      </a:r>
+                      <a:endParaRPr lang="en-US" altLang="ko-KR" sz="1600" dirty="0" smtClean="0"/>
+                    </a:p>
+                  </a:txBody>
+                  <a:tcPr anchor="ctr">
+                    <a:lnL w="12700" cmpd="sng">
+                      <a:noFill/>
+                    </a:lnL>
+                  </a:tcPr>
+                </a:tc>
+                <a:tc>
+                  <a:txBody>
+                    <a:bodyPr/>
+                    <a:lstStyle/>
+                    <a:p>
+                      <a:pPr algn="l" latinLnBrk="1"/>
+                      <a:r>
+                        <a:rPr lang="ko-KR" altLang="en-US" sz="1600" dirty="0" smtClean="0"/>
+                        <a:t>선택한 요소의 스타일을 변경</a:t>
+                      </a:r>
+                      <a:endParaRPr lang="ko-KR" altLang="en-US" sz="1600" dirty="0"/>
+                    </a:p>
+                  </a:txBody>
+                  <a:tcPr anchor="ctr">
+                    <a:lnR w="12700" cmpd="sng">
+                      <a:noFill/>
+                    </a:lnR>
+                  </a:tcPr>
+                </a:tc>
+                <a:extLst>
+                  <a:ext uri="{0D108BD9-81ED-4DB2-BD59-A6C34878D82A}">
+                    <a16:rowId xmlns:a16="http://schemas.microsoft.com/office/drawing/2014/main" val="10002"/>
+                  </a:ext>
+                </a:extLst>
+              </a:tr>
+              <a:tr h="437347">
+                <a:tc>
+                  <a:txBody>
+                    <a:bodyPr/>
+                    <a:lstStyle/>
+                    <a:p>
+                      <a:pPr marL="0" marR="0" indent="0" algn="l" defTabSz="914400" rtl="0" eaLnBrk="1" fontAlgn="auto" latinLnBrk="1" hangingPunct="1">
+                        <a:lnSpc>
+                          <a:spcPct val="100000"/>
+                        </a:lnSpc>
+                        <a:spcBef>
+                          <a:spcPts val="0"/>
+                        </a:spcBef>
+                        <a:spcAft>
+                          <a:spcPts val="0"/>
+                        </a:spcAft>
+                        <a:buClrTx/>
+                        <a:buSzTx/>
+                        <a:buFontTx/>
+                        <a:buNone/>
+                        <a:tabLst/>
+                        <a:defRPr/>
+                      </a:pPr>
+                      <a:r>
+                        <a:rPr lang="en-US" altLang="ko-KR" sz="1600" dirty="0" smtClean="0"/>
+                        <a:t>$(“</a:t>
+                      </a:r>
+                      <a:r>
+                        <a:rPr lang="ko-KR" altLang="en-US" sz="1600" dirty="0" smtClean="0"/>
+                        <a:t>선택 요소</a:t>
+                      </a:r>
+                      <a:r>
+                        <a:rPr lang="en-US" altLang="ko-KR" sz="1600" baseline="0" dirty="0" smtClean="0"/>
+                        <a:t>”).text(“</a:t>
+                      </a:r>
+                      <a:r>
+                        <a:rPr lang="ko-KR" altLang="en-US" sz="1600" baseline="0" dirty="0" smtClean="0"/>
+                        <a:t>텍스트</a:t>
+                      </a:r>
+                      <a:r>
+                        <a:rPr lang="en-US" altLang="ko-KR" sz="1600" baseline="0" dirty="0" smtClean="0"/>
+                        <a:t>”)</a:t>
+                      </a:r>
+                      <a:endParaRPr lang="en-US" altLang="ko-KR" sz="1600" dirty="0" smtClean="0"/>
+                    </a:p>
+                  </a:txBody>
+                  <a:tcPr anchor="ctr">
+                    <a:lnL w="12700" cmpd="sng">
+                      <a:noFill/>
+                    </a:lnL>
+                  </a:tcPr>
+                </a:tc>
+                <a:tc>
+                  <a:txBody>
+                    <a:bodyPr/>
+                    <a:lstStyle/>
+                    <a:p>
+                      <a:pPr marL="0" marR="0" lvl="0" indent="0" algn="l" defTabSz="914400" rtl="0" eaLnBrk="1" fontAlgn="auto" latinLnBrk="1" hangingPunct="1">
+                        <a:lnSpc>
+                          <a:spcPct val="100000"/>
+                        </a:lnSpc>
+                        <a:spcBef>
+                          <a:spcPts val="0"/>
+                        </a:spcBef>
+                        <a:spcAft>
+                          <a:spcPts val="0"/>
+                        </a:spcAft>
+                        <a:buClrTx/>
+                        <a:buSzTx/>
+                        <a:buFontTx/>
+                        <a:buNone/>
+                        <a:tabLst/>
+                        <a:defRPr/>
+                      </a:pPr>
+                      <a:r>
+                        <a:rPr lang="ko-KR" altLang="en-US" sz="1600" baseline="0" dirty="0" smtClean="0"/>
+                        <a:t>요소의 텍스트를 취득</a:t>
+                      </a:r>
+                      <a:r>
+                        <a:rPr lang="en-US" altLang="ko-KR" sz="1600" baseline="0" dirty="0" smtClean="0"/>
+                        <a:t>, </a:t>
+                      </a:r>
+                      <a:r>
+                        <a:rPr lang="ko-KR" altLang="en-US" sz="1600" baseline="0" dirty="0" smtClean="0"/>
+                        <a:t>생성</a:t>
+                      </a:r>
+                      <a:r>
+                        <a:rPr lang="en-US" altLang="ko-KR" sz="1600" baseline="0" dirty="0" smtClean="0"/>
+                        <a:t>, </a:t>
+                      </a:r>
+                      <a:r>
+                        <a:rPr lang="ko-KR" altLang="en-US" sz="1600" baseline="0" dirty="0" smtClean="0"/>
+                        <a:t>변경할 수 있다</a:t>
+                      </a:r>
+                      <a:r>
+                        <a:rPr lang="en-US" altLang="ko-KR" sz="1600" baseline="0" dirty="0" smtClean="0"/>
+                        <a:t>.</a:t>
+                      </a:r>
+                      <a:endParaRPr lang="ko-KR" altLang="en-US" sz="1600" dirty="0" smtClean="0"/>
+                    </a:p>
+                  </a:txBody>
+                  <a:tcPr anchor="ctr">
+                    <a:lnR w="12700" cmpd="sng">
+                      <a:noFill/>
+                    </a:lnR>
+                  </a:tcPr>
+                </a:tc>
+                <a:extLst>
+                  <a:ext uri="{0D108BD9-81ED-4DB2-BD59-A6C34878D82A}">
+                    <a16:rowId xmlns:a16="http://schemas.microsoft.com/office/drawing/2014/main" val="10003"/>
+                  </a:ext>
+                </a:extLst>
+              </a:tr>
+              <a:tr h="437347">
+                <a:tc>
+                  <a:txBody>
+                    <a:bodyPr/>
+                    <a:lstStyle/>
+                    <a:p>
+                      <a:pPr marL="0" marR="0" indent="0" algn="l" defTabSz="914400" rtl="0" eaLnBrk="1" fontAlgn="auto" latinLnBrk="1" hangingPunct="1">
+                        <a:lnSpc>
+                          <a:spcPct val="100000"/>
+                        </a:lnSpc>
+                        <a:spcBef>
+                          <a:spcPts val="0"/>
+                        </a:spcBef>
+                        <a:spcAft>
+                          <a:spcPts val="0"/>
+                        </a:spcAft>
+                        <a:buClrTx/>
+                        <a:buSzTx/>
+                        <a:buFontTx/>
+                        <a:buNone/>
+                        <a:tabLst/>
+                        <a:defRPr/>
+                      </a:pPr>
+                      <a:r>
+                        <a:rPr lang="en-US" altLang="ko-KR" sz="1600" dirty="0" smtClean="0"/>
+                        <a:t>$(“</a:t>
+                      </a:r>
+                      <a:r>
+                        <a:rPr lang="ko-KR" altLang="en-US" sz="1600" dirty="0" smtClean="0"/>
+                        <a:t>선택 요소</a:t>
+                      </a:r>
+                      <a:r>
+                        <a:rPr lang="en-US" altLang="ko-KR" sz="1600" baseline="0" dirty="0" smtClean="0"/>
+                        <a:t>”).html(“</a:t>
+                      </a:r>
+                      <a:r>
+                        <a:rPr lang="ko-KR" altLang="en-US" sz="1600" baseline="0" dirty="0" smtClean="0"/>
+                        <a:t>새 텍스트</a:t>
+                      </a:r>
+                      <a:r>
+                        <a:rPr lang="en-US" altLang="ko-KR" sz="1600" baseline="0" dirty="0" smtClean="0"/>
+                        <a:t>”)</a:t>
+                      </a:r>
+                      <a:endParaRPr lang="en-US" altLang="ko-KR" sz="1600" dirty="0" smtClean="0"/>
+                    </a:p>
+                  </a:txBody>
+                  <a:tcPr anchor="ctr">
+                    <a:lnL w="12700" cmpd="sng">
+                      <a:noFill/>
+                    </a:lnL>
+                  </a:tcPr>
+                </a:tc>
+                <a:tc>
+                  <a:txBody>
+                    <a:bodyPr/>
+                    <a:lstStyle/>
+                    <a:p>
+                      <a:pPr marL="0" marR="0" lvl="0" indent="0" algn="l" defTabSz="914400" rtl="0" eaLnBrk="1" fontAlgn="auto" latinLnBrk="1" hangingPunct="1">
+                        <a:lnSpc>
+                          <a:spcPct val="100000"/>
+                        </a:lnSpc>
+                        <a:spcBef>
+                          <a:spcPts val="0"/>
+                        </a:spcBef>
+                        <a:spcAft>
+                          <a:spcPts val="0"/>
+                        </a:spcAft>
+                        <a:buClrTx/>
+                        <a:buSzTx/>
+                        <a:buFontTx/>
+                        <a:buNone/>
+                        <a:tabLst/>
+                        <a:defRPr/>
+                      </a:pPr>
+                      <a:r>
+                        <a:rPr lang="ko-KR" altLang="en-US" sz="1600" dirty="0" smtClean="0"/>
+                        <a:t>선택한 요소의 하위 요소들을 새 텍스트로 변경</a:t>
+                      </a:r>
+                    </a:p>
+                  </a:txBody>
+                  <a:tcPr anchor="ctr">
+                    <a:lnR w="12700" cmpd="sng">
+                      <a:noFill/>
+                    </a:lnR>
+                  </a:tcPr>
+                </a:tc>
+                <a:extLst>
+                  <a:ext uri="{0D108BD9-81ED-4DB2-BD59-A6C34878D82A}">
+                    <a16:rowId xmlns:a16="http://schemas.microsoft.com/office/drawing/2014/main" val="10004"/>
+                  </a:ext>
+                </a:extLst>
+              </a:tr>
+              <a:tr h="437347">
+                <a:tc>
+                  <a:txBody>
+                    <a:bodyPr/>
+                    <a:lstStyle/>
+                    <a:p>
+                      <a:pPr marL="0" marR="0" indent="0" algn="l" defTabSz="914400" rtl="0" eaLnBrk="1" fontAlgn="auto" latinLnBrk="1" hangingPunct="1">
+                        <a:lnSpc>
+                          <a:spcPct val="100000"/>
+                        </a:lnSpc>
+                        <a:spcBef>
+                          <a:spcPts val="0"/>
+                        </a:spcBef>
+                        <a:spcAft>
+                          <a:spcPts val="0"/>
+                        </a:spcAft>
+                        <a:buClrTx/>
+                        <a:buSzTx/>
+                        <a:buFontTx/>
+                        <a:buNone/>
+                        <a:tabLst/>
+                        <a:defRPr/>
+                      </a:pPr>
+                      <a:r>
+                        <a:rPr lang="en-US" altLang="ko-KR" sz="1600" dirty="0" smtClean="0"/>
+                        <a:t>$(“</a:t>
+                      </a:r>
+                      <a:r>
+                        <a:rPr lang="ko-KR" altLang="en-US" sz="1600" dirty="0" smtClean="0"/>
+                        <a:t>선택 요소</a:t>
+                      </a:r>
+                      <a:r>
+                        <a:rPr lang="en-US" altLang="ko-KR" sz="1600" baseline="0" dirty="0" smtClean="0"/>
+                        <a:t>”).append(“</a:t>
+                      </a:r>
+                      <a:r>
+                        <a:rPr lang="ko-KR" altLang="en-US" sz="1600" baseline="0" dirty="0" smtClean="0"/>
+                        <a:t>새 텍스트</a:t>
+                      </a:r>
+                      <a:r>
+                        <a:rPr lang="en-US" altLang="ko-KR" sz="1600" baseline="0" dirty="0" smtClean="0"/>
+                        <a:t>”)</a:t>
+                      </a:r>
+                      <a:endParaRPr lang="en-US" altLang="ko-KR" sz="1600" dirty="0" smtClean="0"/>
+                    </a:p>
+                  </a:txBody>
+                  <a:tcPr anchor="ctr">
+                    <a:lnL w="12700" cmpd="sng">
+                      <a:noFill/>
+                    </a:lnL>
+                  </a:tcPr>
+                </a:tc>
+                <a:tc>
+                  <a:txBody>
+                    <a:bodyPr/>
+                    <a:lstStyle/>
+                    <a:p>
+                      <a:pPr marL="0" marR="0" lvl="0" indent="0" algn="l" defTabSz="914400" rtl="0" eaLnBrk="1" fontAlgn="auto" latinLnBrk="1" hangingPunct="1">
+                        <a:lnSpc>
+                          <a:spcPct val="100000"/>
+                        </a:lnSpc>
+                        <a:spcBef>
+                          <a:spcPts val="0"/>
+                        </a:spcBef>
+                        <a:spcAft>
+                          <a:spcPts val="0"/>
+                        </a:spcAft>
+                        <a:buClrTx/>
+                        <a:buSzTx/>
+                        <a:buFontTx/>
+                        <a:buNone/>
+                        <a:tabLst/>
+                        <a:defRPr/>
+                      </a:pPr>
+                      <a:r>
+                        <a:rPr lang="ko-KR" altLang="en-US" sz="1600" dirty="0" smtClean="0"/>
+                        <a:t>선택한 요소의 마지막 자식요소로 새 요소를 추가</a:t>
+                      </a:r>
+                    </a:p>
+                  </a:txBody>
+                  <a:tcPr anchor="ctr">
+                    <a:lnR w="12700" cmpd="sng">
+                      <a:noFill/>
+                    </a:lnR>
+                  </a:tcPr>
+                </a:tc>
+                <a:extLst>
+                  <a:ext uri="{0D108BD9-81ED-4DB2-BD59-A6C34878D82A}">
+                    <a16:rowId xmlns:a16="http://schemas.microsoft.com/office/drawing/2014/main" val="10005"/>
+                  </a:ext>
+                </a:extLst>
+              </a:tr>
+              <a:tr h="437347">
+                <a:tc>
+                  <a:txBody>
+                    <a:bodyPr/>
+                    <a:lstStyle/>
+                    <a:p>
+                      <a:pPr marL="0" marR="0" indent="0" algn="l" defTabSz="914400" rtl="0" eaLnBrk="1" fontAlgn="auto" latinLnBrk="1" hangingPunct="1">
+                        <a:lnSpc>
+                          <a:spcPct val="100000"/>
+                        </a:lnSpc>
+                        <a:spcBef>
+                          <a:spcPts val="0"/>
+                        </a:spcBef>
+                        <a:spcAft>
+                          <a:spcPts val="0"/>
+                        </a:spcAft>
+                        <a:buClrTx/>
+                        <a:buSzTx/>
+                        <a:buFontTx/>
+                        <a:buNone/>
+                        <a:tabLst/>
+                        <a:defRPr/>
+                      </a:pPr>
+                      <a:r>
+                        <a:rPr lang="en-US" altLang="ko-KR" sz="1600" dirty="0" smtClean="0"/>
+                        <a:t>$(“</a:t>
+                      </a:r>
+                      <a:r>
+                        <a:rPr lang="ko-KR" altLang="en-US" sz="1600" dirty="0" smtClean="0"/>
+                        <a:t>선택 요소</a:t>
+                      </a:r>
+                      <a:r>
+                        <a:rPr lang="en-US" altLang="ko-KR" sz="1600" baseline="0" dirty="0" smtClean="0"/>
+                        <a:t>”).remove(“</a:t>
+                      </a:r>
+                      <a:r>
+                        <a:rPr lang="ko-KR" altLang="en-US" sz="1600" baseline="0" dirty="0" smtClean="0"/>
+                        <a:t>새 텍스트</a:t>
+                      </a:r>
+                      <a:r>
+                        <a:rPr lang="en-US" altLang="ko-KR" sz="1600" baseline="0" dirty="0" smtClean="0"/>
+                        <a:t>”)</a:t>
+                      </a:r>
+                      <a:endParaRPr lang="en-US" altLang="ko-KR" sz="1600" dirty="0" smtClean="0"/>
+                    </a:p>
+                  </a:txBody>
+                  <a:tcPr anchor="ctr">
+                    <a:lnL w="12700" cmpd="sng">
+                      <a:noFill/>
+                    </a:lnL>
+                  </a:tcPr>
+                </a:tc>
+                <a:tc>
+                  <a:txBody>
+                    <a:bodyPr/>
+                    <a:lstStyle/>
+                    <a:p>
+                      <a:pPr marL="0" marR="0" lvl="0" indent="0" algn="l" defTabSz="914400" rtl="0" eaLnBrk="1" fontAlgn="auto" latinLnBrk="1" hangingPunct="1">
+                        <a:lnSpc>
+                          <a:spcPct val="100000"/>
+                        </a:lnSpc>
+                        <a:spcBef>
+                          <a:spcPts val="0"/>
+                        </a:spcBef>
+                        <a:spcAft>
+                          <a:spcPts val="0"/>
+                        </a:spcAft>
+                        <a:buClrTx/>
+                        <a:buSzTx/>
+                        <a:buFontTx/>
+                        <a:buNone/>
+                        <a:tabLst/>
+                        <a:defRPr/>
+                      </a:pPr>
+                      <a:r>
+                        <a:rPr lang="ko-KR" altLang="en-US" sz="1600" dirty="0" smtClean="0"/>
+                        <a:t>선택한</a:t>
+                      </a:r>
+                      <a:r>
+                        <a:rPr lang="ko-KR" altLang="en-US" sz="1600" baseline="0" dirty="0" smtClean="0"/>
+                        <a:t> 요소를 삭제</a:t>
+                      </a:r>
+                      <a:endParaRPr lang="ko-KR" altLang="en-US" sz="1600" dirty="0" smtClean="0"/>
+                    </a:p>
+                  </a:txBody>
+                  <a:tcPr anchor="ctr">
+                    <a:lnR w="12700" cmpd="sng">
+                      <a:noFill/>
+                    </a:lnR>
+                  </a:tcPr>
+                </a:tc>
+                <a:extLst>
+                  <a:ext uri="{0D108BD9-81ED-4DB2-BD59-A6C34878D82A}">
+                    <a16:rowId xmlns:a16="http://schemas.microsoft.com/office/drawing/2014/main" val="10006"/>
+                  </a:ext>
+                </a:extLst>
+              </a:tr>
+              <a:tr h="437347">
+                <a:tc>
+                  <a:txBody>
+                    <a:bodyPr/>
+                    <a:lstStyle/>
+                    <a:p>
+                      <a:pPr marL="0" marR="0" indent="0" algn="l" defTabSz="914400" rtl="0" eaLnBrk="1" fontAlgn="auto" latinLnBrk="1" hangingPunct="1">
+                        <a:lnSpc>
+                          <a:spcPct val="100000"/>
+                        </a:lnSpc>
+                        <a:spcBef>
+                          <a:spcPts val="0"/>
+                        </a:spcBef>
+                        <a:spcAft>
+                          <a:spcPts val="0"/>
+                        </a:spcAft>
+                        <a:buClrTx/>
+                        <a:buSzTx/>
+                        <a:buFontTx/>
+                        <a:buNone/>
+                        <a:tabLst/>
+                        <a:defRPr/>
+                      </a:pPr>
+                      <a:r>
+                        <a:rPr lang="en-US" altLang="ko-KR" sz="1600" dirty="0" smtClean="0"/>
+                        <a:t>$(“</a:t>
+                      </a:r>
+                      <a:r>
+                        <a:rPr lang="ko-KR" altLang="en-US" sz="1600" dirty="0" smtClean="0"/>
+                        <a:t>선택 요소</a:t>
+                      </a:r>
+                      <a:r>
+                        <a:rPr lang="en-US" altLang="ko-KR" sz="1600" baseline="0" dirty="0" smtClean="0"/>
+                        <a:t>”).</a:t>
+                      </a:r>
+                      <a:r>
+                        <a:rPr lang="en-US" altLang="ko-KR" sz="1600" baseline="0" dirty="0" err="1" smtClean="0"/>
+                        <a:t>attr</a:t>
+                      </a:r>
+                      <a:r>
+                        <a:rPr lang="en-US" altLang="ko-KR" sz="1600" baseline="0" dirty="0" smtClean="0"/>
+                        <a:t>(“</a:t>
+                      </a:r>
+                      <a:r>
+                        <a:rPr lang="ko-KR" altLang="en-US" sz="1600" baseline="0" dirty="0" smtClean="0"/>
+                        <a:t>속성</a:t>
+                      </a:r>
+                      <a:r>
+                        <a:rPr lang="en-US" altLang="ko-KR" sz="1600" baseline="0" dirty="0" smtClean="0"/>
+                        <a:t>”)</a:t>
+                      </a:r>
+                      <a:endParaRPr lang="en-US" altLang="ko-KR" sz="1600" dirty="0" smtClean="0"/>
+                    </a:p>
+                  </a:txBody>
+                  <a:tcPr anchor="ctr">
+                    <a:lnL w="12700" cmpd="sng">
+                      <a:noFill/>
+                    </a:lnL>
+                  </a:tcPr>
+                </a:tc>
+                <a:tc>
+                  <a:txBody>
+                    <a:bodyPr/>
+                    <a:lstStyle/>
+                    <a:p>
+                      <a:pPr marL="0" marR="0" lvl="0" indent="0" algn="l" defTabSz="914400" rtl="0" eaLnBrk="1" fontAlgn="auto" latinLnBrk="1" hangingPunct="1">
+                        <a:lnSpc>
+                          <a:spcPct val="100000"/>
+                        </a:lnSpc>
+                        <a:spcBef>
+                          <a:spcPts val="0"/>
+                        </a:spcBef>
+                        <a:spcAft>
+                          <a:spcPts val="0"/>
+                        </a:spcAft>
+                        <a:buClrTx/>
+                        <a:buSzTx/>
+                        <a:buFontTx/>
+                        <a:buNone/>
+                        <a:tabLst/>
+                        <a:defRPr/>
+                      </a:pPr>
+                      <a:r>
+                        <a:rPr lang="en-US" altLang="ko-KR" sz="1600" dirty="0" smtClean="0"/>
+                        <a:t> </a:t>
+                      </a:r>
+                      <a:r>
+                        <a:rPr lang="ko-KR" altLang="en-US" sz="1600" dirty="0" smtClean="0"/>
+                        <a:t>선택 요소</a:t>
+                      </a:r>
+                      <a:r>
+                        <a:rPr lang="ko-KR" altLang="en-US" sz="1600" baseline="0" dirty="0" smtClean="0"/>
+                        <a:t>의 특성 속성을 지정</a:t>
+                      </a:r>
+                      <a:endParaRPr lang="ko-KR" altLang="en-US" sz="1600" dirty="0" smtClean="0"/>
+                    </a:p>
+                  </a:txBody>
+                  <a:tcPr anchor="ctr">
+                    <a:lnR w="12700" cmpd="sng">
+                      <a:noFill/>
+                    </a:lnR>
+                  </a:tcPr>
+                </a:tc>
+                <a:extLst>
+                  <a:ext uri="{0D108BD9-81ED-4DB2-BD59-A6C34878D82A}">
+                    <a16:rowId xmlns:a16="http://schemas.microsoft.com/office/drawing/2014/main" val="10007"/>
+                  </a:ext>
+                </a:extLst>
+              </a:tr>
+            </a:tbl>
+          </a:graphicData>
+        </a:graphic>
+      </p:graphicFrame>
     </p:spTree>
     <p:extLst>
       <p:ext uri="{BB962C8B-B14F-4D97-AF65-F5344CB8AC3E}">
-        <p14:creationId xmlns:p14="http://schemas.microsoft.com/office/powerpoint/2010/main" val="1758020693"/>
+        <p14:creationId xmlns:p14="http://schemas.microsoft.com/office/powerpoint/2010/main" val="472064008"/>
       </p:ext>
     </p:extLst>
   </p:cSld>
@@ -29189,24 +28912,16 @@
           <a:p>
             <a:pPr algn="ctr"/>
             <a:r>
-              <a:rPr lang="ko-KR" altLang="en-US" sz="2800" dirty="0"/>
-              <a:t>객체 제어 </a:t>
-            </a:r>
-            <a:r>
-              <a:rPr lang="ko-KR" altLang="en-US" sz="2800" dirty="0" smtClean="0"/>
-              <a:t>함수 </a:t>
-            </a:r>
-            <a:r>
               <a:rPr lang="en-US" altLang="ko-KR" sz="2800" dirty="0" smtClean="0"/>
-              <a:t>- </a:t>
-            </a:r>
-            <a:r>
-              <a:rPr lang="en-US" altLang="ko-KR" sz="2800" dirty="0" err="1" smtClean="0"/>
-              <a:t>css</a:t>
-            </a:r>
-            <a:r>
-              <a:rPr lang="en-US" altLang="ko-KR" sz="2800" dirty="0" smtClean="0"/>
-              <a:t>()</a:t>
+              <a:t>jQuery </a:t>
+            </a:r>
+            <a:r>
+              <a:rPr lang="ko-KR" altLang="en-US" sz="2800" dirty="0" err="1" smtClean="0"/>
+              <a:t>선택</a:t>
+            </a:r>
+            <a:r>
+              <a:rPr lang="ko-KR" altLang="en-US" sz="2800" dirty="0" err="1"/>
+              <a:t>자</a:t>
             </a:r>
             <a:endParaRPr lang="ko-KR" altLang="en-US" sz="2800" dirty="0"/>
           </a:p>
@@ -29237,48 +28952,50 @@
       </p:sp>
       <p:sp>
         <p:nvSpPr>
-          <p:cNvPr id="6" name="TextBox 5"/>
+          <p:cNvPr id="8" name="TextBox 7"/>
           <p:cNvSpPr txBox="1"/>
           <p:nvPr/>
         </p:nvSpPr>
         <p:spPr>
           <a:xfrm>
-            <a:off x="1136576" y="1336993"/>
-            <a:ext cx="5616624" cy="507831"/>
-          </a:xfrm>
-          <a:prstGeom prst="rect">
+            <a:off x="6681192" y="2780928"/>
+            <a:ext cx="1606115" cy="374571"/>
+          </a:xfrm>
+          <a:prstGeom prst="roundRect">
             <a:avLst/>
           </a:prstGeom>
-          <a:noFill/>
-        </p:spPr>
+          <a:ln w="19050"/>
+        </p:spPr>
+        <p:style>
+          <a:lnRef idx="2">
+            <a:schemeClr val="accent1"/>
+          </a:lnRef>
+          <a:fillRef idx="1">
+            <a:schemeClr val="lt1"/>
+          </a:fillRef>
+          <a:effectRef idx="0">
+            <a:schemeClr val="accent1"/>
+          </a:effectRef>
+          <a:fontRef idx="minor">
+            <a:schemeClr val="dk1"/>
+          </a:fontRef>
+        </p:style>
         <p:txBody>
           <a:bodyPr wrap="square" rtlCol="0">
             <a:spAutoFit/>
           </a:bodyPr>
           <a:lstStyle/>
           <a:p>
-            <a:pPr>
-              <a:lnSpc>
-                <a:spcPct val="150000"/>
-              </a:lnSpc>
-            </a:pPr>
-            <a:r>
-              <a:rPr lang="en-US" altLang="ko-KR" b="1" dirty="0" err="1"/>
-              <a:t>c</a:t>
-            </a:r>
-            <a:r>
-              <a:rPr lang="en-US" altLang="ko-KR" b="1" dirty="0" err="1" smtClean="0"/>
-              <a:t>ss</a:t>
-            </a:r>
-            <a:r>
-              <a:rPr lang="en-US" altLang="ko-KR" b="1" dirty="0" smtClean="0"/>
-              <a:t>() </a:t>
-            </a:r>
-            <a:r>
-              <a:rPr lang="ko-KR" altLang="en-US" b="1" dirty="0" smtClean="0"/>
-              <a:t>함수 </a:t>
-            </a:r>
-            <a:endParaRPr lang="en-US" altLang="ko-KR" sz="2000" b="1" dirty="0" smtClean="0"/>
+            <a:pPr algn="ctr"/>
+            <a:r>
+              <a:rPr lang="en-US" altLang="ko-KR" sz="1600" dirty="0"/>
+              <a:t>j</a:t>
+            </a:r>
+            <a:r>
+              <a:rPr lang="en-US" altLang="ko-KR" sz="1600" dirty="0" smtClean="0"/>
+              <a:t>query1.html</a:t>
+            </a:r>
+            <a:endParaRPr lang="ko-KR" altLang="en-US" sz="1600" dirty="0"/>
           </a:p>
         </p:txBody>
       </p:sp>
@@ -29304,8 +29021,8 @@
         </p:blipFill>
         <p:spPr>
           <a:xfrm>
-            <a:off x="5169024" y="1484784"/>
-            <a:ext cx="4032448" cy="5045802"/>
+            <a:off x="1208584" y="1628800"/>
+            <a:ext cx="4435224" cy="1447925"/>
           </a:xfrm>
           <a:prstGeom prst="rect">
             <a:avLst/>
@@ -29319,54 +29036,9 @@
           </a:ln>
         </p:spPr>
       </p:pic>
-      <p:sp>
-        <p:nvSpPr>
-          <p:cNvPr id="9" name="TextBox 8"/>
-          <p:cNvSpPr txBox="1"/>
-          <p:nvPr/>
-        </p:nvSpPr>
-        <p:spPr>
-          <a:xfrm>
-            <a:off x="7833320" y="2327037"/>
-            <a:ext cx="1606115" cy="374571"/>
-          </a:xfrm>
-          <a:prstGeom prst="roundRect">
-            <a:avLst/>
-          </a:prstGeom>
-          <a:ln w="19050"/>
-        </p:spPr>
-        <p:style>
-          <a:lnRef idx="2">
-            <a:schemeClr val="accent1"/>
-          </a:lnRef>
-          <a:fillRef idx="1">
-            <a:schemeClr val="lt1"/>
-          </a:fillRef>
-          <a:effectRef idx="0">
-            <a:schemeClr val="accent1"/>
-          </a:effectRef>
-          <a:fontRef idx="minor">
-            <a:schemeClr val="dk1"/>
-          </a:fontRef>
-        </p:style>
-        <p:txBody>
-          <a:bodyPr wrap="square" rtlCol="0">
-            <a:spAutoFit/>
-          </a:bodyPr>
-          <a:lstStyle/>
-          <a:p>
-            <a:pPr algn="ctr"/>
-            <a:r>
-              <a:rPr lang="en-US" altLang="ko-KR" sz="1600" dirty="0" smtClean="0"/>
-              <a:t>jq_css2.html</a:t>
-            </a:r>
-            <a:endParaRPr lang="ko-KR" altLang="en-US" sz="1600" dirty="0"/>
-          </a:p>
-        </p:txBody>
-      </p:sp>
       <p:pic>
         <p:nvPicPr>
-          <p:cNvPr id="8" name="그림 7"/>
+          <p:cNvPr id="6" name="그림 5"/>
           <p:cNvPicPr>
             <a:picLocks noChangeAspect="1"/>
           </p:cNvPicPr>
@@ -29386,18 +29058,25 @@
         </p:blipFill>
         <p:spPr>
           <a:xfrm>
-            <a:off x="458824" y="1970702"/>
-            <a:ext cx="4646618" cy="3258498"/>
+            <a:off x="1208584" y="3429000"/>
+            <a:ext cx="7128792" cy="2381074"/>
           </a:xfrm>
           <a:prstGeom prst="rect">
             <a:avLst/>
           </a:prstGeom>
+          <a:ln>
+            <a:solidFill>
+              <a:schemeClr val="bg1">
+                <a:lumMod val="85000"/>
+              </a:schemeClr>
+            </a:solidFill>
+          </a:ln>
         </p:spPr>
       </p:pic>
     </p:spTree>
     <p:extLst>
       <p:ext uri="{BB962C8B-B14F-4D97-AF65-F5344CB8AC3E}">
-        <p14:creationId xmlns:p14="http://schemas.microsoft.com/office/powerpoint/2010/main" val="576628604"/>
+        <p14:creationId xmlns:p14="http://schemas.microsoft.com/office/powerpoint/2010/main" val="1758020693"/>
       </p:ext>
     </p:extLst>
   </p:cSld>

--- a/js_ppt/9강. JQuery .pptx
+++ b/js_ppt/9강. JQuery .pptx
@@ -5,7 +5,7 @@
     <p:sldMasterId id="2147483648" r:id="rId1"/>
   </p:sldMasterIdLst>
   <p:notesMasterIdLst>
-    <p:notesMasterId r:id="rId29"/>
+    <p:notesMasterId r:id="rId38"/>
   </p:notesMasterIdLst>
   <p:sldIdLst>
     <p:sldId id="256" r:id="rId2"/>
@@ -31,10 +31,19 @@
     <p:sldId id="400" r:id="rId22"/>
     <p:sldId id="402" r:id="rId23"/>
     <p:sldId id="401" r:id="rId24"/>
-    <p:sldId id="436" r:id="rId25"/>
-    <p:sldId id="437" r:id="rId26"/>
-    <p:sldId id="442" r:id="rId27"/>
-    <p:sldId id="438" r:id="rId28"/>
+    <p:sldId id="444" r:id="rId25"/>
+    <p:sldId id="445" r:id="rId26"/>
+    <p:sldId id="446" r:id="rId27"/>
+    <p:sldId id="447" r:id="rId28"/>
+    <p:sldId id="448" r:id="rId29"/>
+    <p:sldId id="449" r:id="rId30"/>
+    <p:sldId id="450" r:id="rId31"/>
+    <p:sldId id="451" r:id="rId32"/>
+    <p:sldId id="452" r:id="rId33"/>
+    <p:sldId id="436" r:id="rId34"/>
+    <p:sldId id="437" r:id="rId35"/>
+    <p:sldId id="442" r:id="rId36"/>
+    <p:sldId id="438" r:id="rId37"/>
   </p:sldIdLst>
   <p:sldSz cx="9906000" cy="6858000" type="A4"/>
   <p:notesSz cx="6858000" cy="9144000"/>
@@ -234,7 +243,7 @@
           <a:p>
             <a:fld id="{7665CDAC-D627-4E87-877A-1B781DD4CADC}" type="datetimeFigureOut">
               <a:rPr lang="ko-KR" altLang="en-US" smtClean="0"/>
-              <a:t>2023-04-12</a:t>
+              <a:t>2023-07-14</a:t>
             </a:fld>
             <a:endParaRPr lang="ko-KR" altLang="en-US"/>
           </a:p>
@@ -648,7 +657,7 @@
           <a:p>
             <a:fld id="{C25BCFD5-C4DF-4EBC-B718-C69ED2FBDE6F}" type="datetime1">
               <a:rPr lang="ko-KR" altLang="en-US" smtClean="0"/>
-              <a:t>2023-04-12</a:t>
+              <a:t>2023-07-14</a:t>
             </a:fld>
             <a:endParaRPr lang="ko-KR" altLang="en-US"/>
           </a:p>
@@ -1066,7 +1075,7 @@
           <a:p>
             <a:fld id="{AB448CD7-D367-43D5-B461-ACE552E75063}" type="datetime1">
               <a:rPr lang="ko-KR" altLang="en-US" smtClean="0"/>
-              <a:t>2023-04-12</a:t>
+              <a:t>2023-07-14</a:t>
             </a:fld>
             <a:endParaRPr lang="ko-KR" altLang="en-US"/>
           </a:p>
@@ -1246,7 +1255,7 @@
           <a:p>
             <a:fld id="{B6E49E79-7361-4780-8BEF-7EDE3708298A}" type="datetime1">
               <a:rPr lang="ko-KR" altLang="en-US" smtClean="0"/>
-              <a:t>2023-04-12</a:t>
+              <a:t>2023-07-14</a:t>
             </a:fld>
             <a:endParaRPr lang="ko-KR" altLang="en-US"/>
           </a:p>
@@ -1420,7 +1429,7 @@
           <a:p>
             <a:fld id="{A4D42E3C-B70B-437C-85CF-1286301B9CBA}" type="datetime1">
               <a:rPr lang="ko-KR" altLang="en-US" smtClean="0"/>
-              <a:t>2023-04-12</a:t>
+              <a:t>2023-07-14</a:t>
             </a:fld>
             <a:endParaRPr lang="ko-KR" altLang="en-US"/>
           </a:p>
@@ -1666,7 +1675,7 @@
           <a:p>
             <a:fld id="{B3369A20-5B3D-4D98-A822-26B93D177A40}" type="datetime1">
               <a:rPr lang="ko-KR" altLang="en-US" smtClean="0"/>
-              <a:t>2023-04-12</a:t>
+              <a:t>2023-07-14</a:t>
             </a:fld>
             <a:endParaRPr lang="ko-KR" altLang="en-US"/>
           </a:p>
@@ -1954,7 +1963,7 @@
           <a:p>
             <a:fld id="{685CD4CE-9E43-4F70-A9D8-A2130CA7D92A}" type="datetime1">
               <a:rPr lang="ko-KR" altLang="en-US" smtClean="0"/>
-              <a:t>2023-04-12</a:t>
+              <a:t>2023-07-14</a:t>
             </a:fld>
             <a:endParaRPr lang="ko-KR" altLang="en-US"/>
           </a:p>
@@ -2376,7 +2385,7 @@
           <a:p>
             <a:fld id="{F752BD92-DA3E-4A0B-90C9-7DE5E15B6E96}" type="datetime1">
               <a:rPr lang="ko-KR" altLang="en-US" smtClean="0"/>
-              <a:t>2023-04-12</a:t>
+              <a:t>2023-07-14</a:t>
             </a:fld>
             <a:endParaRPr lang="ko-KR" altLang="en-US"/>
           </a:p>
@@ -2494,7 +2503,7 @@
           <a:p>
             <a:fld id="{8EA2B83A-F366-424E-B742-340ACF856BB5}" type="datetime1">
               <a:rPr lang="ko-KR" altLang="en-US" smtClean="0"/>
-              <a:t>2023-04-12</a:t>
+              <a:t>2023-07-14</a:t>
             </a:fld>
             <a:endParaRPr lang="ko-KR" altLang="en-US"/>
           </a:p>
@@ -2589,7 +2598,7 @@
           <a:p>
             <a:fld id="{9A49D68B-5DBD-48E9-A8D4-FCBC4B3DD9C6}" type="datetime1">
               <a:rPr lang="ko-KR" altLang="en-US" smtClean="0"/>
-              <a:t>2023-04-12</a:t>
+              <a:t>2023-07-14</a:t>
             </a:fld>
             <a:endParaRPr lang="ko-KR" altLang="en-US"/>
           </a:p>
@@ -2866,7 +2875,7 @@
           <a:p>
             <a:fld id="{4CAB534F-7D16-467B-9320-91F98915D181}" type="datetime1">
               <a:rPr lang="ko-KR" altLang="en-US" smtClean="0"/>
-              <a:t>2023-04-12</a:t>
+              <a:t>2023-07-14</a:t>
             </a:fld>
             <a:endParaRPr lang="ko-KR" altLang="en-US"/>
           </a:p>
@@ -3119,7 +3128,7 @@
           <a:p>
             <a:fld id="{A390A91F-2F8D-4486-A69D-D680F95444B0}" type="datetime1">
               <a:rPr lang="ko-KR" altLang="en-US" smtClean="0"/>
-              <a:t>2023-04-12</a:t>
+              <a:t>2023-07-14</a:t>
             </a:fld>
             <a:endParaRPr lang="ko-KR" altLang="en-US"/>
           </a:p>
@@ -3299,7 +3308,7 @@
           <a:p>
             <a:fld id="{2238BBEA-E8DD-414A-BF68-FC2AFA7CFF2D}" type="datetime1">
               <a:rPr lang="ko-KR" altLang="en-US" smtClean="0"/>
-              <a:t>2023-04-12</a:t>
+              <a:t>2023-07-14</a:t>
             </a:fld>
             <a:endParaRPr lang="ko-KR" altLang="en-US"/>
           </a:p>
@@ -8901,7 +8910,7 @@
         </p:blipFill>
         <p:spPr>
           <a:xfrm>
-            <a:off x="1712640" y="2564904"/>
+            <a:off x="1784648" y="2491699"/>
             <a:ext cx="2986044" cy="1029089"/>
           </a:xfrm>
           <a:prstGeom prst="rect">
@@ -8931,8 +8940,8 @@
         </p:blipFill>
         <p:spPr>
           <a:xfrm>
-            <a:off x="1384022" y="3861048"/>
-            <a:ext cx="3863675" cy="1173582"/>
+            <a:off x="1784648" y="3955808"/>
+            <a:ext cx="4478405" cy="1360305"/>
           </a:xfrm>
           <a:prstGeom prst="rect">
             <a:avLst/>
@@ -8946,9 +8955,67 @@
           </a:ln>
         </p:spPr>
       </p:pic>
+      <p:sp>
+        <p:nvSpPr>
+          <p:cNvPr id="3" name="TextBox 2"/>
+          <p:cNvSpPr txBox="1"/>
+          <p:nvPr/>
+        </p:nvSpPr>
+        <p:spPr>
+          <a:xfrm>
+            <a:off x="1352600" y="1844824"/>
+            <a:ext cx="5544616" cy="369332"/>
+          </a:xfrm>
+          <a:prstGeom prst="rect">
+            <a:avLst/>
+          </a:prstGeom>
+          <a:noFill/>
+        </p:spPr>
+        <p:txBody>
+          <a:bodyPr wrap="square" rtlCol="0">
+            <a:spAutoFit/>
+          </a:bodyPr>
+          <a:lstStyle/>
+          <a:p>
+            <a:r>
+              <a:rPr lang="ko-KR" altLang="en-US" dirty="0" smtClean="0"/>
+              <a:t>요소에 </a:t>
+            </a:r>
+            <a:r>
+              <a:rPr lang="en-US" altLang="ko-KR" dirty="0" smtClean="0"/>
+              <a:t>class </a:t>
+            </a:r>
+            <a:r>
+              <a:rPr lang="ko-KR" altLang="en-US" dirty="0" smtClean="0"/>
+              <a:t>속성을 추가</a:t>
+            </a:r>
+            <a:r>
+              <a:rPr lang="en-US" altLang="ko-KR" dirty="0" smtClean="0"/>
+              <a:t>, </a:t>
+            </a:r>
+            <a:r>
+              <a:rPr lang="ko-KR" altLang="en-US" dirty="0" smtClean="0"/>
+              <a:t>삭제</a:t>
+            </a:r>
+            <a:r>
+              <a:rPr lang="en-US" altLang="ko-KR" dirty="0" smtClean="0"/>
+              <a:t>, </a:t>
+            </a:r>
+            <a:r>
+              <a:rPr lang="ko-KR" altLang="en-US" dirty="0" err="1" smtClean="0"/>
+              <a:t>토글할</a:t>
+            </a:r>
+            <a:r>
+              <a:rPr lang="ko-KR" altLang="en-US" dirty="0" smtClean="0"/>
+              <a:t> 수 있음 </a:t>
+            </a:r>
+            <a:endParaRPr lang="ko-KR" altLang="en-US" dirty="0"/>
+          </a:p>
+        </p:txBody>
+      </p:sp>
       <p:pic>
         <p:nvPicPr>
-          <p:cNvPr id="9" name="그림 8"/>
+          <p:cNvPr id="6" name="그림 5"/>
           <p:cNvPicPr>
             <a:picLocks noChangeAspect="1"/>
           </p:cNvPicPr>
@@ -8968,102 +9035,7 @@
         </p:blipFill>
         <p:spPr>
           <a:xfrm>
-            <a:off x="5457056" y="2555043"/>
-            <a:ext cx="3871296" cy="3002540"/>
-          </a:xfrm>
-          <a:prstGeom prst="rect">
-            <a:avLst/>
-          </a:prstGeom>
-          <a:ln>
-            <a:solidFill>
-              <a:schemeClr val="bg1">
-                <a:lumMod val="85000"/>
-              </a:schemeClr>
-            </a:solidFill>
-          </a:ln>
-        </p:spPr>
-      </p:pic>
-      <p:sp>
-        <p:nvSpPr>
-          <p:cNvPr id="3" name="TextBox 2"/>
-          <p:cNvSpPr txBox="1"/>
-          <p:nvPr/>
-        </p:nvSpPr>
-        <p:spPr>
-          <a:xfrm>
-            <a:off x="1352600" y="1844824"/>
-            <a:ext cx="5544616" cy="369332"/>
-          </a:xfrm>
-          <a:prstGeom prst="rect">
-            <a:avLst/>
-          </a:prstGeom>
-          <a:noFill/>
-        </p:spPr>
-        <p:txBody>
-          <a:bodyPr wrap="square" rtlCol="0">
-            <a:spAutoFit/>
-          </a:bodyPr>
-          <a:lstStyle/>
-          <a:p>
-            <a:r>
-              <a:rPr lang="ko-KR" altLang="en-US" dirty="0" smtClean="0"/>
-              <a:t>요소에 </a:t>
-            </a:r>
-            <a:r>
-              <a:rPr lang="en-US" altLang="ko-KR" dirty="0" smtClean="0"/>
-              <a:t>class </a:t>
-            </a:r>
-            <a:r>
-              <a:rPr lang="ko-KR" altLang="en-US" dirty="0" smtClean="0"/>
-              <a:t>속성을 추가</a:t>
-            </a:r>
-            <a:r>
-              <a:rPr lang="en-US" altLang="ko-KR" dirty="0" smtClean="0"/>
-              <a:t>, </a:t>
-            </a:r>
-            <a:r>
-              <a:rPr lang="ko-KR" altLang="en-US" dirty="0" smtClean="0"/>
-              <a:t>삭제</a:t>
-            </a:r>
-            <a:r>
-              <a:rPr lang="en-US" altLang="ko-KR" dirty="0" smtClean="0"/>
-              <a:t>, </a:t>
-            </a:r>
-            <a:r>
-              <a:rPr lang="ko-KR" altLang="en-US" dirty="0" err="1" smtClean="0"/>
-              <a:t>토글할</a:t>
-            </a:r>
-            <a:r>
-              <a:rPr lang="ko-KR" altLang="en-US" dirty="0" smtClean="0"/>
-              <a:t> 수 있음 </a:t>
-            </a:r>
-            <a:endParaRPr lang="ko-KR" altLang="en-US" dirty="0"/>
-          </a:p>
-        </p:txBody>
-      </p:sp>
-      <p:pic>
-        <p:nvPicPr>
-          <p:cNvPr id="6" name="그림 5"/>
-          <p:cNvPicPr>
-            <a:picLocks noChangeAspect="1"/>
-          </p:cNvPicPr>
-          <p:nvPr/>
-        </p:nvPicPr>
-        <p:blipFill>
-          <a:blip r:embed="rId5">
-            <a:extLst>
-              <a:ext uri="{28A0092B-C50C-407E-A947-70E740481C1C}">
-                <a14:useLocalDpi xmlns:a14="http://schemas.microsoft.com/office/drawing/2010/main" val="0"/>
-              </a:ext>
-            </a:extLst>
-          </a:blip>
-          <a:stretch>
-            <a:fillRect/>
-          </a:stretch>
-        </p:blipFill>
-        <p:spPr>
-          <a:xfrm>
-            <a:off x="1384022" y="5218463"/>
+            <a:off x="6264297" y="2827264"/>
             <a:ext cx="2926334" cy="678239"/>
           </a:xfrm>
           <a:prstGeom prst="rect">
@@ -9139,8 +9111,16 @@
           <a:p>
             <a:pPr algn="ctr"/>
             <a:r>
+              <a:rPr lang="en-US" altLang="ko-KR" sz="2800" dirty="0" smtClean="0"/>
+              <a:t>class </a:t>
+            </a:r>
+            <a:r>
               <a:rPr lang="ko-KR" altLang="en-US" sz="2800" dirty="0" smtClean="0"/>
-              <a:t>아코디언 기능 구현</a:t>
+              <a:t>관련 </a:t>
+            </a:r>
+            <a:r>
+              <a:rPr lang="ko-KR" altLang="en-US" sz="2800" dirty="0" err="1" smtClean="0"/>
+              <a:t>메서드</a:t>
             </a:r>
             <a:endParaRPr lang="ko-KR" altLang="en-US" sz="2800" dirty="0"/>
           </a:p>
@@ -9171,14 +9151,14 @@
       </p:sp>
       <p:sp>
         <p:nvSpPr>
-          <p:cNvPr id="10" name="TextBox 9"/>
+          <p:cNvPr id="11" name="TextBox 10"/>
           <p:cNvSpPr txBox="1"/>
           <p:nvPr/>
         </p:nvSpPr>
         <p:spPr>
           <a:xfrm>
-            <a:off x="1136576" y="1264985"/>
-            <a:ext cx="6893334" cy="494494"/>
+            <a:off x="1300026" y="1336993"/>
+            <a:ext cx="4949118" cy="507831"/>
           </a:xfrm>
           <a:prstGeom prst="rect">
             <a:avLst/>
@@ -9197,31 +9177,36 @@
               </a:lnSpc>
             </a:pPr>
             <a:r>
-              <a:rPr lang="en-US" altLang="ko-KR" sz="2000" b="1" dirty="0" smtClean="0"/>
-              <a:t>accordion(</a:t>
-            </a:r>
-            <a:r>
-              <a:rPr lang="ko-KR" altLang="en-US" sz="2000" b="1" dirty="0" smtClean="0"/>
-              <a:t>펼치기</a:t>
-            </a:r>
-            <a:r>
-              <a:rPr lang="en-US" altLang="ko-KR" sz="2000" b="1" dirty="0" smtClean="0"/>
-              <a:t>, </a:t>
-            </a:r>
-            <a:r>
-              <a:rPr lang="ko-KR" altLang="en-US" sz="2000" b="1" dirty="0" smtClean="0"/>
-              <a:t>접기</a:t>
-            </a:r>
-            <a:r>
-              <a:rPr lang="en-US" altLang="ko-KR" sz="2000" b="1" dirty="0" smtClean="0"/>
-              <a:t>)</a:t>
-            </a:r>
+              <a:rPr lang="en-US" altLang="ko-KR" b="1" dirty="0" err="1" smtClean="0"/>
+              <a:t>addClass</a:t>
+            </a:r>
+            <a:r>
+              <a:rPr lang="en-US" altLang="ko-KR" b="1" dirty="0" smtClean="0"/>
+              <a:t>(), </a:t>
+            </a:r>
+            <a:r>
+              <a:rPr lang="en-US" altLang="ko-KR" b="1" dirty="0" err="1" smtClean="0"/>
+              <a:t>removeClass</a:t>
+            </a:r>
+            <a:r>
+              <a:rPr lang="en-US" altLang="ko-KR" b="1" dirty="0" smtClean="0"/>
+              <a:t>(), </a:t>
+            </a:r>
+            <a:r>
+              <a:rPr lang="en-US" altLang="ko-KR" b="1" dirty="0" err="1" smtClean="0"/>
+              <a:t>ToggleClass</a:t>
+            </a:r>
+            <a:r>
+              <a:rPr lang="en-US" altLang="ko-KR" b="1" dirty="0" smtClean="0"/>
+              <a:t>()</a:t>
+            </a:r>
+            <a:endParaRPr lang="en-US" altLang="ko-KR" sz="2000" b="1" dirty="0" smtClean="0"/>
           </a:p>
         </p:txBody>
       </p:sp>
       <p:pic>
         <p:nvPicPr>
-          <p:cNvPr id="6" name="그림 5"/>
+          <p:cNvPr id="9" name="그림 8"/>
           <p:cNvPicPr>
             <a:picLocks noChangeAspect="1"/>
           </p:cNvPicPr>
@@ -9241,8 +9226,8 @@
         </p:blipFill>
         <p:spPr>
           <a:xfrm>
-            <a:off x="1064568" y="1971728"/>
-            <a:ext cx="8193360" cy="4155962"/>
+            <a:off x="4520952" y="2264296"/>
+            <a:ext cx="4426884" cy="3433449"/>
           </a:xfrm>
           <a:prstGeom prst="rect">
             <a:avLst/>
@@ -9256,10 +9241,47 @@
           </a:ln>
         </p:spPr>
       </p:pic>
+      <p:pic>
+        <p:nvPicPr>
+          <p:cNvPr id="6" name="그림 5"/>
+          <p:cNvPicPr>
+            <a:picLocks noChangeAspect="1"/>
+          </p:cNvPicPr>
+          <p:nvPr/>
+        </p:nvPicPr>
+        <p:blipFill>
+          <a:blip r:embed="rId3">
+            <a:extLst>
+              <a:ext uri="{28A0092B-C50C-407E-A947-70E740481C1C}">
+                <a14:useLocalDpi xmlns:a14="http://schemas.microsoft.com/office/drawing/2010/main" val="0"/>
+              </a:ext>
+            </a:extLst>
+          </a:blip>
+          <a:stretch>
+            <a:fillRect/>
+          </a:stretch>
+        </p:blipFill>
+        <p:spPr>
+          <a:xfrm>
+            <a:off x="1424608" y="2276872"/>
+            <a:ext cx="2926334" cy="678239"/>
+          </a:xfrm>
+          <a:prstGeom prst="rect">
+            <a:avLst/>
+          </a:prstGeom>
+          <a:ln>
+            <a:solidFill>
+              <a:schemeClr val="bg1">
+                <a:lumMod val="85000"/>
+              </a:schemeClr>
+            </a:solidFill>
+          </a:ln>
+        </p:spPr>
+      </p:pic>
     </p:spTree>
     <p:extLst>
       <p:ext uri="{BB962C8B-B14F-4D97-AF65-F5344CB8AC3E}">
-        <p14:creationId xmlns:p14="http://schemas.microsoft.com/office/powerpoint/2010/main" val="1001762266"/>
+        <p14:creationId xmlns:p14="http://schemas.microsoft.com/office/powerpoint/2010/main" val="35789719"/>
       </p:ext>
     </p:extLst>
   </p:cSld>
@@ -9317,8 +9339,16 @@
           <a:p>
             <a:pPr algn="ctr"/>
             <a:r>
+              <a:rPr lang="en-US" altLang="ko-KR" sz="2800" dirty="0" smtClean="0"/>
+              <a:t>class </a:t>
+            </a:r>
+            <a:r>
               <a:rPr lang="ko-KR" altLang="en-US" sz="2800" dirty="0" smtClean="0"/>
-              <a:t>아코디언 기능 구현</a:t>
+              <a:t>관련 </a:t>
+            </a:r>
+            <a:r>
+              <a:rPr lang="ko-KR" altLang="en-US" sz="2800" dirty="0" err="1" smtClean="0"/>
+              <a:t>메서드</a:t>
             </a:r>
             <a:endParaRPr lang="ko-KR" altLang="en-US" sz="2800" dirty="0"/>
           </a:p>
@@ -9347,9 +9377,60 @@
           </a:p>
         </p:txBody>
       </p:sp>
+      <p:sp>
+        <p:nvSpPr>
+          <p:cNvPr id="11" name="TextBox 10"/>
+          <p:cNvSpPr txBox="1"/>
+          <p:nvPr/>
+        </p:nvSpPr>
+        <p:spPr>
+          <a:xfrm>
+            <a:off x="1300026" y="1336993"/>
+            <a:ext cx="4949118" cy="454292"/>
+          </a:xfrm>
+          <a:prstGeom prst="rect">
+            <a:avLst/>
+          </a:prstGeom>
+          <a:noFill/>
+        </p:spPr>
+        <p:txBody>
+          <a:bodyPr wrap="square" rtlCol="0">
+            <a:spAutoFit/>
+          </a:bodyPr>
+          <a:lstStyle/>
+          <a:p>
+            <a:pPr>
+              <a:lnSpc>
+                <a:spcPct val="150000"/>
+              </a:lnSpc>
+            </a:pPr>
+            <a:r>
+              <a:rPr lang="ko-KR" altLang="en-US" b="1" dirty="0" smtClean="0"/>
+              <a:t>자바스크립트 </a:t>
+            </a:r>
+            <a:r>
+              <a:rPr lang="en-US" altLang="ko-KR" b="1" dirty="0" smtClean="0"/>
+              <a:t>– </a:t>
+            </a:r>
+            <a:r>
+              <a:rPr lang="en-US" altLang="ko-KR" b="1" dirty="0" err="1" smtClean="0"/>
+              <a:t>classList</a:t>
+            </a:r>
+            <a:r>
+              <a:rPr lang="en-US" altLang="ko-KR" b="1" dirty="0" smtClean="0"/>
+              <a:t> </a:t>
+            </a:r>
+            <a:r>
+              <a:rPr lang="ko-KR" altLang="en-US" b="1" dirty="0" smtClean="0"/>
+              <a:t>객체 사용</a:t>
+            </a:r>
+            <a:endParaRPr lang="en-US" altLang="ko-KR" sz="2000" b="1" dirty="0" smtClean="0"/>
+          </a:p>
+        </p:txBody>
+      </p:sp>
       <p:pic>
         <p:nvPicPr>
-          <p:cNvPr id="8" name="그림 7"/>
+          <p:cNvPr id="3" name="그림 2"/>
           <p:cNvPicPr>
             <a:picLocks noChangeAspect="1"/>
           </p:cNvPicPr>
@@ -9369,8 +9450,8 @@
         </p:blipFill>
         <p:spPr>
           <a:xfrm>
-            <a:off x="776536" y="1816083"/>
-            <a:ext cx="8255151" cy="3629139"/>
+            <a:off x="1568624" y="2132856"/>
+            <a:ext cx="4854361" cy="2034716"/>
           </a:xfrm>
           <a:prstGeom prst="rect">
             <a:avLst/>
@@ -9384,55 +9465,10 @@
           </a:ln>
         </p:spPr>
       </p:pic>
-      <p:sp>
-        <p:nvSpPr>
-          <p:cNvPr id="6" name="TextBox 5"/>
-          <p:cNvSpPr txBox="1"/>
-          <p:nvPr/>
-        </p:nvSpPr>
-        <p:spPr>
-          <a:xfrm>
-            <a:off x="7329264" y="1628798"/>
-            <a:ext cx="1296144" cy="374571"/>
-          </a:xfrm>
-          <a:prstGeom prst="roundRect">
-            <a:avLst/>
-          </a:prstGeom>
-          <a:ln w="19050"/>
-        </p:spPr>
-        <p:style>
-          <a:lnRef idx="2">
-            <a:schemeClr val="accent1"/>
-          </a:lnRef>
-          <a:fillRef idx="1">
-            <a:schemeClr val="lt1"/>
-          </a:fillRef>
-          <a:effectRef idx="0">
-            <a:schemeClr val="accent1"/>
-          </a:effectRef>
-          <a:fontRef idx="minor">
-            <a:schemeClr val="dk1"/>
-          </a:fontRef>
-        </p:style>
-        <p:txBody>
-          <a:bodyPr wrap="square" rtlCol="0">
-            <a:spAutoFit/>
-          </a:bodyPr>
-          <a:lstStyle/>
-          <a:p>
-            <a:pPr algn="ctr"/>
-            <a:r>
-              <a:rPr lang="en-US" altLang="ko-KR" sz="1600" dirty="0" smtClean="0"/>
-              <a:t>faq.html</a:t>
-            </a:r>
-            <a:endParaRPr lang="ko-KR" altLang="en-US" sz="1600" dirty="0"/>
-          </a:p>
-        </p:txBody>
-      </p:sp>
     </p:spTree>
     <p:extLst>
       <p:ext uri="{BB962C8B-B14F-4D97-AF65-F5344CB8AC3E}">
-        <p14:creationId xmlns:p14="http://schemas.microsoft.com/office/powerpoint/2010/main" val="2776063292"/>
+        <p14:creationId xmlns:p14="http://schemas.microsoft.com/office/powerpoint/2010/main" val="3962436384"/>
       </p:ext>
     </p:extLst>
   </p:cSld>
@@ -9490,8 +9526,16 @@
           <a:p>
             <a:pPr algn="ctr"/>
             <a:r>
+              <a:rPr lang="en-US" altLang="ko-KR" sz="2800" dirty="0" smtClean="0"/>
+              <a:t>class </a:t>
+            </a:r>
+            <a:r>
               <a:rPr lang="ko-KR" altLang="en-US" sz="2800" dirty="0" smtClean="0"/>
-              <a:t>아코디언 기능 구현</a:t>
+              <a:t>관련 </a:t>
+            </a:r>
+            <a:r>
+              <a:rPr lang="ko-KR" altLang="en-US" sz="2800" dirty="0" err="1" smtClean="0"/>
+              <a:t>메서드</a:t>
             </a:r>
             <a:endParaRPr lang="ko-KR" altLang="en-US" sz="2800" dirty="0"/>
           </a:p>
@@ -9520,9 +9564,60 @@
           </a:p>
         </p:txBody>
       </p:sp>
+      <p:sp>
+        <p:nvSpPr>
+          <p:cNvPr id="11" name="TextBox 10"/>
+          <p:cNvSpPr txBox="1"/>
+          <p:nvPr/>
+        </p:nvSpPr>
+        <p:spPr>
+          <a:xfrm>
+            <a:off x="1300026" y="1336993"/>
+            <a:ext cx="4949118" cy="454292"/>
+          </a:xfrm>
+          <a:prstGeom prst="rect">
+            <a:avLst/>
+          </a:prstGeom>
+          <a:noFill/>
+        </p:spPr>
+        <p:txBody>
+          <a:bodyPr wrap="square" rtlCol="0">
+            <a:spAutoFit/>
+          </a:bodyPr>
+          <a:lstStyle/>
+          <a:p>
+            <a:pPr>
+              <a:lnSpc>
+                <a:spcPct val="150000"/>
+              </a:lnSpc>
+            </a:pPr>
+            <a:r>
+              <a:rPr lang="ko-KR" altLang="en-US" b="1" dirty="0" smtClean="0"/>
+              <a:t>자바스크립트 </a:t>
+            </a:r>
+            <a:r>
+              <a:rPr lang="en-US" altLang="ko-KR" b="1" dirty="0" smtClean="0"/>
+              <a:t>– </a:t>
+            </a:r>
+            <a:r>
+              <a:rPr lang="en-US" altLang="ko-KR" b="1" dirty="0" err="1" smtClean="0"/>
+              <a:t>classList</a:t>
+            </a:r>
+            <a:r>
+              <a:rPr lang="en-US" altLang="ko-KR" b="1" dirty="0" smtClean="0"/>
+              <a:t> </a:t>
+            </a:r>
+            <a:r>
+              <a:rPr lang="ko-KR" altLang="en-US" b="1" dirty="0" smtClean="0"/>
+              <a:t>객체 사용</a:t>
+            </a:r>
+            <a:endParaRPr lang="en-US" altLang="ko-KR" sz="2000" b="1" dirty="0" smtClean="0"/>
+          </a:p>
+        </p:txBody>
+      </p:sp>
       <p:pic>
         <p:nvPicPr>
-          <p:cNvPr id="7" name="그림 6"/>
+          <p:cNvPr id="3" name="그림 2"/>
           <p:cNvPicPr>
             <a:picLocks noChangeAspect="1"/>
           </p:cNvPicPr>
@@ -9542,8 +9637,8 @@
         </p:blipFill>
         <p:spPr>
           <a:xfrm>
-            <a:off x="1136576" y="1700808"/>
-            <a:ext cx="7438179" cy="3744002"/>
+            <a:off x="1640632" y="2075542"/>
+            <a:ext cx="4464496" cy="1871303"/>
           </a:xfrm>
           <a:prstGeom prst="rect">
             <a:avLst/>
@@ -9557,10 +9652,47 @@
           </a:ln>
         </p:spPr>
       </p:pic>
+      <p:pic>
+        <p:nvPicPr>
+          <p:cNvPr id="5" name="그림 4"/>
+          <p:cNvPicPr>
+            <a:picLocks noChangeAspect="1"/>
+          </p:cNvPicPr>
+          <p:nvPr/>
+        </p:nvPicPr>
+        <p:blipFill>
+          <a:blip r:embed="rId3">
+            <a:extLst>
+              <a:ext uri="{28A0092B-C50C-407E-A947-70E740481C1C}">
+                <a14:useLocalDpi xmlns:a14="http://schemas.microsoft.com/office/drawing/2010/main" val="0"/>
+              </a:ext>
+            </a:extLst>
+          </a:blip>
+          <a:stretch>
+            <a:fillRect/>
+          </a:stretch>
+        </p:blipFill>
+        <p:spPr>
+          <a:xfrm>
+            <a:off x="1640632" y="4132186"/>
+            <a:ext cx="5501512" cy="2321151"/>
+          </a:xfrm>
+          <a:prstGeom prst="rect">
+            <a:avLst/>
+          </a:prstGeom>
+          <a:ln>
+            <a:solidFill>
+              <a:schemeClr val="bg1">
+                <a:lumMod val="85000"/>
+              </a:schemeClr>
+            </a:solidFill>
+          </a:ln>
+        </p:spPr>
+      </p:pic>
     </p:spTree>
     <p:extLst>
       <p:ext uri="{BB962C8B-B14F-4D97-AF65-F5344CB8AC3E}">
-        <p14:creationId xmlns:p14="http://schemas.microsoft.com/office/powerpoint/2010/main" val="1553241741"/>
+        <p14:creationId xmlns:p14="http://schemas.microsoft.com/office/powerpoint/2010/main" val="706250458"/>
       </p:ext>
     </p:extLst>
   </p:cSld>
@@ -9618,8 +9750,16 @@
           <a:p>
             <a:pPr algn="ctr"/>
             <a:r>
+              <a:rPr lang="en-US" altLang="ko-KR" sz="2800" dirty="0" smtClean="0"/>
+              <a:t>class </a:t>
+            </a:r>
+            <a:r>
               <a:rPr lang="ko-KR" altLang="en-US" sz="2800" dirty="0" smtClean="0"/>
-              <a:t>아코디언 기능 구현</a:t>
+              <a:t>관련 </a:t>
+            </a:r>
+            <a:r>
+              <a:rPr lang="ko-KR" altLang="en-US" sz="2800" dirty="0" err="1" smtClean="0"/>
+              <a:t>메서드</a:t>
             </a:r>
             <a:endParaRPr lang="ko-KR" altLang="en-US" sz="2800" dirty="0"/>
           </a:p>
@@ -9650,7 +9790,7 @@
       </p:sp>
       <p:pic>
         <p:nvPicPr>
-          <p:cNvPr id="3" name="그림 2"/>
+          <p:cNvPr id="7" name="그림 6"/>
           <p:cNvPicPr>
             <a:picLocks noChangeAspect="1"/>
           </p:cNvPicPr>
@@ -9670,8 +9810,8 @@
         </p:blipFill>
         <p:spPr>
           <a:xfrm>
-            <a:off x="563113" y="1628800"/>
-            <a:ext cx="8847587" cy="3825572"/>
+            <a:off x="1723736" y="3005246"/>
+            <a:ext cx="6681160" cy="3622021"/>
           </a:xfrm>
           <a:prstGeom prst="rect">
             <a:avLst/>
@@ -9685,59 +9825,394 @@
           </a:ln>
         </p:spPr>
       </p:pic>
-      <p:sp>
-        <p:nvSpPr>
-          <p:cNvPr id="6" name="TextBox 5"/>
+      <p:pic>
+        <p:nvPicPr>
+          <p:cNvPr id="6" name="그림 5"/>
+          <p:cNvPicPr>
+            <a:picLocks noChangeAspect="1"/>
+          </p:cNvPicPr>
+          <p:nvPr/>
+        </p:nvPicPr>
+        <p:blipFill>
+          <a:blip r:embed="rId3">
+            <a:extLst>
+              <a:ext uri="{28A0092B-C50C-407E-A947-70E740481C1C}">
+                <a14:useLocalDpi xmlns:a14="http://schemas.microsoft.com/office/drawing/2010/main" val="0"/>
+              </a:ext>
+            </a:extLst>
+          </a:blip>
+          <a:stretch>
+            <a:fillRect/>
+          </a:stretch>
+        </p:blipFill>
+        <p:spPr>
+          <a:xfrm>
+            <a:off x="1712640" y="1289194"/>
+            <a:ext cx="4044449" cy="1501299"/>
+          </a:xfrm>
+          <a:prstGeom prst="rect">
+            <a:avLst/>
+          </a:prstGeom>
+          <a:ln>
+            <a:solidFill>
+              <a:schemeClr val="bg1">
+                <a:lumMod val="85000"/>
+              </a:schemeClr>
+            </a:solidFill>
+          </a:ln>
+        </p:spPr>
+      </p:pic>
+    </p:spTree>
+    <p:extLst>
+      <p:ext uri="{BB962C8B-B14F-4D97-AF65-F5344CB8AC3E}">
+        <p14:creationId xmlns:p14="http://schemas.microsoft.com/office/powerpoint/2010/main" val="2852266119"/>
+      </p:ext>
+    </p:extLst>
+  </p:cSld>
+  <p:clrMapOvr>
+    <a:masterClrMapping/>
+  </p:clrMapOvr>
+  <p:timing>
+    <p:tnLst>
+      <p:par>
+        <p:cTn id="1" dur="indefinite" restart="never" nodeType="tmRoot"/>
+      </p:par>
+    </p:tnLst>
+  </p:timing>
+</p:sld>
+</file>
+
+<file path=ppt/slides/slide28.xml><?xml version="1.0" encoding="utf-8"?>
+<p:sld xmlns:a="http://schemas.openxmlformats.org/drawingml/2006/main" xmlns:r="http://schemas.openxmlformats.org/officeDocument/2006/relationships" xmlns:p="http://schemas.openxmlformats.org/presentationml/2006/main">
+  <p:cSld>
+    <p:spTree>
+      <p:nvGrpSpPr>
+        <p:cNvPr id="1" name=""/>
+        <p:cNvGrpSpPr/>
+        <p:nvPr/>
+      </p:nvGrpSpPr>
+      <p:grpSpPr>
+        <a:xfrm>
+          <a:off x="0" y="0"/>
+          <a:ext cx="0" cy="0"/>
+          <a:chOff x="0" y="0"/>
+          <a:chExt cx="0" cy="0"/>
+        </a:xfrm>
+      </p:grpSpPr>
+      <p:sp>
+        <p:nvSpPr>
+          <p:cNvPr id="2" name="제목 1"/>
+          <p:cNvSpPr>
+            <a:spLocks noGrp="1"/>
+          </p:cNvSpPr>
+          <p:nvPr>
+            <p:ph type="title"/>
+          </p:nvPr>
+        </p:nvSpPr>
+        <p:spPr>
+          <a:xfrm>
+            <a:off x="416497" y="197768"/>
+            <a:ext cx="6412780" cy="854968"/>
+          </a:xfrm>
+        </p:spPr>
+        <p:txBody>
+          <a:bodyPr>
+            <a:noAutofit/>
+          </a:bodyPr>
+          <a:lstStyle/>
+          <a:p>
+            <a:pPr algn="ctr"/>
+            <a:r>
+              <a:rPr lang="ko-KR" altLang="en-US" sz="2800" dirty="0" err="1" smtClean="0"/>
+              <a:t>반응형</a:t>
+            </a:r>
+            <a:r>
+              <a:rPr lang="ko-KR" altLang="en-US" sz="2800" dirty="0" smtClean="0"/>
+              <a:t> </a:t>
+            </a:r>
+            <a:r>
+              <a:rPr lang="en-US" altLang="ko-KR" sz="2800" dirty="0" smtClean="0"/>
+              <a:t>header</a:t>
+            </a:r>
+            <a:r>
+              <a:rPr lang="ko-KR" altLang="en-US" sz="2800" dirty="0" smtClean="0"/>
+              <a:t> 만들기</a:t>
+            </a:r>
+            <a:endParaRPr lang="ko-KR" altLang="en-US" sz="2800" dirty="0"/>
+          </a:p>
+        </p:txBody>
+      </p:sp>
+      <p:sp>
+        <p:nvSpPr>
+          <p:cNvPr id="4" name="슬라이드 번호 개체 틀 3"/>
+          <p:cNvSpPr>
+            <a:spLocks noGrp="1"/>
+          </p:cNvSpPr>
+          <p:nvPr>
+            <p:ph type="sldNum" sz="quarter" idx="12"/>
+          </p:nvPr>
+        </p:nvSpPr>
+        <p:spPr/>
+        <p:txBody>
+          <a:bodyPr/>
+          <a:lstStyle/>
+          <a:p>
+            <a:fld id="{1BDE3FE7-3AEA-4B05-AC5A-802D1816ACF0}" type="slidenum">
+              <a:rPr lang="ko-KR" altLang="en-US" smtClean="0"/>
+              <a:t>28</a:t>
+            </a:fld>
+            <a:endParaRPr lang="ko-KR" altLang="en-US"/>
+          </a:p>
+        </p:txBody>
+      </p:sp>
+      <p:pic>
+        <p:nvPicPr>
+          <p:cNvPr id="6" name="그림 5"/>
+          <p:cNvPicPr>
+            <a:picLocks noChangeAspect="1"/>
+          </p:cNvPicPr>
+          <p:nvPr/>
+        </p:nvPicPr>
+        <p:blipFill>
+          <a:blip r:embed="rId2">
+            <a:extLst>
+              <a:ext uri="{28A0092B-C50C-407E-A947-70E740481C1C}">
+                <a14:useLocalDpi xmlns:a14="http://schemas.microsoft.com/office/drawing/2010/main" val="0"/>
+              </a:ext>
+            </a:extLst>
+          </a:blip>
+          <a:stretch>
+            <a:fillRect/>
+          </a:stretch>
+        </p:blipFill>
+        <p:spPr>
+          <a:xfrm>
+            <a:off x="1856656" y="1700808"/>
+            <a:ext cx="5768840" cy="3596952"/>
+          </a:xfrm>
+          <a:prstGeom prst="rect">
+            <a:avLst/>
+          </a:prstGeom>
+          <a:ln>
+            <a:solidFill>
+              <a:schemeClr val="bg1">
+                <a:lumMod val="85000"/>
+              </a:schemeClr>
+            </a:solidFill>
+          </a:ln>
+        </p:spPr>
+      </p:pic>
+    </p:spTree>
+    <p:extLst>
+      <p:ext uri="{BB962C8B-B14F-4D97-AF65-F5344CB8AC3E}">
+        <p14:creationId xmlns:p14="http://schemas.microsoft.com/office/powerpoint/2010/main" val="1826902964"/>
+      </p:ext>
+    </p:extLst>
+  </p:cSld>
+  <p:clrMapOvr>
+    <a:masterClrMapping/>
+  </p:clrMapOvr>
+  <p:timing>
+    <p:tnLst>
+      <p:par>
+        <p:cTn id="1" dur="indefinite" restart="never" nodeType="tmRoot"/>
+      </p:par>
+    </p:tnLst>
+  </p:timing>
+</p:sld>
+</file>
+
+<file path=ppt/slides/slide29.xml><?xml version="1.0" encoding="utf-8"?>
+<p:sld xmlns:a="http://schemas.openxmlformats.org/drawingml/2006/main" xmlns:r="http://schemas.openxmlformats.org/officeDocument/2006/relationships" xmlns:p="http://schemas.openxmlformats.org/presentationml/2006/main">
+  <p:cSld>
+    <p:spTree>
+      <p:nvGrpSpPr>
+        <p:cNvPr id="1" name=""/>
+        <p:cNvGrpSpPr/>
+        <p:nvPr/>
+      </p:nvGrpSpPr>
+      <p:grpSpPr>
+        <a:xfrm>
+          <a:off x="0" y="0"/>
+          <a:ext cx="0" cy="0"/>
+          <a:chOff x="0" y="0"/>
+          <a:chExt cx="0" cy="0"/>
+        </a:xfrm>
+      </p:grpSpPr>
+      <p:sp>
+        <p:nvSpPr>
+          <p:cNvPr id="2" name="제목 1"/>
+          <p:cNvSpPr>
+            <a:spLocks noGrp="1"/>
+          </p:cNvSpPr>
+          <p:nvPr>
+            <p:ph type="title"/>
+          </p:nvPr>
+        </p:nvSpPr>
+        <p:spPr>
+          <a:xfrm>
+            <a:off x="416497" y="197768"/>
+            <a:ext cx="6412780" cy="854968"/>
+          </a:xfrm>
+        </p:spPr>
+        <p:txBody>
+          <a:bodyPr>
+            <a:noAutofit/>
+          </a:bodyPr>
+          <a:lstStyle/>
+          <a:p>
+            <a:pPr algn="ctr"/>
+            <a:r>
+              <a:rPr lang="ko-KR" altLang="en-US" sz="2800" dirty="0" err="1" smtClean="0"/>
+              <a:t>반응형</a:t>
+            </a:r>
+            <a:r>
+              <a:rPr lang="ko-KR" altLang="en-US" sz="2800" dirty="0" smtClean="0"/>
+              <a:t> </a:t>
+            </a:r>
+            <a:r>
+              <a:rPr lang="en-US" altLang="ko-KR" sz="2800" dirty="0" smtClean="0"/>
+              <a:t>header</a:t>
+            </a:r>
+            <a:r>
+              <a:rPr lang="ko-KR" altLang="en-US" sz="2800" dirty="0" smtClean="0"/>
+              <a:t> 만들기</a:t>
+            </a:r>
+            <a:endParaRPr lang="ko-KR" altLang="en-US" sz="2800" dirty="0"/>
+          </a:p>
+        </p:txBody>
+      </p:sp>
+      <p:sp>
+        <p:nvSpPr>
+          <p:cNvPr id="4" name="슬라이드 번호 개체 틀 3"/>
+          <p:cNvSpPr>
+            <a:spLocks noGrp="1"/>
+          </p:cNvSpPr>
+          <p:nvPr>
+            <p:ph type="sldNum" sz="quarter" idx="12"/>
+          </p:nvPr>
+        </p:nvSpPr>
+        <p:spPr/>
+        <p:txBody>
+          <a:bodyPr/>
+          <a:lstStyle/>
+          <a:p>
+            <a:fld id="{1BDE3FE7-3AEA-4B05-AC5A-802D1816ACF0}" type="slidenum">
+              <a:rPr lang="ko-KR" altLang="en-US" smtClean="0"/>
+              <a:t>29</a:t>
+            </a:fld>
+            <a:endParaRPr lang="ko-KR" altLang="en-US"/>
+          </a:p>
+        </p:txBody>
+      </p:sp>
+      <p:pic>
+        <p:nvPicPr>
+          <p:cNvPr id="5" name="그림 4"/>
+          <p:cNvPicPr>
+            <a:picLocks noChangeAspect="1"/>
+          </p:cNvPicPr>
+          <p:nvPr/>
+        </p:nvPicPr>
+        <p:blipFill>
+          <a:blip r:embed="rId2">
+            <a:extLst>
+              <a:ext uri="{28A0092B-C50C-407E-A947-70E740481C1C}">
+                <a14:useLocalDpi xmlns:a14="http://schemas.microsoft.com/office/drawing/2010/main" val="0"/>
+              </a:ext>
+            </a:extLst>
+          </a:blip>
+          <a:stretch>
+            <a:fillRect/>
+          </a:stretch>
+        </p:blipFill>
+        <p:spPr>
+          <a:xfrm>
+            <a:off x="1064568" y="1268760"/>
+            <a:ext cx="7259166" cy="2097636"/>
+          </a:xfrm>
+          <a:prstGeom prst="rect">
+            <a:avLst/>
+          </a:prstGeom>
+          <a:ln>
+            <a:solidFill>
+              <a:schemeClr val="bg1">
+                <a:lumMod val="85000"/>
+              </a:schemeClr>
+            </a:solidFill>
+          </a:ln>
+        </p:spPr>
+      </p:pic>
+      <p:pic>
+        <p:nvPicPr>
+          <p:cNvPr id="3" name="그림 2"/>
+          <p:cNvPicPr>
+            <a:picLocks noChangeAspect="1"/>
+          </p:cNvPicPr>
+          <p:nvPr/>
+        </p:nvPicPr>
+        <p:blipFill>
+          <a:blip r:embed="rId3">
+            <a:extLst>
+              <a:ext uri="{28A0092B-C50C-407E-A947-70E740481C1C}">
+                <a14:useLocalDpi xmlns:a14="http://schemas.microsoft.com/office/drawing/2010/main" val="0"/>
+              </a:ext>
+            </a:extLst>
+          </a:blip>
+          <a:stretch>
+            <a:fillRect/>
+          </a:stretch>
+        </p:blipFill>
+        <p:spPr>
+          <a:xfrm>
+            <a:off x="2281883" y="3333079"/>
+            <a:ext cx="4824536" cy="3485383"/>
+          </a:xfrm>
+          <a:prstGeom prst="rect">
+            <a:avLst/>
+          </a:prstGeom>
+          <a:ln>
+            <a:solidFill>
+              <a:schemeClr val="bg1">
+                <a:lumMod val="85000"/>
+              </a:schemeClr>
+            </a:solidFill>
+          </a:ln>
+        </p:spPr>
+      </p:pic>
+      <p:sp>
+        <p:nvSpPr>
+          <p:cNvPr id="7" name="TextBox 6"/>
           <p:cNvSpPr txBox="1"/>
           <p:nvPr/>
         </p:nvSpPr>
         <p:spPr>
           <a:xfrm>
-            <a:off x="6681192" y="2132856"/>
-            <a:ext cx="1296144" cy="374571"/>
-          </a:xfrm>
-          <a:prstGeom prst="roundRect">
+            <a:off x="7329264" y="3933056"/>
+            <a:ext cx="1368152" cy="369332"/>
+          </a:xfrm>
+          <a:prstGeom prst="rect">
             <a:avLst/>
           </a:prstGeom>
-          <a:ln w="19050"/>
-        </p:spPr>
-        <p:style>
-          <a:lnRef idx="2">
-            <a:schemeClr val="accent1"/>
-          </a:lnRef>
-          <a:fillRef idx="1">
-            <a:schemeClr val="lt1"/>
-          </a:fillRef>
-          <a:effectRef idx="0">
-            <a:schemeClr val="accent1"/>
-          </a:effectRef>
-          <a:fontRef idx="minor">
-            <a:schemeClr val="dk1"/>
-          </a:fontRef>
-        </p:style>
+          <a:noFill/>
+        </p:spPr>
         <p:txBody>
           <a:bodyPr wrap="square" rtlCol="0">
             <a:spAutoFit/>
           </a:bodyPr>
           <a:lstStyle/>
           <a:p>
-            <a:pPr algn="ctr"/>
-            <a:r>
-              <a:rPr lang="en-US" altLang="ko-KR" sz="1600" dirty="0"/>
-              <a:t>u</a:t>
-            </a:r>
-            <a:r>
-              <a:rPr lang="en-US" altLang="ko-KR" sz="1600" dirty="0" smtClean="0"/>
-              <a:t>i.css</a:t>
-            </a:r>
-            <a:endParaRPr lang="ko-KR" altLang="en-US" sz="1600" dirty="0"/>
+            <a:r>
+              <a:rPr lang="en-US" altLang="ko-KR" dirty="0" smtClean="0"/>
+              <a:t>index.html</a:t>
+            </a:r>
+            <a:endParaRPr lang="ko-KR" altLang="en-US" dirty="0"/>
           </a:p>
         </p:txBody>
       </p:sp>
     </p:spTree>
     <p:extLst>
       <p:ext uri="{BB962C8B-B14F-4D97-AF65-F5344CB8AC3E}">
-        <p14:creationId xmlns:p14="http://schemas.microsoft.com/office/powerpoint/2010/main" val="1421290367"/>
+        <p14:creationId xmlns:p14="http://schemas.microsoft.com/office/powerpoint/2010/main" val="3555523008"/>
       </p:ext>
     </p:extLst>
   </p:cSld>
@@ -10237,6 +10712,1220 @@
             </p:seq>
           </p:childTnLst>
         </p:cTn>
+      </p:par>
+    </p:tnLst>
+  </p:timing>
+</p:sld>
+</file>
+
+<file path=ppt/slides/slide30.xml><?xml version="1.0" encoding="utf-8"?>
+<p:sld xmlns:a="http://schemas.openxmlformats.org/drawingml/2006/main" xmlns:r="http://schemas.openxmlformats.org/officeDocument/2006/relationships" xmlns:p="http://schemas.openxmlformats.org/presentationml/2006/main">
+  <p:cSld>
+    <p:spTree>
+      <p:nvGrpSpPr>
+        <p:cNvPr id="1" name=""/>
+        <p:cNvGrpSpPr/>
+        <p:nvPr/>
+      </p:nvGrpSpPr>
+      <p:grpSpPr>
+        <a:xfrm>
+          <a:off x="0" y="0"/>
+          <a:ext cx="0" cy="0"/>
+          <a:chOff x="0" y="0"/>
+          <a:chExt cx="0" cy="0"/>
+        </a:xfrm>
+      </p:grpSpPr>
+      <p:sp>
+        <p:nvSpPr>
+          <p:cNvPr id="2" name="제목 1"/>
+          <p:cNvSpPr>
+            <a:spLocks noGrp="1"/>
+          </p:cNvSpPr>
+          <p:nvPr>
+            <p:ph type="title"/>
+          </p:nvPr>
+        </p:nvSpPr>
+        <p:spPr>
+          <a:xfrm>
+            <a:off x="416497" y="197768"/>
+            <a:ext cx="6412780" cy="854968"/>
+          </a:xfrm>
+        </p:spPr>
+        <p:txBody>
+          <a:bodyPr>
+            <a:noAutofit/>
+          </a:bodyPr>
+          <a:lstStyle/>
+          <a:p>
+            <a:pPr algn="ctr"/>
+            <a:r>
+              <a:rPr lang="ko-KR" altLang="en-US" sz="2800" dirty="0" err="1" smtClean="0"/>
+              <a:t>반응형</a:t>
+            </a:r>
+            <a:r>
+              <a:rPr lang="ko-KR" altLang="en-US" sz="2800" dirty="0" smtClean="0"/>
+              <a:t> </a:t>
+            </a:r>
+            <a:r>
+              <a:rPr lang="en-US" altLang="ko-KR" sz="2800" dirty="0" smtClean="0"/>
+              <a:t>header</a:t>
+            </a:r>
+            <a:r>
+              <a:rPr lang="ko-KR" altLang="en-US" sz="2800" dirty="0" smtClean="0"/>
+              <a:t> 만들기</a:t>
+            </a:r>
+            <a:endParaRPr lang="ko-KR" altLang="en-US" sz="2800" dirty="0"/>
+          </a:p>
+        </p:txBody>
+      </p:sp>
+      <p:sp>
+        <p:nvSpPr>
+          <p:cNvPr id="4" name="슬라이드 번호 개체 틀 3"/>
+          <p:cNvSpPr>
+            <a:spLocks noGrp="1"/>
+          </p:cNvSpPr>
+          <p:nvPr>
+            <p:ph type="sldNum" sz="quarter" idx="12"/>
+          </p:nvPr>
+        </p:nvSpPr>
+        <p:spPr/>
+        <p:txBody>
+          <a:bodyPr/>
+          <a:lstStyle/>
+          <a:p>
+            <a:fld id="{1BDE3FE7-3AEA-4B05-AC5A-802D1816ACF0}" type="slidenum">
+              <a:rPr lang="ko-KR" altLang="en-US" smtClean="0"/>
+              <a:t>30</a:t>
+            </a:fld>
+            <a:endParaRPr lang="ko-KR" altLang="en-US"/>
+          </a:p>
+        </p:txBody>
+      </p:sp>
+      <p:pic>
+        <p:nvPicPr>
+          <p:cNvPr id="5" name="그림 4"/>
+          <p:cNvPicPr>
+            <a:picLocks noChangeAspect="1"/>
+          </p:cNvPicPr>
+          <p:nvPr/>
+        </p:nvPicPr>
+        <p:blipFill>
+          <a:blip r:embed="rId2">
+            <a:extLst>
+              <a:ext uri="{28A0092B-C50C-407E-A947-70E740481C1C}">
+                <a14:useLocalDpi xmlns:a14="http://schemas.microsoft.com/office/drawing/2010/main" val="0"/>
+              </a:ext>
+            </a:extLst>
+          </a:blip>
+          <a:stretch>
+            <a:fillRect/>
+          </a:stretch>
+        </p:blipFill>
+        <p:spPr>
+          <a:xfrm>
+            <a:off x="776536" y="1835532"/>
+            <a:ext cx="4074263" cy="3976219"/>
+          </a:xfrm>
+          <a:prstGeom prst="rect">
+            <a:avLst/>
+          </a:prstGeom>
+          <a:ln>
+            <a:solidFill>
+              <a:schemeClr val="bg1">
+                <a:lumMod val="85000"/>
+              </a:schemeClr>
+            </a:solidFill>
+          </a:ln>
+        </p:spPr>
+      </p:pic>
+      <p:pic>
+        <p:nvPicPr>
+          <p:cNvPr id="6" name="그림 5"/>
+          <p:cNvPicPr>
+            <a:picLocks noChangeAspect="1"/>
+          </p:cNvPicPr>
+          <p:nvPr/>
+        </p:nvPicPr>
+        <p:blipFill>
+          <a:blip r:embed="rId3">
+            <a:extLst>
+              <a:ext uri="{28A0092B-C50C-407E-A947-70E740481C1C}">
+                <a14:useLocalDpi xmlns:a14="http://schemas.microsoft.com/office/drawing/2010/main" val="0"/>
+              </a:ext>
+            </a:extLst>
+          </a:blip>
+          <a:stretch>
+            <a:fillRect/>
+          </a:stretch>
+        </p:blipFill>
+        <p:spPr>
+          <a:xfrm>
+            <a:off x="5081052" y="1294779"/>
+            <a:ext cx="4192428" cy="4806382"/>
+          </a:xfrm>
+          <a:prstGeom prst="rect">
+            <a:avLst/>
+          </a:prstGeom>
+          <a:ln>
+            <a:solidFill>
+              <a:schemeClr val="bg1">
+                <a:lumMod val="85000"/>
+              </a:schemeClr>
+            </a:solidFill>
+          </a:ln>
+        </p:spPr>
+      </p:pic>
+      <p:sp>
+        <p:nvSpPr>
+          <p:cNvPr id="7" name="TextBox 6"/>
+          <p:cNvSpPr txBox="1"/>
+          <p:nvPr/>
+        </p:nvSpPr>
+        <p:spPr>
+          <a:xfrm>
+            <a:off x="1712640" y="1259468"/>
+            <a:ext cx="1368152" cy="369332"/>
+          </a:xfrm>
+          <a:prstGeom prst="rect">
+            <a:avLst/>
+          </a:prstGeom>
+          <a:noFill/>
+        </p:spPr>
+        <p:txBody>
+          <a:bodyPr wrap="square" rtlCol="0">
+            <a:spAutoFit/>
+          </a:bodyPr>
+          <a:lstStyle/>
+          <a:p>
+            <a:r>
+              <a:rPr lang="en-US" altLang="ko-KR" dirty="0"/>
+              <a:t>s</a:t>
+            </a:r>
+            <a:r>
+              <a:rPr lang="en-US" altLang="ko-KR" dirty="0" smtClean="0"/>
+              <a:t>tyle.css</a:t>
+            </a:r>
+            <a:endParaRPr lang="ko-KR" altLang="en-US" dirty="0"/>
+          </a:p>
+        </p:txBody>
+      </p:sp>
+    </p:spTree>
+    <p:extLst>
+      <p:ext uri="{BB962C8B-B14F-4D97-AF65-F5344CB8AC3E}">
+        <p14:creationId xmlns:p14="http://schemas.microsoft.com/office/powerpoint/2010/main" val="3581230346"/>
+      </p:ext>
+    </p:extLst>
+  </p:cSld>
+  <p:clrMapOvr>
+    <a:masterClrMapping/>
+  </p:clrMapOvr>
+  <p:timing>
+    <p:tnLst>
+      <p:par>
+        <p:cTn id="1" dur="indefinite" restart="never" nodeType="tmRoot"/>
+      </p:par>
+    </p:tnLst>
+  </p:timing>
+</p:sld>
+</file>
+
+<file path=ppt/slides/slide31.xml><?xml version="1.0" encoding="utf-8"?>
+<p:sld xmlns:a="http://schemas.openxmlformats.org/drawingml/2006/main" xmlns:r="http://schemas.openxmlformats.org/officeDocument/2006/relationships" xmlns:p="http://schemas.openxmlformats.org/presentationml/2006/main">
+  <p:cSld>
+    <p:spTree>
+      <p:nvGrpSpPr>
+        <p:cNvPr id="1" name=""/>
+        <p:cNvGrpSpPr/>
+        <p:nvPr/>
+      </p:nvGrpSpPr>
+      <p:grpSpPr>
+        <a:xfrm>
+          <a:off x="0" y="0"/>
+          <a:ext cx="0" cy="0"/>
+          <a:chOff x="0" y="0"/>
+          <a:chExt cx="0" cy="0"/>
+        </a:xfrm>
+      </p:grpSpPr>
+      <p:sp>
+        <p:nvSpPr>
+          <p:cNvPr id="2" name="제목 1"/>
+          <p:cNvSpPr>
+            <a:spLocks noGrp="1"/>
+          </p:cNvSpPr>
+          <p:nvPr>
+            <p:ph type="title"/>
+          </p:nvPr>
+        </p:nvSpPr>
+        <p:spPr>
+          <a:xfrm>
+            <a:off x="416497" y="197768"/>
+            <a:ext cx="6412780" cy="854968"/>
+          </a:xfrm>
+        </p:spPr>
+        <p:txBody>
+          <a:bodyPr>
+            <a:noAutofit/>
+          </a:bodyPr>
+          <a:lstStyle/>
+          <a:p>
+            <a:pPr algn="ctr"/>
+            <a:r>
+              <a:rPr lang="ko-KR" altLang="en-US" sz="2800" dirty="0" err="1" smtClean="0"/>
+              <a:t>반응형</a:t>
+            </a:r>
+            <a:r>
+              <a:rPr lang="ko-KR" altLang="en-US" sz="2800" dirty="0" smtClean="0"/>
+              <a:t> </a:t>
+            </a:r>
+            <a:r>
+              <a:rPr lang="en-US" altLang="ko-KR" sz="2800" dirty="0" smtClean="0"/>
+              <a:t>header</a:t>
+            </a:r>
+            <a:r>
+              <a:rPr lang="ko-KR" altLang="en-US" sz="2800" dirty="0" smtClean="0"/>
+              <a:t> 만들기</a:t>
+            </a:r>
+            <a:endParaRPr lang="ko-KR" altLang="en-US" sz="2800" dirty="0"/>
+          </a:p>
+        </p:txBody>
+      </p:sp>
+      <p:sp>
+        <p:nvSpPr>
+          <p:cNvPr id="4" name="슬라이드 번호 개체 틀 3"/>
+          <p:cNvSpPr>
+            <a:spLocks noGrp="1"/>
+          </p:cNvSpPr>
+          <p:nvPr>
+            <p:ph type="sldNum" sz="quarter" idx="12"/>
+          </p:nvPr>
+        </p:nvSpPr>
+        <p:spPr/>
+        <p:txBody>
+          <a:bodyPr/>
+          <a:lstStyle/>
+          <a:p>
+            <a:fld id="{1BDE3FE7-3AEA-4B05-AC5A-802D1816ACF0}" type="slidenum">
+              <a:rPr lang="ko-KR" altLang="en-US" smtClean="0"/>
+              <a:t>31</a:t>
+            </a:fld>
+            <a:endParaRPr lang="ko-KR" altLang="en-US"/>
+          </a:p>
+        </p:txBody>
+      </p:sp>
+      <p:pic>
+        <p:nvPicPr>
+          <p:cNvPr id="3" name="그림 2"/>
+          <p:cNvPicPr>
+            <a:picLocks noChangeAspect="1"/>
+          </p:cNvPicPr>
+          <p:nvPr/>
+        </p:nvPicPr>
+        <p:blipFill>
+          <a:blip r:embed="rId2">
+            <a:extLst>
+              <a:ext uri="{28A0092B-C50C-407E-A947-70E740481C1C}">
+                <a14:useLocalDpi xmlns:a14="http://schemas.microsoft.com/office/drawing/2010/main" val="0"/>
+              </a:ext>
+            </a:extLst>
+          </a:blip>
+          <a:stretch>
+            <a:fillRect/>
+          </a:stretch>
+        </p:blipFill>
+        <p:spPr>
+          <a:xfrm>
+            <a:off x="992560" y="1340768"/>
+            <a:ext cx="4242026" cy="4904842"/>
+          </a:xfrm>
+          <a:prstGeom prst="rect">
+            <a:avLst/>
+          </a:prstGeom>
+          <a:ln>
+            <a:solidFill>
+              <a:schemeClr val="bg1">
+                <a:lumMod val="85000"/>
+              </a:schemeClr>
+            </a:solidFill>
+          </a:ln>
+        </p:spPr>
+      </p:pic>
+      <p:pic>
+        <p:nvPicPr>
+          <p:cNvPr id="7" name="그림 6"/>
+          <p:cNvPicPr>
+            <a:picLocks noChangeAspect="1"/>
+          </p:cNvPicPr>
+          <p:nvPr/>
+        </p:nvPicPr>
+        <p:blipFill>
+          <a:blip r:embed="rId3">
+            <a:extLst>
+              <a:ext uri="{28A0092B-C50C-407E-A947-70E740481C1C}">
+                <a14:useLocalDpi xmlns:a14="http://schemas.microsoft.com/office/drawing/2010/main" val="0"/>
+              </a:ext>
+            </a:extLst>
+          </a:blip>
+          <a:stretch>
+            <a:fillRect/>
+          </a:stretch>
+        </p:blipFill>
+        <p:spPr>
+          <a:xfrm>
+            <a:off x="5457056" y="2132856"/>
+            <a:ext cx="3862154" cy="3022555"/>
+          </a:xfrm>
+          <a:prstGeom prst="rect">
+            <a:avLst/>
+          </a:prstGeom>
+          <a:ln>
+            <a:solidFill>
+              <a:schemeClr val="bg1">
+                <a:lumMod val="85000"/>
+              </a:schemeClr>
+            </a:solidFill>
+          </a:ln>
+        </p:spPr>
+      </p:pic>
+    </p:spTree>
+    <p:extLst>
+      <p:ext uri="{BB962C8B-B14F-4D97-AF65-F5344CB8AC3E}">
+        <p14:creationId xmlns:p14="http://schemas.microsoft.com/office/powerpoint/2010/main" val="1613720213"/>
+      </p:ext>
+    </p:extLst>
+  </p:cSld>
+  <p:clrMapOvr>
+    <a:masterClrMapping/>
+  </p:clrMapOvr>
+  <p:timing>
+    <p:tnLst>
+      <p:par>
+        <p:cTn id="1" dur="indefinite" restart="never" nodeType="tmRoot"/>
+      </p:par>
+    </p:tnLst>
+  </p:timing>
+</p:sld>
+</file>
+
+<file path=ppt/slides/slide32.xml><?xml version="1.0" encoding="utf-8"?>
+<p:sld xmlns:a="http://schemas.openxmlformats.org/drawingml/2006/main" xmlns:r="http://schemas.openxmlformats.org/officeDocument/2006/relationships" xmlns:p="http://schemas.openxmlformats.org/presentationml/2006/main">
+  <p:cSld>
+    <p:spTree>
+      <p:nvGrpSpPr>
+        <p:cNvPr id="1" name=""/>
+        <p:cNvGrpSpPr/>
+        <p:nvPr/>
+      </p:nvGrpSpPr>
+      <p:grpSpPr>
+        <a:xfrm>
+          <a:off x="0" y="0"/>
+          <a:ext cx="0" cy="0"/>
+          <a:chOff x="0" y="0"/>
+          <a:chExt cx="0" cy="0"/>
+        </a:xfrm>
+      </p:grpSpPr>
+      <p:sp>
+        <p:nvSpPr>
+          <p:cNvPr id="2" name="제목 1"/>
+          <p:cNvSpPr>
+            <a:spLocks noGrp="1"/>
+          </p:cNvSpPr>
+          <p:nvPr>
+            <p:ph type="title"/>
+          </p:nvPr>
+        </p:nvSpPr>
+        <p:spPr>
+          <a:xfrm>
+            <a:off x="416497" y="197768"/>
+            <a:ext cx="6412780" cy="854968"/>
+          </a:xfrm>
+        </p:spPr>
+        <p:txBody>
+          <a:bodyPr>
+            <a:noAutofit/>
+          </a:bodyPr>
+          <a:lstStyle/>
+          <a:p>
+            <a:pPr algn="ctr"/>
+            <a:r>
+              <a:rPr lang="ko-KR" altLang="en-US" sz="2800" dirty="0" err="1" smtClean="0"/>
+              <a:t>반응형</a:t>
+            </a:r>
+            <a:r>
+              <a:rPr lang="ko-KR" altLang="en-US" sz="2800" dirty="0" smtClean="0"/>
+              <a:t> </a:t>
+            </a:r>
+            <a:r>
+              <a:rPr lang="en-US" altLang="ko-KR" sz="2800" dirty="0" smtClean="0"/>
+              <a:t>header</a:t>
+            </a:r>
+            <a:r>
+              <a:rPr lang="ko-KR" altLang="en-US" sz="2800" dirty="0" smtClean="0"/>
+              <a:t> 만들기</a:t>
+            </a:r>
+            <a:endParaRPr lang="ko-KR" altLang="en-US" sz="2800" dirty="0"/>
+          </a:p>
+        </p:txBody>
+      </p:sp>
+      <p:sp>
+        <p:nvSpPr>
+          <p:cNvPr id="4" name="슬라이드 번호 개체 틀 3"/>
+          <p:cNvSpPr>
+            <a:spLocks noGrp="1"/>
+          </p:cNvSpPr>
+          <p:nvPr>
+            <p:ph type="sldNum" sz="quarter" idx="12"/>
+          </p:nvPr>
+        </p:nvSpPr>
+        <p:spPr/>
+        <p:txBody>
+          <a:bodyPr/>
+          <a:lstStyle/>
+          <a:p>
+            <a:fld id="{1BDE3FE7-3AEA-4B05-AC5A-802D1816ACF0}" type="slidenum">
+              <a:rPr lang="ko-KR" altLang="en-US" smtClean="0"/>
+              <a:t>32</a:t>
+            </a:fld>
+            <a:endParaRPr lang="ko-KR" altLang="en-US"/>
+          </a:p>
+        </p:txBody>
+      </p:sp>
+      <p:pic>
+        <p:nvPicPr>
+          <p:cNvPr id="5" name="그림 4"/>
+          <p:cNvPicPr>
+            <a:picLocks noChangeAspect="1"/>
+          </p:cNvPicPr>
+          <p:nvPr/>
+        </p:nvPicPr>
+        <p:blipFill>
+          <a:blip r:embed="rId2">
+            <a:extLst>
+              <a:ext uri="{28A0092B-C50C-407E-A947-70E740481C1C}">
+                <a14:useLocalDpi xmlns:a14="http://schemas.microsoft.com/office/drawing/2010/main" val="0"/>
+              </a:ext>
+            </a:extLst>
+          </a:blip>
+          <a:stretch>
+            <a:fillRect/>
+          </a:stretch>
+        </p:blipFill>
+        <p:spPr>
+          <a:xfrm>
+            <a:off x="1136576" y="1234819"/>
+            <a:ext cx="6607211" cy="5401080"/>
+          </a:xfrm>
+          <a:prstGeom prst="rect">
+            <a:avLst/>
+          </a:prstGeom>
+          <a:ln>
+            <a:solidFill>
+              <a:schemeClr val="bg1">
+                <a:lumMod val="85000"/>
+              </a:schemeClr>
+            </a:solidFill>
+          </a:ln>
+        </p:spPr>
+      </p:pic>
+      <p:sp>
+        <p:nvSpPr>
+          <p:cNvPr id="8" name="TextBox 7"/>
+          <p:cNvSpPr txBox="1"/>
+          <p:nvPr/>
+        </p:nvSpPr>
+        <p:spPr>
+          <a:xfrm>
+            <a:off x="7185248" y="2492896"/>
+            <a:ext cx="1368152" cy="369332"/>
+          </a:xfrm>
+          <a:prstGeom prst="rect">
+            <a:avLst/>
+          </a:prstGeom>
+          <a:noFill/>
+        </p:spPr>
+        <p:txBody>
+          <a:bodyPr wrap="square" rtlCol="0">
+            <a:spAutoFit/>
+          </a:bodyPr>
+          <a:lstStyle/>
+          <a:p>
+            <a:r>
+              <a:rPr lang="en-US" altLang="ko-KR" dirty="0" smtClean="0"/>
+              <a:t>main.js</a:t>
+            </a:r>
+            <a:endParaRPr lang="ko-KR" altLang="en-US" dirty="0"/>
+          </a:p>
+        </p:txBody>
+      </p:sp>
+    </p:spTree>
+    <p:extLst>
+      <p:ext uri="{BB962C8B-B14F-4D97-AF65-F5344CB8AC3E}">
+        <p14:creationId xmlns:p14="http://schemas.microsoft.com/office/powerpoint/2010/main" val="861668512"/>
+      </p:ext>
+    </p:extLst>
+  </p:cSld>
+  <p:clrMapOvr>
+    <a:masterClrMapping/>
+  </p:clrMapOvr>
+  <p:timing>
+    <p:tnLst>
+      <p:par>
+        <p:cTn id="1" dur="indefinite" restart="never" nodeType="tmRoot"/>
+      </p:par>
+    </p:tnLst>
+  </p:timing>
+</p:sld>
+</file>
+
+<file path=ppt/slides/slide33.xml><?xml version="1.0" encoding="utf-8"?>
+<p:sld xmlns:a="http://schemas.openxmlformats.org/drawingml/2006/main" xmlns:r="http://schemas.openxmlformats.org/officeDocument/2006/relationships" xmlns:p="http://schemas.openxmlformats.org/presentationml/2006/main">
+  <p:cSld>
+    <p:spTree>
+      <p:nvGrpSpPr>
+        <p:cNvPr id="1" name=""/>
+        <p:cNvGrpSpPr/>
+        <p:nvPr/>
+      </p:nvGrpSpPr>
+      <p:grpSpPr>
+        <a:xfrm>
+          <a:off x="0" y="0"/>
+          <a:ext cx="0" cy="0"/>
+          <a:chOff x="0" y="0"/>
+          <a:chExt cx="0" cy="0"/>
+        </a:xfrm>
+      </p:grpSpPr>
+      <p:sp>
+        <p:nvSpPr>
+          <p:cNvPr id="2" name="제목 1"/>
+          <p:cNvSpPr>
+            <a:spLocks noGrp="1"/>
+          </p:cNvSpPr>
+          <p:nvPr>
+            <p:ph type="title"/>
+          </p:nvPr>
+        </p:nvSpPr>
+        <p:spPr>
+          <a:xfrm>
+            <a:off x="416497" y="197768"/>
+            <a:ext cx="6412780" cy="854968"/>
+          </a:xfrm>
+        </p:spPr>
+        <p:txBody>
+          <a:bodyPr>
+            <a:noAutofit/>
+          </a:bodyPr>
+          <a:lstStyle/>
+          <a:p>
+            <a:pPr algn="ctr"/>
+            <a:r>
+              <a:rPr lang="ko-KR" altLang="en-US" sz="2800" dirty="0" smtClean="0"/>
+              <a:t>아코디언 기능 구현</a:t>
+            </a:r>
+            <a:endParaRPr lang="ko-KR" altLang="en-US" sz="2800" dirty="0"/>
+          </a:p>
+        </p:txBody>
+      </p:sp>
+      <p:sp>
+        <p:nvSpPr>
+          <p:cNvPr id="4" name="슬라이드 번호 개체 틀 3"/>
+          <p:cNvSpPr>
+            <a:spLocks noGrp="1"/>
+          </p:cNvSpPr>
+          <p:nvPr>
+            <p:ph type="sldNum" sz="quarter" idx="12"/>
+          </p:nvPr>
+        </p:nvSpPr>
+        <p:spPr/>
+        <p:txBody>
+          <a:bodyPr/>
+          <a:lstStyle/>
+          <a:p>
+            <a:fld id="{1BDE3FE7-3AEA-4B05-AC5A-802D1816ACF0}" type="slidenum">
+              <a:rPr lang="ko-KR" altLang="en-US" smtClean="0"/>
+              <a:t>33</a:t>
+            </a:fld>
+            <a:endParaRPr lang="ko-KR" altLang="en-US"/>
+          </a:p>
+        </p:txBody>
+      </p:sp>
+      <p:sp>
+        <p:nvSpPr>
+          <p:cNvPr id="10" name="TextBox 9"/>
+          <p:cNvSpPr txBox="1"/>
+          <p:nvPr/>
+        </p:nvSpPr>
+        <p:spPr>
+          <a:xfrm>
+            <a:off x="1136576" y="1264985"/>
+            <a:ext cx="6893334" cy="494494"/>
+          </a:xfrm>
+          <a:prstGeom prst="rect">
+            <a:avLst/>
+          </a:prstGeom>
+          <a:noFill/>
+        </p:spPr>
+        <p:txBody>
+          <a:bodyPr wrap="square" rtlCol="0">
+            <a:spAutoFit/>
+          </a:bodyPr>
+          <a:lstStyle/>
+          <a:p>
+            <a:pPr>
+              <a:lnSpc>
+                <a:spcPct val="150000"/>
+              </a:lnSpc>
+            </a:pPr>
+            <a:r>
+              <a:rPr lang="en-US" altLang="ko-KR" sz="2000" b="1" dirty="0" smtClean="0"/>
+              <a:t>accordion(</a:t>
+            </a:r>
+            <a:r>
+              <a:rPr lang="ko-KR" altLang="en-US" sz="2000" b="1" dirty="0" smtClean="0"/>
+              <a:t>펼치기</a:t>
+            </a:r>
+            <a:r>
+              <a:rPr lang="en-US" altLang="ko-KR" sz="2000" b="1" dirty="0" smtClean="0"/>
+              <a:t>, </a:t>
+            </a:r>
+            <a:r>
+              <a:rPr lang="ko-KR" altLang="en-US" sz="2000" b="1" dirty="0" smtClean="0"/>
+              <a:t>접기</a:t>
+            </a:r>
+            <a:r>
+              <a:rPr lang="en-US" altLang="ko-KR" sz="2000" b="1" dirty="0" smtClean="0"/>
+              <a:t>)</a:t>
+            </a:r>
+          </a:p>
+        </p:txBody>
+      </p:sp>
+      <p:pic>
+        <p:nvPicPr>
+          <p:cNvPr id="6" name="그림 5"/>
+          <p:cNvPicPr>
+            <a:picLocks noChangeAspect="1"/>
+          </p:cNvPicPr>
+          <p:nvPr/>
+        </p:nvPicPr>
+        <p:blipFill>
+          <a:blip r:embed="rId2">
+            <a:extLst>
+              <a:ext uri="{28A0092B-C50C-407E-A947-70E740481C1C}">
+                <a14:useLocalDpi xmlns:a14="http://schemas.microsoft.com/office/drawing/2010/main" val="0"/>
+              </a:ext>
+            </a:extLst>
+          </a:blip>
+          <a:stretch>
+            <a:fillRect/>
+          </a:stretch>
+        </p:blipFill>
+        <p:spPr>
+          <a:xfrm>
+            <a:off x="1064568" y="1971728"/>
+            <a:ext cx="8193360" cy="4155962"/>
+          </a:xfrm>
+          <a:prstGeom prst="rect">
+            <a:avLst/>
+          </a:prstGeom>
+          <a:ln>
+            <a:solidFill>
+              <a:schemeClr val="bg1">
+                <a:lumMod val="85000"/>
+              </a:schemeClr>
+            </a:solidFill>
+          </a:ln>
+        </p:spPr>
+      </p:pic>
+    </p:spTree>
+    <p:extLst>
+      <p:ext uri="{BB962C8B-B14F-4D97-AF65-F5344CB8AC3E}">
+        <p14:creationId xmlns:p14="http://schemas.microsoft.com/office/powerpoint/2010/main" val="1001762266"/>
+      </p:ext>
+    </p:extLst>
+  </p:cSld>
+  <p:clrMapOvr>
+    <a:masterClrMapping/>
+  </p:clrMapOvr>
+  <p:timing>
+    <p:tnLst>
+      <p:par>
+        <p:cTn id="1" dur="indefinite" restart="never" nodeType="tmRoot"/>
+      </p:par>
+    </p:tnLst>
+  </p:timing>
+</p:sld>
+</file>
+
+<file path=ppt/slides/slide34.xml><?xml version="1.0" encoding="utf-8"?>
+<p:sld xmlns:a="http://schemas.openxmlformats.org/drawingml/2006/main" xmlns:r="http://schemas.openxmlformats.org/officeDocument/2006/relationships" xmlns:p="http://schemas.openxmlformats.org/presentationml/2006/main">
+  <p:cSld>
+    <p:spTree>
+      <p:nvGrpSpPr>
+        <p:cNvPr id="1" name=""/>
+        <p:cNvGrpSpPr/>
+        <p:nvPr/>
+      </p:nvGrpSpPr>
+      <p:grpSpPr>
+        <a:xfrm>
+          <a:off x="0" y="0"/>
+          <a:ext cx="0" cy="0"/>
+          <a:chOff x="0" y="0"/>
+          <a:chExt cx="0" cy="0"/>
+        </a:xfrm>
+      </p:grpSpPr>
+      <p:sp>
+        <p:nvSpPr>
+          <p:cNvPr id="2" name="제목 1"/>
+          <p:cNvSpPr>
+            <a:spLocks noGrp="1"/>
+          </p:cNvSpPr>
+          <p:nvPr>
+            <p:ph type="title"/>
+          </p:nvPr>
+        </p:nvSpPr>
+        <p:spPr>
+          <a:xfrm>
+            <a:off x="416497" y="197768"/>
+            <a:ext cx="6412780" cy="854968"/>
+          </a:xfrm>
+        </p:spPr>
+        <p:txBody>
+          <a:bodyPr>
+            <a:noAutofit/>
+          </a:bodyPr>
+          <a:lstStyle/>
+          <a:p>
+            <a:pPr algn="ctr"/>
+            <a:r>
+              <a:rPr lang="ko-KR" altLang="en-US" sz="2800" dirty="0" smtClean="0"/>
+              <a:t>아코디언 기능 구현</a:t>
+            </a:r>
+            <a:endParaRPr lang="ko-KR" altLang="en-US" sz="2800" dirty="0"/>
+          </a:p>
+        </p:txBody>
+      </p:sp>
+      <p:sp>
+        <p:nvSpPr>
+          <p:cNvPr id="4" name="슬라이드 번호 개체 틀 3"/>
+          <p:cNvSpPr>
+            <a:spLocks noGrp="1"/>
+          </p:cNvSpPr>
+          <p:nvPr>
+            <p:ph type="sldNum" sz="quarter" idx="12"/>
+          </p:nvPr>
+        </p:nvSpPr>
+        <p:spPr/>
+        <p:txBody>
+          <a:bodyPr/>
+          <a:lstStyle/>
+          <a:p>
+            <a:fld id="{1BDE3FE7-3AEA-4B05-AC5A-802D1816ACF0}" type="slidenum">
+              <a:rPr lang="ko-KR" altLang="en-US" smtClean="0"/>
+              <a:t>34</a:t>
+            </a:fld>
+            <a:endParaRPr lang="ko-KR" altLang="en-US"/>
+          </a:p>
+        </p:txBody>
+      </p:sp>
+      <p:pic>
+        <p:nvPicPr>
+          <p:cNvPr id="8" name="그림 7"/>
+          <p:cNvPicPr>
+            <a:picLocks noChangeAspect="1"/>
+          </p:cNvPicPr>
+          <p:nvPr/>
+        </p:nvPicPr>
+        <p:blipFill>
+          <a:blip r:embed="rId2">
+            <a:extLst>
+              <a:ext uri="{28A0092B-C50C-407E-A947-70E740481C1C}">
+                <a14:useLocalDpi xmlns:a14="http://schemas.microsoft.com/office/drawing/2010/main" val="0"/>
+              </a:ext>
+            </a:extLst>
+          </a:blip>
+          <a:stretch>
+            <a:fillRect/>
+          </a:stretch>
+        </p:blipFill>
+        <p:spPr>
+          <a:xfrm>
+            <a:off x="776536" y="1816083"/>
+            <a:ext cx="8255151" cy="3629139"/>
+          </a:xfrm>
+          <a:prstGeom prst="rect">
+            <a:avLst/>
+          </a:prstGeom>
+          <a:ln>
+            <a:solidFill>
+              <a:schemeClr val="bg1">
+                <a:lumMod val="85000"/>
+              </a:schemeClr>
+            </a:solidFill>
+          </a:ln>
+        </p:spPr>
+      </p:pic>
+      <p:sp>
+        <p:nvSpPr>
+          <p:cNvPr id="6" name="TextBox 5"/>
+          <p:cNvSpPr txBox="1"/>
+          <p:nvPr/>
+        </p:nvSpPr>
+        <p:spPr>
+          <a:xfrm>
+            <a:off x="7329264" y="1628798"/>
+            <a:ext cx="1296144" cy="374571"/>
+          </a:xfrm>
+          <a:prstGeom prst="roundRect">
+            <a:avLst/>
+          </a:prstGeom>
+          <a:ln w="19050"/>
+        </p:spPr>
+        <p:style>
+          <a:lnRef idx="2">
+            <a:schemeClr val="accent1"/>
+          </a:lnRef>
+          <a:fillRef idx="1">
+            <a:schemeClr val="lt1"/>
+          </a:fillRef>
+          <a:effectRef idx="0">
+            <a:schemeClr val="accent1"/>
+          </a:effectRef>
+          <a:fontRef idx="minor">
+            <a:schemeClr val="dk1"/>
+          </a:fontRef>
+        </p:style>
+        <p:txBody>
+          <a:bodyPr wrap="square" rtlCol="0">
+            <a:spAutoFit/>
+          </a:bodyPr>
+          <a:lstStyle/>
+          <a:p>
+            <a:pPr algn="ctr"/>
+            <a:r>
+              <a:rPr lang="en-US" altLang="ko-KR" sz="1600" dirty="0" smtClean="0"/>
+              <a:t>faq.html</a:t>
+            </a:r>
+            <a:endParaRPr lang="ko-KR" altLang="en-US" sz="1600" dirty="0"/>
+          </a:p>
+        </p:txBody>
+      </p:sp>
+    </p:spTree>
+    <p:extLst>
+      <p:ext uri="{BB962C8B-B14F-4D97-AF65-F5344CB8AC3E}">
+        <p14:creationId xmlns:p14="http://schemas.microsoft.com/office/powerpoint/2010/main" val="2776063292"/>
+      </p:ext>
+    </p:extLst>
+  </p:cSld>
+  <p:clrMapOvr>
+    <a:masterClrMapping/>
+  </p:clrMapOvr>
+  <p:timing>
+    <p:tnLst>
+      <p:par>
+        <p:cTn id="1" dur="indefinite" restart="never" nodeType="tmRoot"/>
+      </p:par>
+    </p:tnLst>
+  </p:timing>
+</p:sld>
+</file>
+
+<file path=ppt/slides/slide35.xml><?xml version="1.0" encoding="utf-8"?>
+<p:sld xmlns:a="http://schemas.openxmlformats.org/drawingml/2006/main" xmlns:r="http://schemas.openxmlformats.org/officeDocument/2006/relationships" xmlns:p="http://schemas.openxmlformats.org/presentationml/2006/main">
+  <p:cSld>
+    <p:spTree>
+      <p:nvGrpSpPr>
+        <p:cNvPr id="1" name=""/>
+        <p:cNvGrpSpPr/>
+        <p:nvPr/>
+      </p:nvGrpSpPr>
+      <p:grpSpPr>
+        <a:xfrm>
+          <a:off x="0" y="0"/>
+          <a:ext cx="0" cy="0"/>
+          <a:chOff x="0" y="0"/>
+          <a:chExt cx="0" cy="0"/>
+        </a:xfrm>
+      </p:grpSpPr>
+      <p:sp>
+        <p:nvSpPr>
+          <p:cNvPr id="2" name="제목 1"/>
+          <p:cNvSpPr>
+            <a:spLocks noGrp="1"/>
+          </p:cNvSpPr>
+          <p:nvPr>
+            <p:ph type="title"/>
+          </p:nvPr>
+        </p:nvSpPr>
+        <p:spPr>
+          <a:xfrm>
+            <a:off x="416497" y="197768"/>
+            <a:ext cx="6412780" cy="854968"/>
+          </a:xfrm>
+        </p:spPr>
+        <p:txBody>
+          <a:bodyPr>
+            <a:noAutofit/>
+          </a:bodyPr>
+          <a:lstStyle/>
+          <a:p>
+            <a:pPr algn="ctr"/>
+            <a:r>
+              <a:rPr lang="ko-KR" altLang="en-US" sz="2800" dirty="0" smtClean="0"/>
+              <a:t>아코디언 기능 구현</a:t>
+            </a:r>
+            <a:endParaRPr lang="ko-KR" altLang="en-US" sz="2800" dirty="0"/>
+          </a:p>
+        </p:txBody>
+      </p:sp>
+      <p:sp>
+        <p:nvSpPr>
+          <p:cNvPr id="4" name="슬라이드 번호 개체 틀 3"/>
+          <p:cNvSpPr>
+            <a:spLocks noGrp="1"/>
+          </p:cNvSpPr>
+          <p:nvPr>
+            <p:ph type="sldNum" sz="quarter" idx="12"/>
+          </p:nvPr>
+        </p:nvSpPr>
+        <p:spPr/>
+        <p:txBody>
+          <a:bodyPr/>
+          <a:lstStyle/>
+          <a:p>
+            <a:fld id="{1BDE3FE7-3AEA-4B05-AC5A-802D1816ACF0}" type="slidenum">
+              <a:rPr lang="ko-KR" altLang="en-US" smtClean="0"/>
+              <a:t>35</a:t>
+            </a:fld>
+            <a:endParaRPr lang="ko-KR" altLang="en-US"/>
+          </a:p>
+        </p:txBody>
+      </p:sp>
+      <p:pic>
+        <p:nvPicPr>
+          <p:cNvPr id="7" name="그림 6"/>
+          <p:cNvPicPr>
+            <a:picLocks noChangeAspect="1"/>
+          </p:cNvPicPr>
+          <p:nvPr/>
+        </p:nvPicPr>
+        <p:blipFill>
+          <a:blip r:embed="rId2">
+            <a:extLst>
+              <a:ext uri="{28A0092B-C50C-407E-A947-70E740481C1C}">
+                <a14:useLocalDpi xmlns:a14="http://schemas.microsoft.com/office/drawing/2010/main" val="0"/>
+              </a:ext>
+            </a:extLst>
+          </a:blip>
+          <a:stretch>
+            <a:fillRect/>
+          </a:stretch>
+        </p:blipFill>
+        <p:spPr>
+          <a:xfrm>
+            <a:off x="1136576" y="1700808"/>
+            <a:ext cx="7438179" cy="3744002"/>
+          </a:xfrm>
+          <a:prstGeom prst="rect">
+            <a:avLst/>
+          </a:prstGeom>
+          <a:ln>
+            <a:solidFill>
+              <a:schemeClr val="bg1">
+                <a:lumMod val="85000"/>
+              </a:schemeClr>
+            </a:solidFill>
+          </a:ln>
+        </p:spPr>
+      </p:pic>
+    </p:spTree>
+    <p:extLst>
+      <p:ext uri="{BB962C8B-B14F-4D97-AF65-F5344CB8AC3E}">
+        <p14:creationId xmlns:p14="http://schemas.microsoft.com/office/powerpoint/2010/main" val="1553241741"/>
+      </p:ext>
+    </p:extLst>
+  </p:cSld>
+  <p:clrMapOvr>
+    <a:masterClrMapping/>
+  </p:clrMapOvr>
+  <p:timing>
+    <p:tnLst>
+      <p:par>
+        <p:cTn id="1" dur="indefinite" restart="never" nodeType="tmRoot"/>
+      </p:par>
+    </p:tnLst>
+  </p:timing>
+</p:sld>
+</file>
+
+<file path=ppt/slides/slide36.xml><?xml version="1.0" encoding="utf-8"?>
+<p:sld xmlns:a="http://schemas.openxmlformats.org/drawingml/2006/main" xmlns:r="http://schemas.openxmlformats.org/officeDocument/2006/relationships" xmlns:p="http://schemas.openxmlformats.org/presentationml/2006/main">
+  <p:cSld>
+    <p:spTree>
+      <p:nvGrpSpPr>
+        <p:cNvPr id="1" name=""/>
+        <p:cNvGrpSpPr/>
+        <p:nvPr/>
+      </p:nvGrpSpPr>
+      <p:grpSpPr>
+        <a:xfrm>
+          <a:off x="0" y="0"/>
+          <a:ext cx="0" cy="0"/>
+          <a:chOff x="0" y="0"/>
+          <a:chExt cx="0" cy="0"/>
+        </a:xfrm>
+      </p:grpSpPr>
+      <p:sp>
+        <p:nvSpPr>
+          <p:cNvPr id="2" name="제목 1"/>
+          <p:cNvSpPr>
+            <a:spLocks noGrp="1"/>
+          </p:cNvSpPr>
+          <p:nvPr>
+            <p:ph type="title"/>
+          </p:nvPr>
+        </p:nvSpPr>
+        <p:spPr>
+          <a:xfrm>
+            <a:off x="416497" y="197768"/>
+            <a:ext cx="6412780" cy="854968"/>
+          </a:xfrm>
+        </p:spPr>
+        <p:txBody>
+          <a:bodyPr>
+            <a:noAutofit/>
+          </a:bodyPr>
+          <a:lstStyle/>
+          <a:p>
+            <a:pPr algn="ctr"/>
+            <a:r>
+              <a:rPr lang="ko-KR" altLang="en-US" sz="2800" dirty="0" smtClean="0"/>
+              <a:t>아코디언 기능 구현</a:t>
+            </a:r>
+            <a:endParaRPr lang="ko-KR" altLang="en-US" sz="2800" dirty="0"/>
+          </a:p>
+        </p:txBody>
+      </p:sp>
+      <p:sp>
+        <p:nvSpPr>
+          <p:cNvPr id="4" name="슬라이드 번호 개체 틀 3"/>
+          <p:cNvSpPr>
+            <a:spLocks noGrp="1"/>
+          </p:cNvSpPr>
+          <p:nvPr>
+            <p:ph type="sldNum" sz="quarter" idx="12"/>
+          </p:nvPr>
+        </p:nvSpPr>
+        <p:spPr/>
+        <p:txBody>
+          <a:bodyPr/>
+          <a:lstStyle/>
+          <a:p>
+            <a:fld id="{1BDE3FE7-3AEA-4B05-AC5A-802D1816ACF0}" type="slidenum">
+              <a:rPr lang="ko-KR" altLang="en-US" smtClean="0"/>
+              <a:t>36</a:t>
+            </a:fld>
+            <a:endParaRPr lang="ko-KR" altLang="en-US"/>
+          </a:p>
+        </p:txBody>
+      </p:sp>
+      <p:pic>
+        <p:nvPicPr>
+          <p:cNvPr id="3" name="그림 2"/>
+          <p:cNvPicPr>
+            <a:picLocks noChangeAspect="1"/>
+          </p:cNvPicPr>
+          <p:nvPr/>
+        </p:nvPicPr>
+        <p:blipFill>
+          <a:blip r:embed="rId2">
+            <a:extLst>
+              <a:ext uri="{28A0092B-C50C-407E-A947-70E740481C1C}">
+                <a14:useLocalDpi xmlns:a14="http://schemas.microsoft.com/office/drawing/2010/main" val="0"/>
+              </a:ext>
+            </a:extLst>
+          </a:blip>
+          <a:stretch>
+            <a:fillRect/>
+          </a:stretch>
+        </p:blipFill>
+        <p:spPr>
+          <a:xfrm>
+            <a:off x="563113" y="1628800"/>
+            <a:ext cx="8847587" cy="3825572"/>
+          </a:xfrm>
+          <a:prstGeom prst="rect">
+            <a:avLst/>
+          </a:prstGeom>
+          <a:ln>
+            <a:solidFill>
+              <a:schemeClr val="bg1">
+                <a:lumMod val="85000"/>
+              </a:schemeClr>
+            </a:solidFill>
+          </a:ln>
+        </p:spPr>
+      </p:pic>
+      <p:sp>
+        <p:nvSpPr>
+          <p:cNvPr id="6" name="TextBox 5"/>
+          <p:cNvSpPr txBox="1"/>
+          <p:nvPr/>
+        </p:nvSpPr>
+        <p:spPr>
+          <a:xfrm>
+            <a:off x="6681192" y="2132856"/>
+            <a:ext cx="1296144" cy="374571"/>
+          </a:xfrm>
+          <a:prstGeom prst="roundRect">
+            <a:avLst/>
+          </a:prstGeom>
+          <a:ln w="19050"/>
+        </p:spPr>
+        <p:style>
+          <a:lnRef idx="2">
+            <a:schemeClr val="accent1"/>
+          </a:lnRef>
+          <a:fillRef idx="1">
+            <a:schemeClr val="lt1"/>
+          </a:fillRef>
+          <a:effectRef idx="0">
+            <a:schemeClr val="accent1"/>
+          </a:effectRef>
+          <a:fontRef idx="minor">
+            <a:schemeClr val="dk1"/>
+          </a:fontRef>
+        </p:style>
+        <p:txBody>
+          <a:bodyPr wrap="square" rtlCol="0">
+            <a:spAutoFit/>
+          </a:bodyPr>
+          <a:lstStyle/>
+          <a:p>
+            <a:pPr algn="ctr"/>
+            <a:r>
+              <a:rPr lang="en-US" altLang="ko-KR" sz="1600" dirty="0"/>
+              <a:t>u</a:t>
+            </a:r>
+            <a:r>
+              <a:rPr lang="en-US" altLang="ko-KR" sz="1600" dirty="0" smtClean="0"/>
+              <a:t>i.css</a:t>
+            </a:r>
+            <a:endParaRPr lang="ko-KR" altLang="en-US" sz="1600" dirty="0"/>
+          </a:p>
+        </p:txBody>
+      </p:sp>
+    </p:spTree>
+    <p:extLst>
+      <p:ext uri="{BB962C8B-B14F-4D97-AF65-F5344CB8AC3E}">
+        <p14:creationId xmlns:p14="http://schemas.microsoft.com/office/powerpoint/2010/main" val="1421290367"/>
+      </p:ext>
+    </p:extLst>
+  </p:cSld>
+  <p:clrMapOvr>
+    <a:masterClrMapping/>
+  </p:clrMapOvr>
+  <p:timing>
+    <p:tnLst>
+      <p:par>
+        <p:cTn id="1" dur="indefinite" restart="never" nodeType="tmRoot"/>
       </p:par>
     </p:tnLst>
   </p:timing>
